--- a/Neuerungen_Java_12_17.pptx
+++ b/Neuerungen_Java_12_17.pptx
@@ -58,65 +58,69 @@
     <p:sldId id="547" r:id="rId52"/>
     <p:sldId id="439" r:id="rId53"/>
     <p:sldId id="973" r:id="rId54"/>
-    <p:sldId id="460" r:id="rId55"/>
-    <p:sldId id="617" r:id="rId56"/>
-    <p:sldId id="549" r:id="rId57"/>
-    <p:sldId id="427" r:id="rId58"/>
-    <p:sldId id="623" r:id="rId59"/>
-    <p:sldId id="440" r:id="rId60"/>
-    <p:sldId id="974" r:id="rId61"/>
-    <p:sldId id="618" r:id="rId62"/>
-    <p:sldId id="975" r:id="rId63"/>
-    <p:sldId id="969" r:id="rId64"/>
-    <p:sldId id="260" r:id="rId65"/>
-    <p:sldId id="511" r:id="rId66"/>
-    <p:sldId id="512" r:id="rId67"/>
-    <p:sldId id="513" r:id="rId68"/>
-    <p:sldId id="514" r:id="rId69"/>
-    <p:sldId id="515" r:id="rId70"/>
-    <p:sldId id="516" r:id="rId71"/>
-    <p:sldId id="517" r:id="rId72"/>
-    <p:sldId id="946" r:id="rId73"/>
-    <p:sldId id="509" r:id="rId74"/>
-    <p:sldId id="1005" r:id="rId75"/>
-    <p:sldId id="1003" r:id="rId76"/>
-    <p:sldId id="1004" r:id="rId77"/>
-    <p:sldId id="1002" r:id="rId78"/>
-    <p:sldId id="1007" r:id="rId79"/>
-    <p:sldId id="442" r:id="rId80"/>
-    <p:sldId id="550" r:id="rId81"/>
-    <p:sldId id="624" r:id="rId82"/>
-    <p:sldId id="551" r:id="rId83"/>
-    <p:sldId id="625" r:id="rId84"/>
-    <p:sldId id="976" r:id="rId85"/>
-    <p:sldId id="552" r:id="rId86"/>
-    <p:sldId id="626" r:id="rId87"/>
-    <p:sldId id="977" r:id="rId88"/>
-    <p:sldId id="944" r:id="rId89"/>
-    <p:sldId id="980" r:id="rId90"/>
-    <p:sldId id="981" r:id="rId91"/>
-    <p:sldId id="553" r:id="rId92"/>
-    <p:sldId id="627" r:id="rId93"/>
-    <p:sldId id="742" r:id="rId94"/>
-    <p:sldId id="978" r:id="rId95"/>
-    <p:sldId id="947" r:id="rId96"/>
-    <p:sldId id="997" r:id="rId97"/>
-    <p:sldId id="979" r:id="rId98"/>
-    <p:sldId id="263" r:id="rId99"/>
-    <p:sldId id="960" r:id="rId100"/>
-    <p:sldId id="961" r:id="rId101"/>
-    <p:sldId id="962" r:id="rId102"/>
-    <p:sldId id="261" r:id="rId103"/>
-    <p:sldId id="956" r:id="rId104"/>
-    <p:sldId id="959" r:id="rId105"/>
-    <p:sldId id="957" r:id="rId106"/>
-    <p:sldId id="958" r:id="rId107"/>
-    <p:sldId id="968" r:id="rId108"/>
+    <p:sldId id="1014" r:id="rId55"/>
+    <p:sldId id="1017" r:id="rId56"/>
+    <p:sldId id="460" r:id="rId57"/>
+    <p:sldId id="617" r:id="rId58"/>
+    <p:sldId id="549" r:id="rId59"/>
+    <p:sldId id="427" r:id="rId60"/>
+    <p:sldId id="623" r:id="rId61"/>
+    <p:sldId id="440" r:id="rId62"/>
+    <p:sldId id="974" r:id="rId63"/>
+    <p:sldId id="1015" r:id="rId64"/>
+    <p:sldId id="1016" r:id="rId65"/>
+    <p:sldId id="618" r:id="rId66"/>
+    <p:sldId id="975" r:id="rId67"/>
+    <p:sldId id="969" r:id="rId68"/>
+    <p:sldId id="260" r:id="rId69"/>
+    <p:sldId id="511" r:id="rId70"/>
+    <p:sldId id="512" r:id="rId71"/>
+    <p:sldId id="513" r:id="rId72"/>
+    <p:sldId id="514" r:id="rId73"/>
+    <p:sldId id="515" r:id="rId74"/>
+    <p:sldId id="516" r:id="rId75"/>
+    <p:sldId id="517" r:id="rId76"/>
+    <p:sldId id="946" r:id="rId77"/>
+    <p:sldId id="509" r:id="rId78"/>
+    <p:sldId id="1005" r:id="rId79"/>
+    <p:sldId id="1003" r:id="rId80"/>
+    <p:sldId id="1004" r:id="rId81"/>
+    <p:sldId id="1002" r:id="rId82"/>
+    <p:sldId id="1007" r:id="rId83"/>
+    <p:sldId id="442" r:id="rId84"/>
+    <p:sldId id="550" r:id="rId85"/>
+    <p:sldId id="624" r:id="rId86"/>
+    <p:sldId id="551" r:id="rId87"/>
+    <p:sldId id="625" r:id="rId88"/>
+    <p:sldId id="976" r:id="rId89"/>
+    <p:sldId id="552" r:id="rId90"/>
+    <p:sldId id="626" r:id="rId91"/>
+    <p:sldId id="977" r:id="rId92"/>
+    <p:sldId id="944" r:id="rId93"/>
+    <p:sldId id="980" r:id="rId94"/>
+    <p:sldId id="981" r:id="rId95"/>
+    <p:sldId id="553" r:id="rId96"/>
+    <p:sldId id="627" r:id="rId97"/>
+    <p:sldId id="742" r:id="rId98"/>
+    <p:sldId id="978" r:id="rId99"/>
+    <p:sldId id="947" r:id="rId100"/>
+    <p:sldId id="997" r:id="rId101"/>
+    <p:sldId id="979" r:id="rId102"/>
+    <p:sldId id="263" r:id="rId103"/>
+    <p:sldId id="960" r:id="rId104"/>
+    <p:sldId id="961" r:id="rId105"/>
+    <p:sldId id="962" r:id="rId106"/>
+    <p:sldId id="261" r:id="rId107"/>
+    <p:sldId id="956" r:id="rId108"/>
+    <p:sldId id="959" r:id="rId109"/>
+    <p:sldId id="957" r:id="rId110"/>
+    <p:sldId id="958" r:id="rId111"/>
+    <p:sldId id="968" r:id="rId112"/>
   </p:sldIdLst>
   <p:sldSz cx="12192000" cy="6858000"/>
   <p:notesSz cx="6858000" cy="9144000"/>
   <p:custDataLst>
-    <p:tags r:id="rId109"/>
+    <p:tags r:id="rId113"/>
   </p:custDataLst>
   <p:defaultTextStyle>
     <a:defPPr>
@@ -944,7 +948,7 @@
             <a:fld id="{B61BEF0D-F0BB-DE4B-95CE-6DB70DBA9567}" type="datetimeFigureOut">
               <a:rPr lang="en-US" dirty="0"/>
               <a:pPr/>
-              <a:t>2/6/2025</a:t>
+              <a:t>2/10/2025</a:t>
             </a:fld>
             <a:endParaRPr lang="en-US" dirty="0"/>
           </a:p>
@@ -1192,7 +1196,7 @@
             <a:fld id="{B61BEF0D-F0BB-DE4B-95CE-6DB70DBA9567}" type="datetimeFigureOut">
               <a:rPr lang="en-US" dirty="0"/>
               <a:pPr/>
-              <a:t>2/6/2025</a:t>
+              <a:t>2/10/2025</a:t>
             </a:fld>
             <a:endParaRPr lang="en-US" dirty="0"/>
           </a:p>
@@ -1503,7 +1507,7 @@
             <a:fld id="{B61BEF0D-F0BB-DE4B-95CE-6DB70DBA9567}" type="datetimeFigureOut">
               <a:rPr lang="en-US" dirty="0"/>
               <a:pPr/>
-              <a:t>2/6/2025</a:t>
+              <a:t>2/10/2025</a:t>
             </a:fld>
             <a:endParaRPr lang="en-US" dirty="0"/>
           </a:p>
@@ -1841,7 +1845,7 @@
             <a:fld id="{B61BEF0D-F0BB-DE4B-95CE-6DB70DBA9567}" type="datetimeFigureOut">
               <a:rPr lang="en-US" dirty="0"/>
               <a:pPr/>
-              <a:t>2/6/2025</a:t>
+              <a:t>2/10/2025</a:t>
             </a:fld>
             <a:endParaRPr lang="en-US" dirty="0"/>
           </a:p>
@@ -2152,7 +2156,7 @@
             <a:fld id="{B61BEF0D-F0BB-DE4B-95CE-6DB70DBA9567}" type="datetimeFigureOut">
               <a:rPr lang="en-US" dirty="0"/>
               <a:pPr/>
-              <a:t>2/6/2025</a:t>
+              <a:t>2/10/2025</a:t>
             </a:fld>
             <a:endParaRPr lang="en-US" dirty="0"/>
           </a:p>
@@ -2542,7 +2546,7 @@
             <a:fld id="{B61BEF0D-F0BB-DE4B-95CE-6DB70DBA9567}" type="datetimeFigureOut">
               <a:rPr lang="en-US" dirty="0"/>
               <a:pPr/>
-              <a:t>2/6/2025</a:t>
+              <a:t>2/10/2025</a:t>
             </a:fld>
             <a:endParaRPr lang="en-US" dirty="0"/>
           </a:p>
@@ -2708,7 +2712,7 @@
           <a:p>
             <a:fld id="{55C6B4A9-1611-4792-9094-5F34BCA07E0B}" type="datetimeFigureOut">
               <a:rPr lang="en-US" dirty="0"/>
-              <a:t>2/6/2025</a:t>
+              <a:t>2/10/2025</a:t>
             </a:fld>
             <a:endParaRPr lang="en-US" dirty="0"/>
           </a:p>
@@ -2884,7 +2888,7 @@
             <a:fld id="{B61BEF0D-F0BB-DE4B-95CE-6DB70DBA9567}" type="datetimeFigureOut">
               <a:rPr lang="en-US" dirty="0"/>
               <a:pPr/>
-              <a:t>2/6/2025</a:t>
+              <a:t>2/10/2025</a:t>
             </a:fld>
             <a:endParaRPr lang="en-US" dirty="0"/>
           </a:p>
@@ -3057,7 +3061,7 @@
             <a:fld id="{B61BEF0D-F0BB-DE4B-95CE-6DB70DBA9567}" type="datetimeFigureOut">
               <a:rPr lang="en-US" dirty="0"/>
               <a:pPr/>
-              <a:t>2/6/2025</a:t>
+              <a:t>2/10/2025</a:t>
             </a:fld>
             <a:endParaRPr lang="en-US" dirty="0"/>
           </a:p>
@@ -3301,7 +3305,7 @@
             <a:fld id="{B61BEF0D-F0BB-DE4B-95CE-6DB70DBA9567}" type="datetimeFigureOut">
               <a:rPr lang="en-US" dirty="0"/>
               <a:pPr/>
-              <a:t>2/6/2025</a:t>
+              <a:t>2/10/2025</a:t>
             </a:fld>
             <a:endParaRPr lang="en-US" dirty="0"/>
           </a:p>
@@ -3529,7 +3533,7 @@
           <a:p>
             <a:fld id="{EB712588-04B1-427B-82EE-E8DB90309F08}" type="datetimeFigureOut">
               <a:rPr lang="en-US" dirty="0"/>
-              <a:t>2/6/2025</a:t>
+              <a:t>2/10/2025</a:t>
             </a:fld>
             <a:endParaRPr lang="en-US" dirty="0"/>
           </a:p>
@@ -3899,7 +3903,7 @@
             <a:fld id="{B61BEF0D-F0BB-DE4B-95CE-6DB70DBA9567}" type="datetimeFigureOut">
               <a:rPr lang="en-US" dirty="0"/>
               <a:pPr/>
-              <a:t>2/6/2025</a:t>
+              <a:t>2/10/2025</a:t>
             </a:fld>
             <a:endParaRPr lang="en-US" dirty="0"/>
           </a:p>
@@ -4019,7 +4023,7 @@
             <a:fld id="{B61BEF0D-F0BB-DE4B-95CE-6DB70DBA9567}" type="datetimeFigureOut">
               <a:rPr lang="en-US" dirty="0"/>
               <a:pPr/>
-              <a:t>2/6/2025</a:t>
+              <a:t>2/10/2025</a:t>
             </a:fld>
             <a:endParaRPr lang="en-US" dirty="0"/>
           </a:p>
@@ -4111,7 +4115,7 @@
             <a:fld id="{B61BEF0D-F0BB-DE4B-95CE-6DB70DBA9567}" type="datetimeFigureOut">
               <a:rPr lang="en-US" dirty="0"/>
               <a:pPr/>
-              <a:t>2/6/2025</a:t>
+              <a:t>2/10/2025</a:t>
             </a:fld>
             <a:endParaRPr lang="en-US" dirty="0"/>
           </a:p>
@@ -4362,7 +4366,7 @@
           <a:p>
             <a:fld id="{42A54C80-263E-416B-A8E0-580EDEADCBDC}" type="datetimeFigureOut">
               <a:rPr lang="en-US" dirty="0"/>
-              <a:t>2/6/2025</a:t>
+              <a:t>2/10/2025</a:t>
             </a:fld>
             <a:endParaRPr lang="en-US" dirty="0"/>
           </a:p>
@@ -4621,7 +4625,7 @@
             <a:fld id="{B61BEF0D-F0BB-DE4B-95CE-6DB70DBA9567}" type="datetimeFigureOut">
               <a:rPr lang="en-US" dirty="0"/>
               <a:pPr/>
-              <a:t>2/6/2025</a:t>
+              <a:t>2/10/2025</a:t>
             </a:fld>
             <a:endParaRPr lang="en-US" dirty="0"/>
           </a:p>
@@ -5427,7 +5431,7 @@
             <a:fld id="{B61BEF0D-F0BB-DE4B-95CE-6DB70DBA9567}" type="datetimeFigureOut">
               <a:rPr lang="en-US" dirty="0"/>
               <a:pPr/>
-              <a:t>2/6/2025</a:t>
+              <a:t>2/10/2025</a:t>
             </a:fld>
             <a:endParaRPr lang="en-US" dirty="0"/>
           </a:p>
@@ -6330,6 +6334,859 @@
           <p:cNvPr id="2" name="Titel 1">
             <a:extLst>
               <a:ext uri="{FF2B5EF4-FFF2-40B4-BE49-F238E27FC236}">
+                <a16:creationId xmlns:a16="http://schemas.microsoft.com/office/drawing/2014/main" id="{4446AAB6-0531-91A1-E36C-1E318B91F827}"/>
+              </a:ext>
+            </a:extLst>
+          </p:cNvPr>
+          <p:cNvSpPr>
+            <a:spLocks noGrp="1"/>
+          </p:cNvSpPr>
+          <p:nvPr>
+            <p:ph type="title"/>
+          </p:nvPr>
+        </p:nvSpPr>
+        <p:spPr/>
+        <p:txBody>
+          <a:bodyPr/>
+          <a:lstStyle/>
+          <a:p>
+            <a:r>
+              <a:rPr lang="de-DE" dirty="0"/>
+              <a:t>Verschiedenes</a:t>
+            </a:r>
+          </a:p>
+        </p:txBody>
+      </p:sp>
+      <p:sp>
+        <p:nvSpPr>
+          <p:cNvPr id="3" name="Inhaltsplatzhalter 2">
+            <a:extLst>
+              <a:ext uri="{FF2B5EF4-FFF2-40B4-BE49-F238E27FC236}">
+                <a16:creationId xmlns:a16="http://schemas.microsoft.com/office/drawing/2014/main" id="{D9757FB2-0DD2-60AB-3594-41202C003015}"/>
+              </a:ext>
+            </a:extLst>
+          </p:cNvPr>
+          <p:cNvSpPr>
+            <a:spLocks noGrp="1"/>
+          </p:cNvSpPr>
+          <p:nvPr>
+            <p:ph idx="1"/>
+          </p:nvPr>
+        </p:nvSpPr>
+        <p:spPr/>
+        <p:txBody>
+          <a:bodyPr/>
+          <a:lstStyle/>
+          <a:p>
+            <a:r>
+              <a:rPr lang="de-DE" b="0" i="0" dirty="0">
+                <a:solidFill>
+                  <a:srgbClr val="000000"/>
+                </a:solidFill>
+                <a:effectLst/>
+                <a:latin typeface="inter-regular"/>
+              </a:rPr>
+              <a:t>03_java18-21 </a:t>
+            </a:r>
+            <a:r>
+              <a:rPr lang="de-DE" b="0" i="0" dirty="0" err="1">
+                <a:solidFill>
+                  <a:srgbClr val="000000"/>
+                </a:solidFill>
+                <a:effectLst/>
+                <a:latin typeface="inter-regular"/>
+              </a:rPr>
+              <a:t>de.zettsystems.history</a:t>
+            </a:r>
+            <a:r>
+              <a:rPr lang="de-DE" b="0" i="0" dirty="0">
+                <a:solidFill>
+                  <a:srgbClr val="000000"/>
+                </a:solidFill>
+                <a:effectLst/>
+                <a:latin typeface="inter-regular"/>
+              </a:rPr>
+              <a:t> : Können wir das Eingangsbeispiel verbessern?</a:t>
+            </a:r>
+          </a:p>
+          <a:p>
+            <a:endParaRPr lang="de-DE" dirty="0"/>
+          </a:p>
+        </p:txBody>
+      </p:sp>
+    </p:spTree>
+    <p:extLst>
+      <p:ext uri="{BB962C8B-B14F-4D97-AF65-F5344CB8AC3E}">
+        <p14:creationId xmlns:p14="http://schemas.microsoft.com/office/powerpoint/2010/main" val="1611510584"/>
+      </p:ext>
+    </p:extLst>
+  </p:cSld>
+  <p:clrMapOvr>
+    <a:masterClrMapping/>
+  </p:clrMapOvr>
+</p:sld>
+</file>
+
+<file path=ppt/slides/slide101.xml><?xml version="1.0" encoding="utf-8"?>
+<p:sld xmlns:a="http://schemas.openxmlformats.org/drawingml/2006/main" xmlns:r="http://schemas.openxmlformats.org/officeDocument/2006/relationships" xmlns:p="http://schemas.openxmlformats.org/presentationml/2006/main">
+  <p:cSld>
+    <p:spTree>
+      <p:nvGrpSpPr>
+        <p:cNvPr id="1" name=""/>
+        <p:cNvGrpSpPr/>
+        <p:nvPr/>
+      </p:nvGrpSpPr>
+      <p:grpSpPr>
+        <a:xfrm>
+          <a:off x="0" y="0"/>
+          <a:ext cx="0" cy="0"/>
+          <a:chOff x="0" y="0"/>
+          <a:chExt cx="0" cy="0"/>
+        </a:xfrm>
+      </p:grpSpPr>
+      <p:sp>
+        <p:nvSpPr>
+          <p:cNvPr id="2" name="Titel 1">
+            <a:extLst>
+              <a:ext uri="{FF2B5EF4-FFF2-40B4-BE49-F238E27FC236}">
+                <a16:creationId xmlns:a16="http://schemas.microsoft.com/office/drawing/2014/main" id="{2B856FA9-41F4-27F6-74A1-8E8EE996AC0E}"/>
+              </a:ext>
+            </a:extLst>
+          </p:cNvPr>
+          <p:cNvSpPr>
+            <a:spLocks noGrp="1"/>
+          </p:cNvSpPr>
+          <p:nvPr>
+            <p:ph type="title"/>
+          </p:nvPr>
+        </p:nvSpPr>
+        <p:spPr/>
+        <p:txBody>
+          <a:bodyPr/>
+          <a:lstStyle/>
+          <a:p>
+            <a:r>
+              <a:rPr lang="de-DE" dirty="0"/>
+              <a:t>Ggf. Aufgaben</a:t>
+            </a:r>
+          </a:p>
+        </p:txBody>
+      </p:sp>
+      <p:sp>
+        <p:nvSpPr>
+          <p:cNvPr id="3" name="Inhaltsplatzhalter 2">
+            <a:extLst>
+              <a:ext uri="{FF2B5EF4-FFF2-40B4-BE49-F238E27FC236}">
+                <a16:creationId xmlns:a16="http://schemas.microsoft.com/office/drawing/2014/main" id="{941F2F06-803E-6F7A-4661-B7A2C3D64491}"/>
+              </a:ext>
+            </a:extLst>
+          </p:cNvPr>
+          <p:cNvSpPr>
+            <a:spLocks noGrp="1"/>
+          </p:cNvSpPr>
+          <p:nvPr>
+            <p:ph idx="1"/>
+          </p:nvPr>
+        </p:nvSpPr>
+        <p:spPr/>
+        <p:txBody>
+          <a:bodyPr/>
+          <a:lstStyle/>
+          <a:p>
+            <a:r>
+              <a:rPr lang="de-DE" dirty="0"/>
+              <a:t>Bitte alle TODOs in 03_java_18_21 </a:t>
+            </a:r>
+            <a:r>
+              <a:rPr lang="de-DE" dirty="0" err="1"/>
+              <a:t>package</a:t>
+            </a:r>
+            <a:r>
+              <a:rPr lang="de-DE" dirty="0"/>
+              <a:t> </a:t>
+            </a:r>
+            <a:r>
+              <a:rPr lang="de-DE" dirty="0" err="1"/>
+              <a:t>de.zettsystems.exercises</a:t>
+            </a:r>
+            <a:r>
+              <a:rPr lang="de-DE" dirty="0"/>
+              <a:t> lösen</a:t>
+            </a:r>
+          </a:p>
+        </p:txBody>
+      </p:sp>
+    </p:spTree>
+    <p:extLst>
+      <p:ext uri="{BB962C8B-B14F-4D97-AF65-F5344CB8AC3E}">
+        <p14:creationId xmlns:p14="http://schemas.microsoft.com/office/powerpoint/2010/main" val="441614988"/>
+      </p:ext>
+    </p:extLst>
+  </p:cSld>
+  <p:clrMapOvr>
+    <a:masterClrMapping/>
+  </p:clrMapOvr>
+</p:sld>
+</file>
+
+<file path=ppt/slides/slide102.xml><?xml version="1.0" encoding="utf-8"?>
+<p:sld xmlns:a="http://schemas.openxmlformats.org/drawingml/2006/main" xmlns:r="http://schemas.openxmlformats.org/officeDocument/2006/relationships" xmlns:p="http://schemas.openxmlformats.org/presentationml/2006/main">
+  <p:cSld>
+    <p:spTree>
+      <p:nvGrpSpPr>
+        <p:cNvPr id="1" name="">
+          <a:extLst>
+            <a:ext uri="{FF2B5EF4-FFF2-40B4-BE49-F238E27FC236}">
+              <a16:creationId xmlns:a16="http://schemas.microsoft.com/office/drawing/2014/main" id="{DC728F42-3571-A596-C582-B32478C34783}"/>
+            </a:ext>
+          </a:extLst>
+        </p:cNvPr>
+        <p:cNvGrpSpPr/>
+        <p:nvPr/>
+      </p:nvGrpSpPr>
+      <p:grpSpPr>
+        <a:xfrm>
+          <a:off x="0" y="0"/>
+          <a:ext cx="0" cy="0"/>
+          <a:chOff x="0" y="0"/>
+          <a:chExt cx="0" cy="0"/>
+        </a:xfrm>
+      </p:grpSpPr>
+      <p:graphicFrame>
+        <p:nvGraphicFramePr>
+          <p:cNvPr id="6" name="Objekt 5" hidden="1">
+            <a:extLst>
+              <a:ext uri="{FF2B5EF4-FFF2-40B4-BE49-F238E27FC236}">
+                <a16:creationId xmlns:a16="http://schemas.microsoft.com/office/drawing/2014/main" id="{EAD060A6-6F8E-9F87-7593-DBC950015582}"/>
+              </a:ext>
+            </a:extLst>
+          </p:cNvPr>
+          <p:cNvGraphicFramePr>
+            <a:graphicFrameLocks noChangeAspect="1"/>
+          </p:cNvGraphicFramePr>
+          <p:nvPr>
+            <p:custDataLst>
+              <p:tags r:id="rId1"/>
+            </p:custDataLst>
+          </p:nvPr>
+        </p:nvGraphicFramePr>
+        <p:xfrm>
+          <a:off x="1588" y="1588"/>
+          <a:ext cx="1227" cy="1588"/>
+        </p:xfrm>
+        <a:graphic>
+          <a:graphicData uri="http://schemas.openxmlformats.org/presentationml/2006/ole">
+            <mc:AlternateContent xmlns:mc="http://schemas.openxmlformats.org/markup-compatibility/2006">
+              <mc:Choice xmlns:v="urn:schemas-microsoft-com:vml" Requires="v">
+                <p:oleObj name="think-cell Folie" r:id="rId3" imgW="7772400" imgH="10058400" progId="TCLayout.ActiveDocument.1">
+                  <p:embed/>
+                </p:oleObj>
+              </mc:Choice>
+              <mc:Fallback>
+                <p:oleObj name="think-cell Folie" r:id="rId3" imgW="7772400" imgH="10058400" progId="TCLayout.ActiveDocument.1">
+                  <p:embed/>
+                  <p:pic>
+                    <p:nvPicPr>
+                      <p:cNvPr id="6" name="Objekt 5" hidden="1">
+                        <a:extLst>
+                          <a:ext uri="{FF2B5EF4-FFF2-40B4-BE49-F238E27FC236}">
+                            <a16:creationId xmlns:a16="http://schemas.microsoft.com/office/drawing/2014/main" id="{0FED5651-0B87-98AF-DEFF-05A31646A4FC}"/>
+                          </a:ext>
+                        </a:extLst>
+                      </p:cNvPr>
+                      <p:cNvPicPr/>
+                      <p:nvPr/>
+                    </p:nvPicPr>
+                    <p:blipFill>
+                      <a:blip r:embed="rId4"/>
+                      <a:stretch>
+                        <a:fillRect/>
+                      </a:stretch>
+                    </p:blipFill>
+                    <p:spPr>
+                      <a:xfrm>
+                        <a:off x="1588" y="1588"/>
+                        <a:ext cx="1227" cy="1588"/>
+                      </a:xfrm>
+                      <a:prstGeom prst="rect">
+                        <a:avLst/>
+                      </a:prstGeom>
+                    </p:spPr>
+                  </p:pic>
+                </p:oleObj>
+              </mc:Fallback>
+            </mc:AlternateContent>
+          </a:graphicData>
+        </a:graphic>
+      </p:graphicFrame>
+      <p:sp>
+        <p:nvSpPr>
+          <p:cNvPr id="2" name="Titel 1">
+            <a:extLst>
+              <a:ext uri="{FF2B5EF4-FFF2-40B4-BE49-F238E27FC236}">
+                <a16:creationId xmlns:a16="http://schemas.microsoft.com/office/drawing/2014/main" id="{BD265C42-AB02-D6C8-0EC1-1B5F519BCED3}"/>
+              </a:ext>
+            </a:extLst>
+          </p:cNvPr>
+          <p:cNvSpPr>
+            <a:spLocks noGrp="1"/>
+          </p:cNvSpPr>
+          <p:nvPr>
+            <p:ph type="title"/>
+          </p:nvPr>
+        </p:nvSpPr>
+        <p:spPr>
+          <a:xfrm>
+            <a:off x="677334" y="609600"/>
+            <a:ext cx="8596668" cy="618907"/>
+          </a:xfrm>
+        </p:spPr>
+        <p:txBody>
+          <a:bodyPr vert="horz">
+            <a:normAutofit fontScale="90000"/>
+          </a:bodyPr>
+          <a:lstStyle/>
+          <a:p>
+            <a:r>
+              <a:rPr lang="de-DE" dirty="0"/>
+              <a:t>Agenda</a:t>
+            </a:r>
+          </a:p>
+        </p:txBody>
+      </p:sp>
+      <p:sp>
+        <p:nvSpPr>
+          <p:cNvPr id="3" name="Inhaltsplatzhalter 2">
+            <a:extLst>
+              <a:ext uri="{FF2B5EF4-FFF2-40B4-BE49-F238E27FC236}">
+                <a16:creationId xmlns:a16="http://schemas.microsoft.com/office/drawing/2014/main" id="{EED85CCB-A8D0-0C5C-99A5-166947C7AFC3}"/>
+              </a:ext>
+            </a:extLst>
+          </p:cNvPr>
+          <p:cNvSpPr>
+            <a:spLocks noGrp="1"/>
+          </p:cNvSpPr>
+          <p:nvPr>
+            <p:ph idx="1"/>
+          </p:nvPr>
+        </p:nvSpPr>
+        <p:spPr>
+          <a:xfrm>
+            <a:off x="677334" y="1426633"/>
+            <a:ext cx="8596668" cy="5010262"/>
+          </a:xfrm>
+        </p:spPr>
+        <p:txBody>
+          <a:bodyPr vert="horz" lIns="91440" tIns="45720" rIns="91440" bIns="45720" rtlCol="0" anchor="t">
+            <a:normAutofit/>
+          </a:bodyPr>
+          <a:lstStyle/>
+          <a:p>
+            <a:r>
+              <a:rPr lang="de-DE" sz="3100" dirty="0"/>
+              <a:t>Überblick Java</a:t>
+            </a:r>
+          </a:p>
+          <a:p>
+            <a:r>
+              <a:rPr lang="de-DE" sz="3200" dirty="0"/>
+              <a:t>Neue Sprachfeatures Java 12-21</a:t>
+            </a:r>
+          </a:p>
+          <a:p>
+            <a:r>
+              <a:rPr lang="de-DE" sz="3200" dirty="0"/>
+              <a:t>Neues in der JVM 12-17</a:t>
+            </a:r>
+          </a:p>
+          <a:p>
+            <a:r>
+              <a:rPr lang="de-DE" sz="3200" dirty="0"/>
+              <a:t>Ausblick </a:t>
+            </a:r>
+            <a:r>
+              <a:rPr lang="de-DE" sz="3600" dirty="0"/>
+              <a:t>18-21</a:t>
+            </a:r>
+          </a:p>
+          <a:p>
+            <a:r>
+              <a:rPr lang="de-DE" sz="3100" dirty="0"/>
+              <a:t>Open </a:t>
+            </a:r>
+            <a:r>
+              <a:rPr lang="de-DE" sz="3100" dirty="0" err="1"/>
+              <a:t>Rewrite</a:t>
+            </a:r>
+            <a:endParaRPr lang="de-DE" sz="3100" dirty="0"/>
+          </a:p>
+          <a:p>
+            <a:pPr lvl="1"/>
+            <a:r>
+              <a:rPr lang="de-DE" sz="2900" b="1" dirty="0"/>
+              <a:t>Überblick</a:t>
+            </a:r>
+          </a:p>
+          <a:p>
+            <a:pPr lvl="1"/>
+            <a:r>
+              <a:rPr lang="de-DE" sz="2900" dirty="0"/>
+              <a:t>Automatisiert zu neuen Features</a:t>
+            </a:r>
+          </a:p>
+          <a:p>
+            <a:pPr lvl="1"/>
+            <a:r>
+              <a:rPr lang="de-DE" sz="2900" dirty="0"/>
+              <a:t>Eigene </a:t>
+            </a:r>
+            <a:r>
+              <a:rPr lang="de-DE" sz="2900" dirty="0" err="1"/>
+              <a:t>Recipes</a:t>
+            </a:r>
+            <a:r>
+              <a:rPr lang="de-DE" sz="2900" dirty="0"/>
+              <a:t> schreiben</a:t>
+            </a:r>
+          </a:p>
+          <a:p>
+            <a:endParaRPr lang="de-DE" sz="3100" dirty="0"/>
+          </a:p>
+        </p:txBody>
+      </p:sp>
+    </p:spTree>
+    <p:extLst>
+      <p:ext uri="{BB962C8B-B14F-4D97-AF65-F5344CB8AC3E}">
+        <p14:creationId xmlns:p14="http://schemas.microsoft.com/office/powerpoint/2010/main" val="237513153"/>
+      </p:ext>
+    </p:extLst>
+  </p:cSld>
+  <p:clrMapOvr>
+    <a:masterClrMapping/>
+  </p:clrMapOvr>
+</p:sld>
+</file>
+
+<file path=ppt/slides/slide103.xml><?xml version="1.0" encoding="utf-8"?>
+<p:sld xmlns:a="http://schemas.openxmlformats.org/drawingml/2006/main" xmlns:r="http://schemas.openxmlformats.org/officeDocument/2006/relationships" xmlns:p="http://schemas.openxmlformats.org/presentationml/2006/main">
+  <p:cSld>
+    <p:spTree>
+      <p:nvGrpSpPr>
+        <p:cNvPr id="1" name=""/>
+        <p:cNvGrpSpPr/>
+        <p:nvPr/>
+      </p:nvGrpSpPr>
+      <p:grpSpPr>
+        <a:xfrm>
+          <a:off x="0" y="0"/>
+          <a:ext cx="0" cy="0"/>
+          <a:chOff x="0" y="0"/>
+          <a:chExt cx="0" cy="0"/>
+        </a:xfrm>
+      </p:grpSpPr>
+      <p:sp>
+        <p:nvSpPr>
+          <p:cNvPr id="2" name="Titel 1">
+            <a:extLst>
+              <a:ext uri="{FF2B5EF4-FFF2-40B4-BE49-F238E27FC236}">
+                <a16:creationId xmlns:a16="http://schemas.microsoft.com/office/drawing/2014/main" id="{5100BA70-9C09-411D-9CDC-7BB323AF3017}"/>
+              </a:ext>
+            </a:extLst>
+          </p:cNvPr>
+          <p:cNvSpPr>
+            <a:spLocks noGrp="1"/>
+          </p:cNvSpPr>
+          <p:nvPr>
+            <p:ph type="title"/>
+          </p:nvPr>
+        </p:nvSpPr>
+        <p:spPr/>
+        <p:txBody>
+          <a:bodyPr/>
+          <a:lstStyle/>
+          <a:p>
+            <a:r>
+              <a:rPr lang="de-DE" dirty="0"/>
+              <a:t>Automatisiert </a:t>
+            </a:r>
+            <a:r>
+              <a:rPr lang="de-DE" dirty="0" err="1"/>
+              <a:t>Refactorings</a:t>
+            </a:r>
+            <a:r>
+              <a:rPr lang="de-DE" dirty="0"/>
+              <a:t> anwenden</a:t>
+            </a:r>
+          </a:p>
+        </p:txBody>
+      </p:sp>
+      <p:sp>
+        <p:nvSpPr>
+          <p:cNvPr id="3" name="Inhaltsplatzhalter 2">
+            <a:extLst>
+              <a:ext uri="{FF2B5EF4-FFF2-40B4-BE49-F238E27FC236}">
+                <a16:creationId xmlns:a16="http://schemas.microsoft.com/office/drawing/2014/main" id="{F94404F9-ED81-4EFB-B468-A0813DD247CA}"/>
+              </a:ext>
+            </a:extLst>
+          </p:cNvPr>
+          <p:cNvSpPr>
+            <a:spLocks noGrp="1"/>
+          </p:cNvSpPr>
+          <p:nvPr>
+            <p:ph idx="1"/>
+          </p:nvPr>
+        </p:nvSpPr>
+        <p:spPr>
+          <a:xfrm>
+            <a:off x="677334" y="2160589"/>
+            <a:ext cx="8596668" cy="2685783"/>
+          </a:xfrm>
+        </p:spPr>
+        <p:txBody>
+          <a:bodyPr/>
+          <a:lstStyle/>
+          <a:p>
+            <a:pPr marL="0" indent="0">
+              <a:buNone/>
+            </a:pPr>
+            <a:r>
+              <a:rPr lang="en-US" b="1" dirty="0"/>
+              <a:t>Refactoring</a:t>
+            </a:r>
+            <a:r>
+              <a:rPr lang="en-US" dirty="0"/>
+              <a:t>: a change made to the internal structure of software to make it easier to understand and cheaper to modify without changing its observable behavior. (Fowler, </a:t>
+            </a:r>
+            <a:r>
+              <a:rPr lang="en-US" dirty="0">
+                <a:hlinkClick r:id="rId2"/>
+              </a:rPr>
+              <a:t>https://martinfowler.com/bliki/DefinitionOfRefactoring.html</a:t>
+            </a:r>
+            <a:r>
+              <a:rPr lang="en-US" dirty="0"/>
+              <a:t>)</a:t>
+            </a:r>
+          </a:p>
+          <a:p>
+            <a:pPr marL="0" indent="0">
+              <a:buNone/>
+            </a:pPr>
+            <a:r>
+              <a:rPr lang="en-US" b="1" dirty="0" err="1"/>
+              <a:t>Automatisiert</a:t>
+            </a:r>
+            <a:r>
+              <a:rPr lang="en-US" b="1" dirty="0"/>
+              <a:t>:</a:t>
+            </a:r>
+            <a:r>
+              <a:rPr lang="en-US" dirty="0"/>
+              <a:t> </a:t>
+            </a:r>
+            <a:r>
+              <a:rPr lang="en-US" dirty="0" err="1"/>
+              <a:t>OpenRewrite</a:t>
+            </a:r>
+            <a:r>
+              <a:rPr lang="en-US" dirty="0"/>
+              <a:t> </a:t>
+            </a:r>
+            <a:r>
+              <a:rPr lang="en-US" dirty="0" err="1"/>
+              <a:t>liefert</a:t>
+            </a:r>
+            <a:r>
+              <a:rPr lang="en-US" dirty="0"/>
+              <a:t> Plugins </a:t>
+            </a:r>
+            <a:r>
+              <a:rPr lang="en-US" dirty="0" err="1"/>
+              <a:t>für</a:t>
+            </a:r>
+            <a:r>
+              <a:rPr lang="en-US" dirty="0"/>
+              <a:t> Maven und </a:t>
+            </a:r>
+            <a:r>
+              <a:rPr lang="en-US" dirty="0" err="1"/>
+              <a:t>gradle</a:t>
+            </a:r>
+            <a:r>
+              <a:rPr lang="en-US" dirty="0"/>
+              <a:t> und </a:t>
+            </a:r>
+            <a:r>
+              <a:rPr lang="en-US" dirty="0" err="1"/>
+              <a:t>bringt</a:t>
+            </a:r>
+            <a:r>
+              <a:rPr lang="en-US" dirty="0"/>
+              <a:t> </a:t>
+            </a:r>
+            <a:r>
+              <a:rPr lang="en-US" dirty="0" err="1"/>
+              <a:t>bereits</a:t>
+            </a:r>
+            <a:r>
+              <a:rPr lang="en-US" dirty="0"/>
+              <a:t> diverse </a:t>
+            </a:r>
+            <a:r>
+              <a:rPr lang="en-US" dirty="0" err="1"/>
+              <a:t>sogenannte</a:t>
+            </a:r>
+            <a:r>
+              <a:rPr lang="en-US" dirty="0"/>
+              <a:t> Recipes </a:t>
+            </a:r>
+            <a:r>
+              <a:rPr lang="en-US" dirty="0" err="1"/>
+              <a:t>mit</a:t>
+            </a:r>
+            <a:r>
+              <a:rPr lang="en-US" dirty="0"/>
+              <a:t>, so </a:t>
+            </a:r>
+            <a:r>
+              <a:rPr lang="en-US" dirty="0" err="1"/>
+              <a:t>dass</a:t>
+            </a:r>
+            <a:r>
+              <a:rPr lang="en-US" dirty="0"/>
+              <a:t> auf die </a:t>
+            </a:r>
+            <a:r>
+              <a:rPr lang="en-US" dirty="0" err="1"/>
+              <a:t>Entwicklerin</a:t>
+            </a:r>
+            <a:r>
+              <a:rPr lang="en-US" dirty="0"/>
+              <a:t> </a:t>
+            </a:r>
+            <a:r>
+              <a:rPr lang="en-US" dirty="0" err="1"/>
+              <a:t>lediglich</a:t>
+            </a:r>
+            <a:r>
+              <a:rPr lang="en-US" dirty="0"/>
+              <a:t> die </a:t>
+            </a:r>
+            <a:r>
+              <a:rPr lang="en-US" dirty="0" err="1"/>
+              <a:t>Konfiguration</a:t>
+            </a:r>
+            <a:r>
+              <a:rPr lang="en-US" dirty="0"/>
+              <a:t> </a:t>
+            </a:r>
+            <a:r>
+              <a:rPr lang="en-US" dirty="0" err="1"/>
+              <a:t>dieser</a:t>
+            </a:r>
+            <a:r>
+              <a:rPr lang="en-US" dirty="0"/>
+              <a:t> </a:t>
+            </a:r>
+            <a:r>
+              <a:rPr lang="en-US" dirty="0" err="1"/>
+              <a:t>sowie</a:t>
+            </a:r>
+            <a:r>
+              <a:rPr lang="en-US" dirty="0"/>
+              <a:t> das Review der </a:t>
+            </a:r>
+            <a:r>
+              <a:rPr lang="en-US" dirty="0" err="1"/>
+              <a:t>Ergebnisse</a:t>
+            </a:r>
+            <a:r>
+              <a:rPr lang="en-US" dirty="0"/>
+              <a:t> </a:t>
+            </a:r>
+            <a:r>
+              <a:rPr lang="en-US" dirty="0" err="1"/>
+              <a:t>zukommt</a:t>
+            </a:r>
+            <a:r>
+              <a:rPr lang="en-US" dirty="0"/>
+              <a:t>.</a:t>
+            </a:r>
+          </a:p>
+          <a:p>
+            <a:pPr marL="0" indent="0">
+              <a:buNone/>
+            </a:pPr>
+            <a:endParaRPr lang="en-US" dirty="0"/>
+          </a:p>
+          <a:p>
+            <a:pPr marL="0" indent="0">
+              <a:buNone/>
+            </a:pPr>
+            <a:r>
+              <a:rPr lang="en-US" dirty="0" err="1"/>
+              <a:t>Beispiel</a:t>
+            </a:r>
+            <a:r>
+              <a:rPr lang="en-US" dirty="0"/>
+              <a:t> (</a:t>
+            </a:r>
+            <a:r>
+              <a:rPr lang="en-US" dirty="0" err="1"/>
+              <a:t>oder</a:t>
+            </a:r>
+            <a:r>
+              <a:rPr lang="en-US" dirty="0"/>
+              <a:t> </a:t>
+            </a:r>
+            <a:r>
+              <a:rPr lang="en-US" dirty="0" err="1"/>
+              <a:t>anders</a:t>
+            </a:r>
+            <a:r>
+              <a:rPr lang="en-US" dirty="0"/>
+              <a:t> rum ;-)):</a:t>
+            </a:r>
+            <a:endParaRPr lang="de-DE" dirty="0"/>
+          </a:p>
+        </p:txBody>
+      </p:sp>
+      <p:pic>
+        <p:nvPicPr>
+          <p:cNvPr id="4" name="Grafik 3">
+            <a:extLst>
+              <a:ext uri="{FF2B5EF4-FFF2-40B4-BE49-F238E27FC236}">
+                <a16:creationId xmlns:a16="http://schemas.microsoft.com/office/drawing/2014/main" id="{5B81ECC0-E76E-4DCB-909A-3CE9FE9AD991}"/>
+              </a:ext>
+            </a:extLst>
+          </p:cNvPr>
+          <p:cNvPicPr>
+            <a:picLocks noChangeAspect="1"/>
+          </p:cNvPicPr>
+          <p:nvPr/>
+        </p:nvPicPr>
+        <p:blipFill rotWithShape="1">
+          <a:blip r:embed="rId3"/>
+          <a:srcRect r="61260"/>
+          <a:stretch/>
+        </p:blipFill>
+        <p:spPr>
+          <a:xfrm>
+            <a:off x="677334" y="4846372"/>
+            <a:ext cx="2808074" cy="1333500"/>
+          </a:xfrm>
+          <a:prstGeom prst="rect">
+            <a:avLst/>
+          </a:prstGeom>
+        </p:spPr>
+      </p:pic>
+      <p:pic>
+        <p:nvPicPr>
+          <p:cNvPr id="5" name="Grafik 4">
+            <a:extLst>
+              <a:ext uri="{FF2B5EF4-FFF2-40B4-BE49-F238E27FC236}">
+                <a16:creationId xmlns:a16="http://schemas.microsoft.com/office/drawing/2014/main" id="{8CCA5AC1-BAFC-4ACE-BF77-4AC0DE9BB0BF}"/>
+              </a:ext>
+            </a:extLst>
+          </p:cNvPr>
+          <p:cNvPicPr>
+            <a:picLocks noChangeAspect="1"/>
+          </p:cNvPicPr>
+          <p:nvPr/>
+        </p:nvPicPr>
+        <p:blipFill rotWithShape="1">
+          <a:blip r:embed="rId4"/>
+          <a:srcRect r="11511"/>
+          <a:stretch/>
+        </p:blipFill>
+        <p:spPr>
+          <a:xfrm>
+            <a:off x="5236830" y="4846372"/>
+            <a:ext cx="3556849" cy="1285875"/>
+          </a:xfrm>
+          <a:prstGeom prst="rect">
+            <a:avLst/>
+          </a:prstGeom>
+        </p:spPr>
+      </p:pic>
+      <p:cxnSp>
+        <p:nvCxnSpPr>
+          <p:cNvPr id="8" name="Gerade Verbindung mit Pfeil 7">
+            <a:extLst>
+              <a:ext uri="{FF2B5EF4-FFF2-40B4-BE49-F238E27FC236}">
+                <a16:creationId xmlns:a16="http://schemas.microsoft.com/office/drawing/2014/main" id="{C342C5B1-EEF2-4E3B-8E0B-2488B611A400}"/>
+              </a:ext>
+            </a:extLst>
+          </p:cNvPr>
+          <p:cNvCxnSpPr>
+            <a:stCxn id="4" idx="3"/>
+            <a:endCxn id="5" idx="1"/>
+          </p:cNvCxnSpPr>
+          <p:nvPr/>
+        </p:nvCxnSpPr>
+        <p:spPr>
+          <a:xfrm flipV="1">
+            <a:off x="3485408" y="5489310"/>
+            <a:ext cx="1751422" cy="23812"/>
+          </a:xfrm>
+          <a:prstGeom prst="straightConnector1">
+            <a:avLst/>
+          </a:prstGeom>
+          <a:ln w="152400">
+            <a:headEnd type="triangle"/>
+            <a:tailEnd type="triangle"/>
+          </a:ln>
+        </p:spPr>
+        <p:style>
+          <a:lnRef idx="1">
+            <a:schemeClr val="accent1"/>
+          </a:lnRef>
+          <a:fillRef idx="0">
+            <a:schemeClr val="accent1"/>
+          </a:fillRef>
+          <a:effectRef idx="0">
+            <a:schemeClr val="accent1"/>
+          </a:effectRef>
+          <a:fontRef idx="minor">
+            <a:schemeClr val="tx1"/>
+          </a:fontRef>
+        </p:style>
+      </p:cxnSp>
+    </p:spTree>
+    <p:extLst>
+      <p:ext uri="{BB962C8B-B14F-4D97-AF65-F5344CB8AC3E}">
+        <p14:creationId xmlns:p14="http://schemas.microsoft.com/office/powerpoint/2010/main" val="3089206217"/>
+      </p:ext>
+    </p:extLst>
+  </p:cSld>
+  <p:clrMapOvr>
+    <a:masterClrMapping/>
+  </p:clrMapOvr>
+</p:sld>
+</file>
+
+<file path=ppt/slides/slide104.xml><?xml version="1.0" encoding="utf-8"?>
+<p:sld xmlns:a="http://schemas.openxmlformats.org/drawingml/2006/main" xmlns:r="http://schemas.openxmlformats.org/officeDocument/2006/relationships" xmlns:p="http://schemas.openxmlformats.org/presentationml/2006/main">
+  <p:cSld>
+    <p:spTree>
+      <p:nvGrpSpPr>
+        <p:cNvPr id="1" name=""/>
+        <p:cNvGrpSpPr/>
+        <p:nvPr/>
+      </p:nvGrpSpPr>
+      <p:grpSpPr>
+        <a:xfrm>
+          <a:off x="0" y="0"/>
+          <a:ext cx="0" cy="0"/>
+          <a:chOff x="0" y="0"/>
+          <a:chExt cx="0" cy="0"/>
+        </a:xfrm>
+      </p:grpSpPr>
+      <p:sp>
+        <p:nvSpPr>
+          <p:cNvPr id="2" name="Titel 1">
+            <a:extLst>
+              <a:ext uri="{FF2B5EF4-FFF2-40B4-BE49-F238E27FC236}">
                 <a16:creationId xmlns:a16="http://schemas.microsoft.com/office/drawing/2014/main" id="{A5E84CCE-403E-4122-88EF-CD04C1116028}"/>
               </a:ext>
             </a:extLst>
@@ -7075,7 +7932,7 @@
 </p:sld>
 </file>
 
-<file path=ppt/slides/slide101.xml><?xml version="1.0" encoding="utf-8"?>
+<file path=ppt/slides/slide105.xml><?xml version="1.0" encoding="utf-8"?>
 <p:sld xmlns:a="http://schemas.openxmlformats.org/drawingml/2006/main" xmlns:r="http://schemas.openxmlformats.org/officeDocument/2006/relationships" xmlns:p="http://schemas.openxmlformats.org/presentationml/2006/main">
   <p:cSld>
     <p:spTree>
@@ -7382,7 +8239,7 @@
 </p:sld>
 </file>
 
-<file path=ppt/slides/slide102.xml><?xml version="1.0" encoding="utf-8"?>
+<file path=ppt/slides/slide106.xml><?xml version="1.0" encoding="utf-8"?>
 <p:sld xmlns:a="http://schemas.openxmlformats.org/drawingml/2006/main" xmlns:r="http://schemas.openxmlformats.org/officeDocument/2006/relationships" xmlns:p="http://schemas.openxmlformats.org/presentationml/2006/main">
   <p:cSld>
     <p:spTree>
@@ -7586,7 +8443,7 @@
 </p:sld>
 </file>
 
-<file path=ppt/slides/slide103.xml><?xml version="1.0" encoding="utf-8"?>
+<file path=ppt/slides/slide107.xml><?xml version="1.0" encoding="utf-8"?>
 <p:sld xmlns:a="http://schemas.openxmlformats.org/drawingml/2006/main" xmlns:r="http://schemas.openxmlformats.org/officeDocument/2006/relationships" xmlns:p="http://schemas.openxmlformats.org/presentationml/2006/main">
   <p:cSld>
     <p:spTree>
@@ -7824,7 +8681,7 @@
 </p:sld>
 </file>
 
-<file path=ppt/slides/slide104.xml><?xml version="1.0" encoding="utf-8"?>
+<file path=ppt/slides/slide108.xml><?xml version="1.0" encoding="utf-8"?>
 <p:sld xmlns:a="http://schemas.openxmlformats.org/drawingml/2006/main" xmlns:r="http://schemas.openxmlformats.org/officeDocument/2006/relationships" xmlns:p="http://schemas.openxmlformats.org/presentationml/2006/main">
   <p:cSld>
     <p:spTree>
@@ -7974,7 +8831,7 @@
 </p:sld>
 </file>
 
-<file path=ppt/slides/slide105.xml><?xml version="1.0" encoding="utf-8"?>
+<file path=ppt/slides/slide109.xml><?xml version="1.0" encoding="utf-8"?>
 <p:sld xmlns:a="http://schemas.openxmlformats.org/drawingml/2006/main" xmlns:r="http://schemas.openxmlformats.org/officeDocument/2006/relationships" xmlns:p="http://schemas.openxmlformats.org/presentationml/2006/main">
   <p:cSld>
     <p:spTree>
@@ -8212,186 +9069,6 @@
 </p:sld>
 </file>
 
-<file path=ppt/slides/slide106.xml><?xml version="1.0" encoding="utf-8"?>
-<p:sld xmlns:a="http://schemas.openxmlformats.org/drawingml/2006/main" xmlns:r="http://schemas.openxmlformats.org/officeDocument/2006/relationships" xmlns:p="http://schemas.openxmlformats.org/presentationml/2006/main">
-  <p:cSld>
-    <p:spTree>
-      <p:nvGrpSpPr>
-        <p:cNvPr id="1" name=""/>
-        <p:cNvGrpSpPr/>
-        <p:nvPr/>
-      </p:nvGrpSpPr>
-      <p:grpSpPr>
-        <a:xfrm>
-          <a:off x="0" y="0"/>
-          <a:ext cx="0" cy="0"/>
-          <a:chOff x="0" y="0"/>
-          <a:chExt cx="0" cy="0"/>
-        </a:xfrm>
-      </p:grpSpPr>
-      <p:sp>
-        <p:nvSpPr>
-          <p:cNvPr id="2" name="Titel 1">
-            <a:extLst>
-              <a:ext uri="{FF2B5EF4-FFF2-40B4-BE49-F238E27FC236}">
-                <a16:creationId xmlns:a16="http://schemas.microsoft.com/office/drawing/2014/main" id="{43BD7913-2F8F-B453-440C-62BA1146C0FF}"/>
-              </a:ext>
-            </a:extLst>
-          </p:cNvPr>
-          <p:cNvSpPr>
-            <a:spLocks noGrp="1"/>
-          </p:cNvSpPr>
-          <p:nvPr>
-            <p:ph type="title"/>
-          </p:nvPr>
-        </p:nvSpPr>
-        <p:spPr/>
-        <p:txBody>
-          <a:bodyPr/>
-          <a:lstStyle/>
-          <a:p>
-            <a:r>
-              <a:rPr lang="de-DE" dirty="0" err="1"/>
-              <a:t>Zettsystems-recipes</a:t>
-            </a:r>
-            <a:endParaRPr lang="de-DE" dirty="0"/>
-          </a:p>
-        </p:txBody>
-      </p:sp>
-      <p:sp>
-        <p:nvSpPr>
-          <p:cNvPr id="3" name="Inhaltsplatzhalter 2">
-            <a:extLst>
-              <a:ext uri="{FF2B5EF4-FFF2-40B4-BE49-F238E27FC236}">
-                <a16:creationId xmlns:a16="http://schemas.microsoft.com/office/drawing/2014/main" id="{FB95DBE2-02EA-7150-C5D4-0661F4AA0D4C}"/>
-              </a:ext>
-            </a:extLst>
-          </p:cNvPr>
-          <p:cNvSpPr>
-            <a:spLocks noGrp="1"/>
-          </p:cNvSpPr>
-          <p:nvPr>
-            <p:ph idx="1"/>
-          </p:nvPr>
-        </p:nvSpPr>
-        <p:spPr/>
-        <p:txBody>
-          <a:bodyPr/>
-          <a:lstStyle/>
-          <a:p>
-            <a:r>
-              <a:rPr lang="de-DE" dirty="0">
-                <a:hlinkClick r:id="rId2"/>
-              </a:rPr>
-              <a:t>https://github.com/MichaelZett/zettsystems-recipes</a:t>
-            </a:r>
-            <a:endParaRPr lang="de-DE" dirty="0"/>
-          </a:p>
-          <a:p>
-            <a:endParaRPr lang="de-DE" dirty="0"/>
-          </a:p>
-        </p:txBody>
-      </p:sp>
-    </p:spTree>
-    <p:extLst>
-      <p:ext uri="{BB962C8B-B14F-4D97-AF65-F5344CB8AC3E}">
-        <p14:creationId xmlns:p14="http://schemas.microsoft.com/office/powerpoint/2010/main" val="336256060"/>
-      </p:ext>
-    </p:extLst>
-  </p:cSld>
-  <p:clrMapOvr>
-    <a:masterClrMapping/>
-  </p:clrMapOvr>
-</p:sld>
-</file>
-
-<file path=ppt/slides/slide107.xml><?xml version="1.0" encoding="utf-8"?>
-<p:sld xmlns:a="http://schemas.openxmlformats.org/drawingml/2006/main" xmlns:r="http://schemas.openxmlformats.org/officeDocument/2006/relationships" xmlns:p="http://schemas.openxmlformats.org/presentationml/2006/main">
-  <p:cSld>
-    <p:spTree>
-      <p:nvGrpSpPr>
-        <p:cNvPr id="1" name=""/>
-        <p:cNvGrpSpPr/>
-        <p:nvPr/>
-      </p:nvGrpSpPr>
-      <p:grpSpPr>
-        <a:xfrm>
-          <a:off x="0" y="0"/>
-          <a:ext cx="0" cy="0"/>
-          <a:chOff x="0" y="0"/>
-          <a:chExt cx="0" cy="0"/>
-        </a:xfrm>
-      </p:grpSpPr>
-      <p:sp>
-        <p:nvSpPr>
-          <p:cNvPr id="2" name="Titel 1">
-            <a:extLst>
-              <a:ext uri="{FF2B5EF4-FFF2-40B4-BE49-F238E27FC236}">
-                <a16:creationId xmlns:a16="http://schemas.microsoft.com/office/drawing/2014/main" id="{17AD56F2-52B0-C4CB-F9F1-3E55421AF1A3}"/>
-              </a:ext>
-            </a:extLst>
-          </p:cNvPr>
-          <p:cNvSpPr>
-            <a:spLocks noGrp="1"/>
-          </p:cNvSpPr>
-          <p:nvPr>
-            <p:ph type="title"/>
-          </p:nvPr>
-        </p:nvSpPr>
-        <p:spPr/>
-        <p:txBody>
-          <a:bodyPr/>
-          <a:lstStyle/>
-          <a:p>
-            <a:r>
-              <a:rPr lang="de-DE" dirty="0"/>
-              <a:t>Abschluss</a:t>
-            </a:r>
-          </a:p>
-        </p:txBody>
-      </p:sp>
-      <p:sp>
-        <p:nvSpPr>
-          <p:cNvPr id="3" name="Inhaltsplatzhalter 2">
-            <a:extLst>
-              <a:ext uri="{FF2B5EF4-FFF2-40B4-BE49-F238E27FC236}">
-                <a16:creationId xmlns:a16="http://schemas.microsoft.com/office/drawing/2014/main" id="{7C029D89-4EA0-A009-0A31-E10D35E1E1A4}"/>
-              </a:ext>
-            </a:extLst>
-          </p:cNvPr>
-          <p:cNvSpPr>
-            <a:spLocks noGrp="1"/>
-          </p:cNvSpPr>
-          <p:nvPr>
-            <p:ph idx="1"/>
-          </p:nvPr>
-        </p:nvSpPr>
-        <p:spPr/>
-        <p:txBody>
-          <a:bodyPr/>
-          <a:lstStyle/>
-          <a:p>
-            <a:r>
-              <a:rPr lang="de-DE"/>
-              <a:t>Fragen?</a:t>
-            </a:r>
-            <a:endParaRPr lang="de-DE" dirty="0"/>
-          </a:p>
-        </p:txBody>
-      </p:sp>
-    </p:spTree>
-    <p:extLst>
-      <p:ext uri="{BB962C8B-B14F-4D97-AF65-F5344CB8AC3E}">
-        <p14:creationId xmlns:p14="http://schemas.microsoft.com/office/powerpoint/2010/main" val="1593829000"/>
-      </p:ext>
-    </p:extLst>
-  </p:cSld>
-  <p:clrMapOvr>
-    <a:masterClrMapping/>
-  </p:clrMapOvr>
-</p:sld>
-</file>
-
 <file path=ppt/slides/slide11.xml><?xml version="1.0" encoding="utf-8"?>
 <p:sld xmlns:a="http://schemas.openxmlformats.org/drawingml/2006/main" xmlns:r="http://schemas.openxmlformats.org/officeDocument/2006/relationships" xmlns:p="http://schemas.openxmlformats.org/presentationml/2006/main">
   <p:cSld>
@@ -8557,6 +9234,186 @@
     <p:extLst>
       <p:ext uri="{BB962C8B-B14F-4D97-AF65-F5344CB8AC3E}">
         <p14:creationId xmlns:p14="http://schemas.microsoft.com/office/powerpoint/2010/main" val="3306990165"/>
+      </p:ext>
+    </p:extLst>
+  </p:cSld>
+  <p:clrMapOvr>
+    <a:masterClrMapping/>
+  </p:clrMapOvr>
+</p:sld>
+</file>
+
+<file path=ppt/slides/slide110.xml><?xml version="1.0" encoding="utf-8"?>
+<p:sld xmlns:a="http://schemas.openxmlformats.org/drawingml/2006/main" xmlns:r="http://schemas.openxmlformats.org/officeDocument/2006/relationships" xmlns:p="http://schemas.openxmlformats.org/presentationml/2006/main">
+  <p:cSld>
+    <p:spTree>
+      <p:nvGrpSpPr>
+        <p:cNvPr id="1" name=""/>
+        <p:cNvGrpSpPr/>
+        <p:nvPr/>
+      </p:nvGrpSpPr>
+      <p:grpSpPr>
+        <a:xfrm>
+          <a:off x="0" y="0"/>
+          <a:ext cx="0" cy="0"/>
+          <a:chOff x="0" y="0"/>
+          <a:chExt cx="0" cy="0"/>
+        </a:xfrm>
+      </p:grpSpPr>
+      <p:sp>
+        <p:nvSpPr>
+          <p:cNvPr id="2" name="Titel 1">
+            <a:extLst>
+              <a:ext uri="{FF2B5EF4-FFF2-40B4-BE49-F238E27FC236}">
+                <a16:creationId xmlns:a16="http://schemas.microsoft.com/office/drawing/2014/main" id="{43BD7913-2F8F-B453-440C-62BA1146C0FF}"/>
+              </a:ext>
+            </a:extLst>
+          </p:cNvPr>
+          <p:cNvSpPr>
+            <a:spLocks noGrp="1"/>
+          </p:cNvSpPr>
+          <p:nvPr>
+            <p:ph type="title"/>
+          </p:nvPr>
+        </p:nvSpPr>
+        <p:spPr/>
+        <p:txBody>
+          <a:bodyPr/>
+          <a:lstStyle/>
+          <a:p>
+            <a:r>
+              <a:rPr lang="de-DE" dirty="0" err="1"/>
+              <a:t>Zettsystems-recipes</a:t>
+            </a:r>
+            <a:endParaRPr lang="de-DE" dirty="0"/>
+          </a:p>
+        </p:txBody>
+      </p:sp>
+      <p:sp>
+        <p:nvSpPr>
+          <p:cNvPr id="3" name="Inhaltsplatzhalter 2">
+            <a:extLst>
+              <a:ext uri="{FF2B5EF4-FFF2-40B4-BE49-F238E27FC236}">
+                <a16:creationId xmlns:a16="http://schemas.microsoft.com/office/drawing/2014/main" id="{FB95DBE2-02EA-7150-C5D4-0661F4AA0D4C}"/>
+              </a:ext>
+            </a:extLst>
+          </p:cNvPr>
+          <p:cNvSpPr>
+            <a:spLocks noGrp="1"/>
+          </p:cNvSpPr>
+          <p:nvPr>
+            <p:ph idx="1"/>
+          </p:nvPr>
+        </p:nvSpPr>
+        <p:spPr/>
+        <p:txBody>
+          <a:bodyPr/>
+          <a:lstStyle/>
+          <a:p>
+            <a:r>
+              <a:rPr lang="de-DE" dirty="0">
+                <a:hlinkClick r:id="rId2"/>
+              </a:rPr>
+              <a:t>https://github.com/MichaelZett/zettsystems-recipes</a:t>
+            </a:r>
+            <a:endParaRPr lang="de-DE" dirty="0"/>
+          </a:p>
+          <a:p>
+            <a:endParaRPr lang="de-DE" dirty="0"/>
+          </a:p>
+        </p:txBody>
+      </p:sp>
+    </p:spTree>
+    <p:extLst>
+      <p:ext uri="{BB962C8B-B14F-4D97-AF65-F5344CB8AC3E}">
+        <p14:creationId xmlns:p14="http://schemas.microsoft.com/office/powerpoint/2010/main" val="336256060"/>
+      </p:ext>
+    </p:extLst>
+  </p:cSld>
+  <p:clrMapOvr>
+    <a:masterClrMapping/>
+  </p:clrMapOvr>
+</p:sld>
+</file>
+
+<file path=ppt/slides/slide111.xml><?xml version="1.0" encoding="utf-8"?>
+<p:sld xmlns:a="http://schemas.openxmlformats.org/drawingml/2006/main" xmlns:r="http://schemas.openxmlformats.org/officeDocument/2006/relationships" xmlns:p="http://schemas.openxmlformats.org/presentationml/2006/main">
+  <p:cSld>
+    <p:spTree>
+      <p:nvGrpSpPr>
+        <p:cNvPr id="1" name=""/>
+        <p:cNvGrpSpPr/>
+        <p:nvPr/>
+      </p:nvGrpSpPr>
+      <p:grpSpPr>
+        <a:xfrm>
+          <a:off x="0" y="0"/>
+          <a:ext cx="0" cy="0"/>
+          <a:chOff x="0" y="0"/>
+          <a:chExt cx="0" cy="0"/>
+        </a:xfrm>
+      </p:grpSpPr>
+      <p:sp>
+        <p:nvSpPr>
+          <p:cNvPr id="2" name="Titel 1">
+            <a:extLst>
+              <a:ext uri="{FF2B5EF4-FFF2-40B4-BE49-F238E27FC236}">
+                <a16:creationId xmlns:a16="http://schemas.microsoft.com/office/drawing/2014/main" id="{17AD56F2-52B0-C4CB-F9F1-3E55421AF1A3}"/>
+              </a:ext>
+            </a:extLst>
+          </p:cNvPr>
+          <p:cNvSpPr>
+            <a:spLocks noGrp="1"/>
+          </p:cNvSpPr>
+          <p:nvPr>
+            <p:ph type="title"/>
+          </p:nvPr>
+        </p:nvSpPr>
+        <p:spPr/>
+        <p:txBody>
+          <a:bodyPr/>
+          <a:lstStyle/>
+          <a:p>
+            <a:r>
+              <a:rPr lang="de-DE" dirty="0"/>
+              <a:t>Abschluss</a:t>
+            </a:r>
+          </a:p>
+        </p:txBody>
+      </p:sp>
+      <p:sp>
+        <p:nvSpPr>
+          <p:cNvPr id="3" name="Inhaltsplatzhalter 2">
+            <a:extLst>
+              <a:ext uri="{FF2B5EF4-FFF2-40B4-BE49-F238E27FC236}">
+                <a16:creationId xmlns:a16="http://schemas.microsoft.com/office/drawing/2014/main" id="{7C029D89-4EA0-A009-0A31-E10D35E1E1A4}"/>
+              </a:ext>
+            </a:extLst>
+          </p:cNvPr>
+          <p:cNvSpPr>
+            <a:spLocks noGrp="1"/>
+          </p:cNvSpPr>
+          <p:nvPr>
+            <p:ph idx="1"/>
+          </p:nvPr>
+        </p:nvSpPr>
+        <p:spPr/>
+        <p:txBody>
+          <a:bodyPr/>
+          <a:lstStyle/>
+          <a:p>
+            <a:r>
+              <a:rPr lang="de-DE"/>
+              <a:t>Fragen?</a:t>
+            </a:r>
+            <a:endParaRPr lang="de-DE" dirty="0"/>
+          </a:p>
+        </p:txBody>
+      </p:sp>
+    </p:spTree>
+    <p:extLst>
+      <p:ext uri="{BB962C8B-B14F-4D97-AF65-F5344CB8AC3E}">
+        <p14:creationId xmlns:p14="http://schemas.microsoft.com/office/powerpoint/2010/main" val="1593829000"/>
       </p:ext>
     </p:extLst>
   </p:cSld>
@@ -26988,6 +27845,496 @@
           <a:chExt cx="0" cy="0"/>
         </a:xfrm>
       </p:grpSpPr>
+      <p:sp>
+        <p:nvSpPr>
+          <p:cNvPr id="2" name="Titel 1">
+            <a:extLst>
+              <a:ext uri="{FF2B5EF4-FFF2-40B4-BE49-F238E27FC236}">
+                <a16:creationId xmlns:a16="http://schemas.microsoft.com/office/drawing/2014/main" id="{AF671192-E350-948F-9F74-A7554F6C31E2}"/>
+              </a:ext>
+            </a:extLst>
+          </p:cNvPr>
+          <p:cNvSpPr>
+            <a:spLocks noGrp="1"/>
+          </p:cNvSpPr>
+          <p:nvPr>
+            <p:ph type="title"/>
+          </p:nvPr>
+        </p:nvSpPr>
+        <p:spPr/>
+        <p:txBody>
+          <a:bodyPr/>
+          <a:lstStyle/>
+          <a:p>
+            <a:r>
+              <a:rPr lang="de-DE" dirty="0"/>
+              <a:t>Quiz</a:t>
+            </a:r>
+          </a:p>
+        </p:txBody>
+      </p:sp>
+      <p:pic>
+        <p:nvPicPr>
+          <p:cNvPr id="5" name="Grafik 4">
+            <a:extLst>
+              <a:ext uri="{FF2B5EF4-FFF2-40B4-BE49-F238E27FC236}">
+                <a16:creationId xmlns:a16="http://schemas.microsoft.com/office/drawing/2014/main" id="{AD3CFE86-0B77-2E06-031B-6315217EF492}"/>
+              </a:ext>
+            </a:extLst>
+          </p:cNvPr>
+          <p:cNvPicPr>
+            <a:picLocks noChangeAspect="1"/>
+          </p:cNvPicPr>
+          <p:nvPr/>
+        </p:nvPicPr>
+        <p:blipFill>
+          <a:blip r:embed="rId2"/>
+          <a:stretch>
+            <a:fillRect/>
+          </a:stretch>
+        </p:blipFill>
+        <p:spPr>
+          <a:xfrm>
+            <a:off x="815551" y="1426868"/>
+            <a:ext cx="6077798" cy="4220164"/>
+          </a:xfrm>
+          <a:prstGeom prst="rect">
+            <a:avLst/>
+          </a:prstGeom>
+        </p:spPr>
+      </p:pic>
+      <p:sp>
+        <p:nvSpPr>
+          <p:cNvPr id="6" name="Textfeld 5">
+            <a:extLst>
+              <a:ext uri="{FF2B5EF4-FFF2-40B4-BE49-F238E27FC236}">
+                <a16:creationId xmlns:a16="http://schemas.microsoft.com/office/drawing/2014/main" id="{98C24A5B-FD3E-AC0A-D1CD-081186CA04DD}"/>
+              </a:ext>
+            </a:extLst>
+          </p:cNvPr>
+          <p:cNvSpPr txBox="1"/>
+          <p:nvPr/>
+        </p:nvSpPr>
+        <p:spPr>
+          <a:xfrm>
+            <a:off x="7340600" y="2368034"/>
+            <a:ext cx="2031083" cy="369332"/>
+          </a:xfrm>
+          <a:prstGeom prst="rect">
+            <a:avLst/>
+          </a:prstGeom>
+          <a:noFill/>
+        </p:spPr>
+        <p:txBody>
+          <a:bodyPr wrap="square" rtlCol="0">
+            <a:spAutoFit/>
+          </a:bodyPr>
+          <a:lstStyle/>
+          <a:p>
+            <a:pPr algn="just"/>
+            <a:r>
+              <a:rPr lang="en-US" b="0" i="0" dirty="0">
+                <a:solidFill>
+                  <a:srgbClr val="000000"/>
+                </a:solidFill>
+                <a:effectLst/>
+                <a:latin typeface="inter-regular"/>
+              </a:rPr>
+              <a:t>A,E </a:t>
+            </a:r>
+            <a:r>
+              <a:rPr lang="en-US" b="0" i="0" dirty="0" err="1">
+                <a:solidFill>
+                  <a:srgbClr val="000000"/>
+                </a:solidFill>
+                <a:effectLst/>
+                <a:latin typeface="inter-regular"/>
+              </a:rPr>
+              <a:t>sind</a:t>
+            </a:r>
+            <a:r>
+              <a:rPr lang="en-US" b="0" i="0" dirty="0">
+                <a:solidFill>
+                  <a:srgbClr val="000000"/>
+                </a:solidFill>
+                <a:effectLst/>
+                <a:latin typeface="inter-regular"/>
+              </a:rPr>
+              <a:t> </a:t>
+            </a:r>
+            <a:r>
+              <a:rPr lang="en-US" b="0" i="0" dirty="0" err="1">
+                <a:solidFill>
+                  <a:srgbClr val="000000"/>
+                </a:solidFill>
+                <a:effectLst/>
+                <a:latin typeface="inter-regular"/>
+              </a:rPr>
+              <a:t>richtig</a:t>
+            </a:r>
+            <a:endParaRPr lang="en-US" b="0" i="0" dirty="0">
+              <a:solidFill>
+                <a:srgbClr val="000000"/>
+              </a:solidFill>
+              <a:effectLst/>
+              <a:latin typeface="inter-regular"/>
+            </a:endParaRPr>
+          </a:p>
+        </p:txBody>
+      </p:sp>
+    </p:spTree>
+    <p:extLst>
+      <p:ext uri="{BB962C8B-B14F-4D97-AF65-F5344CB8AC3E}">
+        <p14:creationId xmlns:p14="http://schemas.microsoft.com/office/powerpoint/2010/main" val="2000544555"/>
+      </p:ext>
+    </p:extLst>
+  </p:cSld>
+  <p:clrMapOvr>
+    <a:masterClrMapping/>
+  </p:clrMapOvr>
+  <p:timing>
+    <p:tnLst>
+      <p:par>
+        <p:cTn id="1" dur="indefinite" restart="never" nodeType="tmRoot">
+          <p:childTnLst>
+            <p:seq concurrent="1" nextAc="seek">
+              <p:cTn id="2" dur="indefinite" nodeType="mainSeq">
+                <p:childTnLst>
+                  <p:par>
+                    <p:cTn id="3" fill="hold">
+                      <p:stCondLst>
+                        <p:cond delay="indefinite"/>
+                      </p:stCondLst>
+                      <p:childTnLst>
+                        <p:par>
+                          <p:cTn id="4" fill="hold">
+                            <p:stCondLst>
+                              <p:cond delay="0"/>
+                            </p:stCondLst>
+                            <p:childTnLst>
+                              <p:par>
+                                <p:cTn id="5" presetID="1" presetClass="entr" presetSubtype="0" fill="hold" grpId="0" nodeType="clickEffect">
+                                  <p:stCondLst>
+                                    <p:cond delay="0"/>
+                                  </p:stCondLst>
+                                  <p:childTnLst>
+                                    <p:set>
+                                      <p:cBhvr>
+                                        <p:cTn id="6" dur="1" fill="hold">
+                                          <p:stCondLst>
+                                            <p:cond delay="0"/>
+                                          </p:stCondLst>
+                                        </p:cTn>
+                                        <p:tgtEl>
+                                          <p:spTgt spid="6"/>
+                                        </p:tgtEl>
+                                        <p:attrNameLst>
+                                          <p:attrName>style.visibility</p:attrName>
+                                        </p:attrNameLst>
+                                      </p:cBhvr>
+                                      <p:to>
+                                        <p:strVal val="visible"/>
+                                      </p:to>
+                                    </p:set>
+                                  </p:childTnLst>
+                                </p:cTn>
+                              </p:par>
+                            </p:childTnLst>
+                          </p:cTn>
+                        </p:par>
+                      </p:childTnLst>
+                    </p:cTn>
+                  </p:par>
+                </p:childTnLst>
+              </p:cTn>
+              <p:prevCondLst>
+                <p:cond evt="onPrev" delay="0">
+                  <p:tgtEl>
+                    <p:sldTgt/>
+                  </p:tgtEl>
+                </p:cond>
+              </p:prevCondLst>
+              <p:nextCondLst>
+                <p:cond evt="onNext" delay="0">
+                  <p:tgtEl>
+                    <p:sldTgt/>
+                  </p:tgtEl>
+                </p:cond>
+              </p:nextCondLst>
+            </p:seq>
+          </p:childTnLst>
+        </p:cTn>
+      </p:par>
+    </p:tnLst>
+    <p:bldLst>
+      <p:bldP spid="6" grpId="0"/>
+    </p:bldLst>
+  </p:timing>
+</p:sld>
+</file>
+
+<file path=ppt/slides/slide55.xml><?xml version="1.0" encoding="utf-8"?>
+<p:sld xmlns:a="http://schemas.openxmlformats.org/drawingml/2006/main" xmlns:r="http://schemas.openxmlformats.org/officeDocument/2006/relationships" xmlns:p="http://schemas.openxmlformats.org/presentationml/2006/main">
+  <p:cSld>
+    <p:spTree>
+      <p:nvGrpSpPr>
+        <p:cNvPr id="1" name=""/>
+        <p:cNvGrpSpPr/>
+        <p:nvPr/>
+      </p:nvGrpSpPr>
+      <p:grpSpPr>
+        <a:xfrm>
+          <a:off x="0" y="0"/>
+          <a:ext cx="0" cy="0"/>
+          <a:chOff x="0" y="0"/>
+          <a:chExt cx="0" cy="0"/>
+        </a:xfrm>
+      </p:grpSpPr>
+      <p:sp>
+        <p:nvSpPr>
+          <p:cNvPr id="2" name="Titel 1">
+            <a:extLst>
+              <a:ext uri="{FF2B5EF4-FFF2-40B4-BE49-F238E27FC236}">
+                <a16:creationId xmlns:a16="http://schemas.microsoft.com/office/drawing/2014/main" id="{1CB79CA8-7138-A722-4129-BEA1BD42D7D5}"/>
+              </a:ext>
+            </a:extLst>
+          </p:cNvPr>
+          <p:cNvSpPr>
+            <a:spLocks noGrp="1"/>
+          </p:cNvSpPr>
+          <p:nvPr>
+            <p:ph type="title"/>
+          </p:nvPr>
+        </p:nvSpPr>
+        <p:spPr/>
+        <p:txBody>
+          <a:bodyPr/>
+          <a:lstStyle/>
+          <a:p>
+            <a:r>
+              <a:rPr lang="de-DE" dirty="0"/>
+              <a:t>Quiz 2</a:t>
+            </a:r>
+          </a:p>
+        </p:txBody>
+      </p:sp>
+      <p:pic>
+        <p:nvPicPr>
+          <p:cNvPr id="5" name="Grafik 4">
+            <a:extLst>
+              <a:ext uri="{FF2B5EF4-FFF2-40B4-BE49-F238E27FC236}">
+                <a16:creationId xmlns:a16="http://schemas.microsoft.com/office/drawing/2014/main" id="{535C95A8-1916-B580-2BAA-276097133372}"/>
+              </a:ext>
+            </a:extLst>
+          </p:cNvPr>
+          <p:cNvPicPr>
+            <a:picLocks noChangeAspect="1"/>
+          </p:cNvPicPr>
+          <p:nvPr/>
+        </p:nvPicPr>
+        <p:blipFill>
+          <a:blip r:embed="rId2"/>
+          <a:stretch>
+            <a:fillRect/>
+          </a:stretch>
+        </p:blipFill>
+        <p:spPr>
+          <a:xfrm>
+            <a:off x="757222" y="1270000"/>
+            <a:ext cx="4435858" cy="4893080"/>
+          </a:xfrm>
+          <a:prstGeom prst="rect">
+            <a:avLst/>
+          </a:prstGeom>
+        </p:spPr>
+      </p:pic>
+      <p:sp>
+        <p:nvSpPr>
+          <p:cNvPr id="6" name="Textfeld 5">
+            <a:extLst>
+              <a:ext uri="{FF2B5EF4-FFF2-40B4-BE49-F238E27FC236}">
+                <a16:creationId xmlns:a16="http://schemas.microsoft.com/office/drawing/2014/main" id="{B7AD464D-9C84-3F9B-F7B0-F3DAC8049A23}"/>
+              </a:ext>
+            </a:extLst>
+          </p:cNvPr>
+          <p:cNvSpPr txBox="1"/>
+          <p:nvPr/>
+        </p:nvSpPr>
+        <p:spPr>
+          <a:xfrm>
+            <a:off x="7086600" y="2888734"/>
+            <a:ext cx="3904333" cy="369332"/>
+          </a:xfrm>
+          <a:prstGeom prst="rect">
+            <a:avLst/>
+          </a:prstGeom>
+          <a:noFill/>
+        </p:spPr>
+        <p:txBody>
+          <a:bodyPr wrap="square" rtlCol="0">
+            <a:spAutoFit/>
+          </a:bodyPr>
+          <a:lstStyle/>
+          <a:p>
+            <a:pPr algn="just"/>
+            <a:r>
+              <a:rPr lang="en-US" b="0" i="0" dirty="0">
+                <a:solidFill>
+                  <a:srgbClr val="000000"/>
+                </a:solidFill>
+                <a:effectLst/>
+                <a:latin typeface="inter-regular"/>
+              </a:rPr>
+              <a:t>A, B, D </a:t>
+            </a:r>
+            <a:r>
+              <a:rPr lang="en-US" b="0" i="0" dirty="0" err="1">
+                <a:solidFill>
+                  <a:srgbClr val="000000"/>
+                </a:solidFill>
+                <a:effectLst/>
+                <a:latin typeface="inter-regular"/>
+              </a:rPr>
+              <a:t>sind</a:t>
+            </a:r>
+            <a:r>
+              <a:rPr lang="en-US" b="0" i="0" dirty="0">
+                <a:solidFill>
+                  <a:srgbClr val="000000"/>
+                </a:solidFill>
+                <a:effectLst/>
+                <a:latin typeface="inter-regular"/>
+              </a:rPr>
+              <a:t> </a:t>
+            </a:r>
+            <a:r>
+              <a:rPr lang="en-US" b="0" i="0" dirty="0" err="1">
+                <a:solidFill>
+                  <a:srgbClr val="000000"/>
+                </a:solidFill>
+                <a:effectLst/>
+                <a:latin typeface="inter-regular"/>
+              </a:rPr>
+              <a:t>richtig</a:t>
+            </a:r>
+            <a:endParaRPr lang="en-US" b="0" i="0" dirty="0">
+              <a:solidFill>
+                <a:srgbClr val="000000"/>
+              </a:solidFill>
+              <a:effectLst/>
+              <a:latin typeface="inter-regular"/>
+            </a:endParaRPr>
+          </a:p>
+        </p:txBody>
+      </p:sp>
+    </p:spTree>
+    <p:extLst>
+      <p:ext uri="{BB962C8B-B14F-4D97-AF65-F5344CB8AC3E}">
+        <p14:creationId xmlns:p14="http://schemas.microsoft.com/office/powerpoint/2010/main" val="3288264098"/>
+      </p:ext>
+    </p:extLst>
+  </p:cSld>
+  <p:clrMapOvr>
+    <a:masterClrMapping/>
+  </p:clrMapOvr>
+  <p:timing>
+    <p:tnLst>
+      <p:par>
+        <p:cTn id="1" dur="indefinite" restart="never" nodeType="tmRoot">
+          <p:childTnLst>
+            <p:seq concurrent="1" nextAc="seek">
+              <p:cTn id="2" dur="indefinite" nodeType="mainSeq">
+                <p:childTnLst>
+                  <p:par>
+                    <p:cTn id="3" fill="hold">
+                      <p:stCondLst>
+                        <p:cond delay="indefinite"/>
+                      </p:stCondLst>
+                      <p:childTnLst>
+                        <p:par>
+                          <p:cTn id="4" fill="hold">
+                            <p:stCondLst>
+                              <p:cond delay="0"/>
+                            </p:stCondLst>
+                            <p:childTnLst>
+                              <p:par>
+                                <p:cTn id="5" presetID="1" presetClass="entr" presetSubtype="0" fill="hold" grpId="0" nodeType="clickEffect">
+                                  <p:stCondLst>
+                                    <p:cond delay="0"/>
+                                  </p:stCondLst>
+                                  <p:childTnLst>
+                                    <p:set>
+                                      <p:cBhvr>
+                                        <p:cTn id="6" dur="1" fill="hold">
+                                          <p:stCondLst>
+                                            <p:cond delay="0"/>
+                                          </p:stCondLst>
+                                        </p:cTn>
+                                        <p:tgtEl>
+                                          <p:spTgt spid="6"/>
+                                        </p:tgtEl>
+                                        <p:attrNameLst>
+                                          <p:attrName>style.visibility</p:attrName>
+                                        </p:attrNameLst>
+                                      </p:cBhvr>
+                                      <p:to>
+                                        <p:strVal val="visible"/>
+                                      </p:to>
+                                    </p:set>
+                                  </p:childTnLst>
+                                </p:cTn>
+                              </p:par>
+                            </p:childTnLst>
+                          </p:cTn>
+                        </p:par>
+                      </p:childTnLst>
+                    </p:cTn>
+                  </p:par>
+                </p:childTnLst>
+              </p:cTn>
+              <p:prevCondLst>
+                <p:cond evt="onPrev" delay="0">
+                  <p:tgtEl>
+                    <p:sldTgt/>
+                  </p:tgtEl>
+                </p:cond>
+              </p:prevCondLst>
+              <p:nextCondLst>
+                <p:cond evt="onNext" delay="0">
+                  <p:tgtEl>
+                    <p:sldTgt/>
+                  </p:tgtEl>
+                </p:cond>
+              </p:nextCondLst>
+            </p:seq>
+          </p:childTnLst>
+        </p:cTn>
+      </p:par>
+    </p:tnLst>
+    <p:bldLst>
+      <p:bldP spid="6" grpId="0"/>
+    </p:bldLst>
+  </p:timing>
+</p:sld>
+</file>
+
+<file path=ppt/slides/slide56.xml><?xml version="1.0" encoding="utf-8"?>
+<p:sld xmlns:a="http://schemas.openxmlformats.org/drawingml/2006/main" xmlns:r="http://schemas.openxmlformats.org/officeDocument/2006/relationships" xmlns:p="http://schemas.openxmlformats.org/presentationml/2006/main">
+  <p:cSld>
+    <p:spTree>
+      <p:nvGrpSpPr>
+        <p:cNvPr id="1" name=""/>
+        <p:cNvGrpSpPr/>
+        <p:nvPr/>
+      </p:nvGrpSpPr>
+      <p:grpSpPr>
+        <a:xfrm>
+          <a:off x="0" y="0"/>
+          <a:ext cx="0" cy="0"/>
+          <a:chOff x="0" y="0"/>
+          <a:chExt cx="0" cy="0"/>
+        </a:xfrm>
+      </p:grpSpPr>
       <p:graphicFrame>
         <p:nvGraphicFramePr>
           <p:cNvPr id="5" name="Objekt 4" hidden="1">
@@ -27506,7 +28853,7 @@
 </p:sld>
 </file>
 
-<file path=ppt/slides/slide55.xml><?xml version="1.0" encoding="utf-8"?>
+<file path=ppt/slides/slide57.xml><?xml version="1.0" encoding="utf-8"?>
 <p:sld xmlns:a="http://schemas.openxmlformats.org/drawingml/2006/main" xmlns:r="http://schemas.openxmlformats.org/officeDocument/2006/relationships" xmlns:p="http://schemas.openxmlformats.org/presentationml/2006/main">
   <p:cSld>
     <p:spTree>
@@ -27731,7 +29078,7 @@
 </p:sld>
 </file>
 
-<file path=ppt/slides/slide56.xml><?xml version="1.0" encoding="utf-8"?>
+<file path=ppt/slides/slide58.xml><?xml version="1.0" encoding="utf-8"?>
 <p:sld xmlns:a="http://schemas.openxmlformats.org/drawingml/2006/main" xmlns:r="http://schemas.openxmlformats.org/officeDocument/2006/relationships" xmlns:p="http://schemas.openxmlformats.org/presentationml/2006/main">
   <p:cSld>
     <p:spTree>
@@ -27995,7 +29342,7 @@
 </p:sld>
 </file>
 
-<file path=ppt/slides/slide57.xml><?xml version="1.0" encoding="utf-8"?>
+<file path=ppt/slides/slide59.xml><?xml version="1.0" encoding="utf-8"?>
 <p:sld xmlns:a="http://schemas.openxmlformats.org/drawingml/2006/main" xmlns:r="http://schemas.openxmlformats.org/officeDocument/2006/relationships" xmlns:p="http://schemas.openxmlformats.org/presentationml/2006/main">
   <p:cSld>
     <p:spTree>
@@ -28549,1965 +29896,6 @@
     <p:extLst>
       <p:ext uri="{BB962C8B-B14F-4D97-AF65-F5344CB8AC3E}">
         <p14:creationId xmlns:p14="http://schemas.microsoft.com/office/powerpoint/2010/main" val="2254116393"/>
-      </p:ext>
-    </p:extLst>
-  </p:cSld>
-  <p:clrMapOvr>
-    <a:masterClrMapping/>
-  </p:clrMapOvr>
-</p:sld>
-</file>
-
-<file path=ppt/slides/slide58.xml><?xml version="1.0" encoding="utf-8"?>
-<p:sld xmlns:a="http://schemas.openxmlformats.org/drawingml/2006/main" xmlns:r="http://schemas.openxmlformats.org/officeDocument/2006/relationships" xmlns:p="http://schemas.openxmlformats.org/presentationml/2006/main">
-  <p:cSld>
-    <p:spTree>
-      <p:nvGrpSpPr>
-        <p:cNvPr id="1" name=""/>
-        <p:cNvGrpSpPr/>
-        <p:nvPr/>
-      </p:nvGrpSpPr>
-      <p:grpSpPr>
-        <a:xfrm>
-          <a:off x="0" y="0"/>
-          <a:ext cx="0" cy="0"/>
-          <a:chOff x="0" y="0"/>
-          <a:chExt cx="0" cy="0"/>
-        </a:xfrm>
-      </p:grpSpPr>
-      <p:graphicFrame>
-        <p:nvGraphicFramePr>
-          <p:cNvPr id="5" name="Objekt 4" hidden="1">
-            <a:extLst>
-              <a:ext uri="{FF2B5EF4-FFF2-40B4-BE49-F238E27FC236}">
-                <a16:creationId xmlns:a16="http://schemas.microsoft.com/office/drawing/2014/main" id="{964566A1-F542-3C44-BCBB-E7B9BBB76EF3}"/>
-              </a:ext>
-            </a:extLst>
-          </p:cNvPr>
-          <p:cNvGraphicFramePr>
-            <a:graphicFrameLocks noChangeAspect="1"/>
-          </p:cNvGraphicFramePr>
-          <p:nvPr>
-            <p:custDataLst>
-              <p:tags r:id="rId1"/>
-            </p:custDataLst>
-          </p:nvPr>
-        </p:nvGraphicFramePr>
-        <p:xfrm>
-          <a:off x="1588" y="1588"/>
-          <a:ext cx="1227" cy="1588"/>
-        </p:xfrm>
-        <a:graphic>
-          <a:graphicData uri="http://schemas.openxmlformats.org/presentationml/2006/ole">
-            <mc:AlternateContent xmlns:mc="http://schemas.openxmlformats.org/markup-compatibility/2006">
-              <mc:Choice xmlns:v="urn:schemas-microsoft-com:vml" Requires="v">
-                <p:oleObj name="think-cell Folie" r:id="rId3" imgW="7772400" imgH="10058400" progId="TCLayout.ActiveDocument.1">
-                  <p:embed/>
-                </p:oleObj>
-              </mc:Choice>
-              <mc:Fallback>
-                <p:oleObj name="think-cell Folie" r:id="rId3" imgW="7772400" imgH="10058400" progId="TCLayout.ActiveDocument.1">
-                  <p:embed/>
-                  <p:pic>
-                    <p:nvPicPr>
-                      <p:cNvPr id="5" name="Objekt 4" hidden="1">
-                        <a:extLst>
-                          <a:ext uri="{FF2B5EF4-FFF2-40B4-BE49-F238E27FC236}">
-                            <a16:creationId xmlns:a16="http://schemas.microsoft.com/office/drawing/2014/main" id="{964566A1-F542-3C44-BCBB-E7B9BBB76EF3}"/>
-                          </a:ext>
-                        </a:extLst>
-                      </p:cNvPr>
-                      <p:cNvPicPr/>
-                      <p:nvPr/>
-                    </p:nvPicPr>
-                    <p:blipFill>
-                      <a:blip r:embed="rId4"/>
-                      <a:stretch>
-                        <a:fillRect/>
-                      </a:stretch>
-                    </p:blipFill>
-                    <p:spPr>
-                      <a:xfrm>
-                        <a:off x="1588" y="1588"/>
-                        <a:ext cx="1227" cy="1588"/>
-                      </a:xfrm>
-                      <a:prstGeom prst="rect">
-                        <a:avLst/>
-                      </a:prstGeom>
-                    </p:spPr>
-                  </p:pic>
-                </p:oleObj>
-              </mc:Fallback>
-            </mc:AlternateContent>
-          </a:graphicData>
-        </a:graphic>
-      </p:graphicFrame>
-      <p:sp>
-        <p:nvSpPr>
-          <p:cNvPr id="2" name="Titel 1">
-            <a:extLst>
-              <a:ext uri="{FF2B5EF4-FFF2-40B4-BE49-F238E27FC236}">
-                <a16:creationId xmlns:a16="http://schemas.microsoft.com/office/drawing/2014/main" id="{DCFF97C9-15E2-6647-B310-4BF77DE1D9EE}"/>
-              </a:ext>
-            </a:extLst>
-          </p:cNvPr>
-          <p:cNvSpPr>
-            <a:spLocks noGrp="1"/>
-          </p:cNvSpPr>
-          <p:nvPr>
-            <p:ph type="title"/>
-          </p:nvPr>
-        </p:nvSpPr>
-        <p:spPr>
-          <a:xfrm>
-            <a:off x="677334" y="609599"/>
-            <a:ext cx="8596668" cy="978243"/>
-          </a:xfrm>
-        </p:spPr>
-        <p:txBody>
-          <a:bodyPr vert="horz">
-            <a:normAutofit/>
-          </a:bodyPr>
-          <a:lstStyle/>
-          <a:p>
-            <a:r>
-              <a:rPr lang="de-DE" dirty="0"/>
-              <a:t>Sealed Classes (Java 17)</a:t>
-            </a:r>
-          </a:p>
-        </p:txBody>
-      </p:sp>
-      <p:sp>
-        <p:nvSpPr>
-          <p:cNvPr id="3" name="Textfeld 2">
-            <a:extLst>
-              <a:ext uri="{FF2B5EF4-FFF2-40B4-BE49-F238E27FC236}">
-                <a16:creationId xmlns:a16="http://schemas.microsoft.com/office/drawing/2014/main" id="{E9080A01-F809-9EBA-8886-38A7D1930B15}"/>
-              </a:ext>
-            </a:extLst>
-          </p:cNvPr>
-          <p:cNvSpPr txBox="1"/>
-          <p:nvPr/>
-        </p:nvSpPr>
-        <p:spPr>
-          <a:xfrm>
-            <a:off x="769858" y="1912370"/>
-            <a:ext cx="8746958" cy="3693319"/>
-          </a:xfrm>
-          <a:prstGeom prst="rect">
-            <a:avLst/>
-          </a:prstGeom>
-          <a:noFill/>
-        </p:spPr>
-        <p:txBody>
-          <a:bodyPr wrap="square" rtlCol="0">
-            <a:spAutoFit/>
-          </a:bodyPr>
-          <a:lstStyle/>
-          <a:p>
-            <a:pPr marL="285750" indent="-285750" algn="just">
-              <a:buFont typeface="Arial" panose="020B0604020202020204" pitchFamily="34" charset="0"/>
-              <a:buChar char="•"/>
-            </a:pPr>
-            <a:r>
-              <a:rPr lang="de-DE" b="0" i="0" dirty="0">
-                <a:solidFill>
-                  <a:srgbClr val="000000"/>
-                </a:solidFill>
-                <a:effectLst/>
-                <a:latin typeface="inter-regular"/>
-              </a:rPr>
-              <a:t>Sealed </a:t>
-            </a:r>
-            <a:r>
-              <a:rPr lang="de-DE" b="0" i="0" dirty="0" err="1">
-                <a:solidFill>
-                  <a:srgbClr val="000000"/>
-                </a:solidFill>
-                <a:effectLst/>
-                <a:latin typeface="inter-regular"/>
-              </a:rPr>
-              <a:t>classes</a:t>
-            </a:r>
-            <a:r>
-              <a:rPr lang="de-DE" b="0" i="0" dirty="0">
-                <a:solidFill>
-                  <a:srgbClr val="000000"/>
-                </a:solidFill>
-                <a:effectLst/>
-                <a:latin typeface="inter-regular"/>
-              </a:rPr>
-              <a:t> sind wie z. B. </a:t>
-            </a:r>
-            <a:r>
-              <a:rPr lang="de-DE" b="0" i="0" dirty="0" err="1">
-                <a:solidFill>
-                  <a:srgbClr val="000000"/>
-                </a:solidFill>
-                <a:effectLst/>
-                <a:latin typeface="inter-regular"/>
-              </a:rPr>
-              <a:t>Enums</a:t>
-            </a:r>
-            <a:r>
-              <a:rPr lang="de-DE" b="0" i="0" dirty="0">
-                <a:solidFill>
-                  <a:srgbClr val="000000"/>
-                </a:solidFill>
-                <a:effectLst/>
-                <a:latin typeface="inter-regular"/>
-              </a:rPr>
-              <a:t> zum Erfassen von Alternativen in Domänenmodellen geeignet</a:t>
-            </a:r>
-          </a:p>
-          <a:p>
-            <a:pPr marL="285750" indent="-285750" algn="just">
-              <a:buFont typeface="Arial" panose="020B0604020202020204" pitchFamily="34" charset="0"/>
-              <a:buChar char="•"/>
-            </a:pPr>
-            <a:r>
-              <a:rPr lang="de-DE" dirty="0">
-                <a:solidFill>
-                  <a:srgbClr val="000000"/>
-                </a:solidFill>
-                <a:latin typeface="inter-regular"/>
-              </a:rPr>
-              <a:t>Sie </a:t>
-            </a:r>
-            <a:r>
-              <a:rPr lang="de-DE" b="0" i="0" dirty="0">
-                <a:solidFill>
-                  <a:srgbClr val="000000"/>
-                </a:solidFill>
-                <a:effectLst/>
-                <a:latin typeface="inter-regular"/>
-              </a:rPr>
-              <a:t>ermöglichen es Programmierern und Compilern, Schlussfolgerungen über die Abzählbarkeit/Vollständigkeit zu ziehen</a:t>
-            </a:r>
-          </a:p>
-          <a:p>
-            <a:pPr marL="285750" indent="-285750" algn="just">
-              <a:buFont typeface="Arial" panose="020B0604020202020204" pitchFamily="34" charset="0"/>
-              <a:buChar char="•"/>
-            </a:pPr>
-            <a:r>
-              <a:rPr lang="de-DE" dirty="0">
-                <a:solidFill>
-                  <a:srgbClr val="000000"/>
-                </a:solidFill>
-                <a:latin typeface="inter-regular"/>
-              </a:rPr>
-              <a:t>Arbeiten mit Records und Pattern </a:t>
-            </a:r>
-            <a:r>
-              <a:rPr lang="de-DE" dirty="0" err="1">
-                <a:solidFill>
-                  <a:srgbClr val="000000"/>
-                </a:solidFill>
-                <a:latin typeface="inter-regular"/>
-              </a:rPr>
-              <a:t>Matching</a:t>
-            </a:r>
-            <a:r>
-              <a:rPr lang="de-DE" dirty="0">
-                <a:solidFill>
-                  <a:srgbClr val="000000"/>
-                </a:solidFill>
-                <a:latin typeface="inter-regular"/>
-              </a:rPr>
-              <a:t> zusammen, um eine stärker datenzentrierte Programmierung zu unterstützen</a:t>
-            </a:r>
-            <a:endParaRPr lang="en-US" b="0" i="0" dirty="0">
-              <a:solidFill>
-                <a:srgbClr val="000000"/>
-              </a:solidFill>
-              <a:effectLst/>
-              <a:latin typeface="inter-regular"/>
-            </a:endParaRPr>
-          </a:p>
-          <a:p>
-            <a:pPr marL="285750" indent="-285750" algn="just">
-              <a:buFont typeface="Arial" panose="020B0604020202020204" pitchFamily="34" charset="0"/>
-              <a:buChar char="•"/>
-            </a:pPr>
-            <a:r>
-              <a:rPr lang="en-US" b="0" i="0" dirty="0">
-                <a:solidFill>
-                  <a:srgbClr val="000000"/>
-                </a:solidFill>
-                <a:effectLst/>
-                <a:latin typeface="inter-regular"/>
-              </a:rPr>
-              <a:t>Sealed classes </a:t>
-            </a:r>
-            <a:r>
-              <a:rPr lang="en-US" b="0" i="0" dirty="0" err="1">
-                <a:solidFill>
-                  <a:srgbClr val="000000"/>
-                </a:solidFill>
-                <a:effectLst/>
-                <a:latin typeface="inter-regular"/>
-              </a:rPr>
-              <a:t>erlauben</a:t>
-            </a:r>
-            <a:r>
-              <a:rPr lang="en-US" b="0" i="0" dirty="0">
-                <a:solidFill>
-                  <a:srgbClr val="000000"/>
-                </a:solidFill>
-                <a:effectLst/>
-                <a:latin typeface="inter-regular"/>
-              </a:rPr>
-              <a:t> die </a:t>
-            </a:r>
-            <a:r>
-              <a:rPr lang="en-US" dirty="0" err="1">
-                <a:solidFill>
-                  <a:srgbClr val="000000"/>
-                </a:solidFill>
-                <a:latin typeface="inter-regular"/>
-              </a:rPr>
-              <a:t>Vererbung</a:t>
-            </a:r>
-            <a:r>
-              <a:rPr lang="en-US" dirty="0">
-                <a:solidFill>
-                  <a:srgbClr val="000000"/>
-                </a:solidFill>
-                <a:latin typeface="inter-regular"/>
-              </a:rPr>
-              <a:t> </a:t>
-            </a:r>
-            <a:r>
-              <a:rPr lang="en-US" dirty="0" err="1">
-                <a:solidFill>
-                  <a:srgbClr val="000000"/>
-                </a:solidFill>
-                <a:latin typeface="inter-regular"/>
-              </a:rPr>
-              <a:t>explizit</a:t>
-            </a:r>
-            <a:endParaRPr lang="en-US" dirty="0">
-              <a:solidFill>
-                <a:srgbClr val="000000"/>
-              </a:solidFill>
-              <a:latin typeface="inter-regular"/>
-            </a:endParaRPr>
-          </a:p>
-          <a:p>
-            <a:pPr marL="285750" indent="-285750" algn="just">
-              <a:buFont typeface="Arial" panose="020B0604020202020204" pitchFamily="34" charset="0"/>
-              <a:buChar char="•"/>
-            </a:pPr>
-            <a:r>
-              <a:rPr lang="en-US" b="0" i="0" dirty="0" err="1">
-                <a:solidFill>
-                  <a:srgbClr val="000000"/>
-                </a:solidFill>
-                <a:effectLst/>
-                <a:latin typeface="inter-regular"/>
-              </a:rPr>
-              <a:t>Erben</a:t>
-            </a:r>
-            <a:r>
-              <a:rPr lang="en-US" b="0" i="0" dirty="0">
-                <a:solidFill>
-                  <a:srgbClr val="000000"/>
-                </a:solidFill>
-                <a:effectLst/>
-                <a:latin typeface="inter-regular"/>
-              </a:rPr>
-              <a:t> </a:t>
-            </a:r>
-            <a:r>
-              <a:rPr lang="en-US" b="0" i="0" dirty="0" err="1">
-                <a:solidFill>
-                  <a:srgbClr val="000000"/>
-                </a:solidFill>
-                <a:effectLst/>
-                <a:latin typeface="inter-regular"/>
-              </a:rPr>
-              <a:t>selber</a:t>
-            </a:r>
-            <a:r>
-              <a:rPr lang="en-US" b="0" i="0" dirty="0">
-                <a:solidFill>
-                  <a:srgbClr val="000000"/>
-                </a:solidFill>
-                <a:effectLst/>
-                <a:latin typeface="inter-regular"/>
-              </a:rPr>
-              <a:t> </a:t>
-            </a:r>
-            <a:r>
-              <a:rPr lang="en-US" b="0" i="0" dirty="0" err="1">
-                <a:solidFill>
-                  <a:srgbClr val="000000"/>
-                </a:solidFill>
-                <a:effectLst/>
-                <a:latin typeface="inter-regular"/>
-              </a:rPr>
-              <a:t>müssen</a:t>
-            </a:r>
-            <a:r>
-              <a:rPr lang="en-US" b="0" i="0" dirty="0">
-                <a:solidFill>
-                  <a:srgbClr val="000000"/>
-                </a:solidFill>
-                <a:effectLst/>
-                <a:latin typeface="inter-regular"/>
-              </a:rPr>
-              <a:t> </a:t>
-            </a:r>
-            <a:r>
-              <a:rPr lang="en-US" b="0" i="0" dirty="0" err="1">
-                <a:solidFill>
-                  <a:srgbClr val="000000"/>
-                </a:solidFill>
-                <a:effectLst/>
-                <a:latin typeface="inter-regular"/>
-              </a:rPr>
-              <a:t>im</a:t>
-            </a:r>
-            <a:r>
-              <a:rPr lang="en-US" b="0" i="0" dirty="0">
-                <a:solidFill>
-                  <a:srgbClr val="000000"/>
-                </a:solidFill>
-                <a:effectLst/>
-                <a:latin typeface="inter-regular"/>
-              </a:rPr>
-              <a:t> Gleichen package </a:t>
-            </a:r>
-            <a:r>
-              <a:rPr lang="en-US" b="0" i="0" dirty="0" err="1">
-                <a:solidFill>
-                  <a:srgbClr val="000000"/>
-                </a:solidFill>
-                <a:effectLst/>
-                <a:latin typeface="inter-regular"/>
-              </a:rPr>
-              <a:t>liegen</a:t>
-            </a:r>
-            <a:r>
-              <a:rPr lang="en-US" b="0" i="0" dirty="0">
-                <a:solidFill>
-                  <a:srgbClr val="000000"/>
-                </a:solidFill>
-                <a:effectLst/>
-                <a:latin typeface="inter-regular"/>
-              </a:rPr>
-              <a:t> und </a:t>
-            </a:r>
-            <a:r>
-              <a:rPr lang="en-US" b="0" i="0" dirty="0" err="1">
-                <a:solidFill>
-                  <a:srgbClr val="000000"/>
-                </a:solidFill>
-                <a:effectLst/>
-                <a:latin typeface="inter-regular"/>
-              </a:rPr>
-              <a:t>auch</a:t>
-            </a:r>
-            <a:r>
-              <a:rPr lang="en-US" b="0" i="0" dirty="0">
-                <a:solidFill>
-                  <a:srgbClr val="000000"/>
-                </a:solidFill>
-                <a:effectLst/>
-                <a:latin typeface="inter-regular"/>
-              </a:rPr>
-              <a:t> </a:t>
-            </a:r>
-            <a:r>
-              <a:rPr lang="en-US" b="0" i="0" dirty="0" err="1">
-                <a:solidFill>
-                  <a:srgbClr val="000000"/>
-                </a:solidFill>
-                <a:effectLst/>
-                <a:latin typeface="inter-regular"/>
-              </a:rPr>
-              <a:t>wieder</a:t>
-            </a:r>
-            <a:r>
-              <a:rPr lang="en-US" b="0" i="0" dirty="0">
-                <a:solidFill>
-                  <a:srgbClr val="000000"/>
-                </a:solidFill>
-                <a:effectLst/>
-                <a:latin typeface="inter-regular"/>
-              </a:rPr>
-              <a:t> sealed, final </a:t>
-            </a:r>
-            <a:r>
-              <a:rPr lang="en-US" b="0" i="0" dirty="0" err="1">
-                <a:solidFill>
-                  <a:srgbClr val="000000"/>
-                </a:solidFill>
-                <a:effectLst/>
-                <a:latin typeface="inter-regular"/>
-              </a:rPr>
-              <a:t>oder</a:t>
-            </a:r>
-            <a:r>
-              <a:rPr lang="en-US" b="0" i="0" dirty="0">
-                <a:solidFill>
-                  <a:srgbClr val="000000"/>
-                </a:solidFill>
-                <a:effectLst/>
-                <a:latin typeface="inter-regular"/>
-              </a:rPr>
-              <a:t> </a:t>
-            </a:r>
-            <a:r>
-              <a:rPr lang="en-US" b="0" i="0" dirty="0" err="1">
-                <a:solidFill>
-                  <a:srgbClr val="000000"/>
-                </a:solidFill>
-                <a:effectLst/>
-                <a:latin typeface="inter-regular"/>
-              </a:rPr>
-              <a:t>explizit</a:t>
-            </a:r>
-            <a:r>
-              <a:rPr lang="en-US" b="0" i="0" dirty="0">
-                <a:solidFill>
-                  <a:srgbClr val="000000"/>
-                </a:solidFill>
-                <a:effectLst/>
-                <a:latin typeface="inter-regular"/>
-              </a:rPr>
-              <a:t> non-sealed sein</a:t>
-            </a:r>
-          </a:p>
-          <a:p>
-            <a:pPr marL="285750" indent="-285750" algn="just">
-              <a:buFont typeface="Arial" panose="020B0604020202020204" pitchFamily="34" charset="0"/>
-              <a:buChar char="•"/>
-            </a:pPr>
-            <a:r>
-              <a:rPr lang="en-US" dirty="0">
-                <a:solidFill>
-                  <a:srgbClr val="000000"/>
-                </a:solidFill>
-                <a:latin typeface="inter-regular"/>
-              </a:rPr>
-              <a:t>Interfaces </a:t>
-            </a:r>
-            <a:r>
-              <a:rPr lang="en-US" dirty="0" err="1">
-                <a:solidFill>
-                  <a:srgbClr val="000000"/>
-                </a:solidFill>
-                <a:latin typeface="inter-regular"/>
-              </a:rPr>
-              <a:t>können</a:t>
-            </a:r>
-            <a:r>
-              <a:rPr lang="en-US" dirty="0">
-                <a:solidFill>
-                  <a:srgbClr val="000000"/>
-                </a:solidFill>
-                <a:latin typeface="inter-regular"/>
-              </a:rPr>
-              <a:t> </a:t>
-            </a:r>
-            <a:r>
-              <a:rPr lang="en-US" dirty="0" err="1">
-                <a:solidFill>
-                  <a:srgbClr val="000000"/>
-                </a:solidFill>
-                <a:latin typeface="inter-regular"/>
-              </a:rPr>
-              <a:t>auch</a:t>
-            </a:r>
-            <a:r>
-              <a:rPr lang="en-US" dirty="0">
-                <a:solidFill>
-                  <a:srgbClr val="000000"/>
-                </a:solidFill>
-                <a:latin typeface="inter-regular"/>
-              </a:rPr>
-              <a:t> sealed sein</a:t>
-            </a:r>
-          </a:p>
-          <a:p>
-            <a:pPr marL="285750" indent="-285750" algn="just">
-              <a:buFont typeface="Arial" panose="020B0604020202020204" pitchFamily="34" charset="0"/>
-              <a:buChar char="•"/>
-            </a:pPr>
-            <a:r>
-              <a:rPr lang="en-US" b="0" i="0" dirty="0">
-                <a:solidFill>
-                  <a:srgbClr val="000000"/>
-                </a:solidFill>
-                <a:effectLst/>
-                <a:latin typeface="inter-regular"/>
-              </a:rPr>
-              <a:t>Records </a:t>
-            </a:r>
-            <a:r>
-              <a:rPr lang="en-US" b="0" i="0" dirty="0" err="1">
-                <a:solidFill>
-                  <a:srgbClr val="000000"/>
-                </a:solidFill>
-                <a:effectLst/>
-                <a:latin typeface="inter-regular"/>
-              </a:rPr>
-              <a:t>können</a:t>
-            </a:r>
-            <a:r>
-              <a:rPr lang="en-US" b="0" i="0" dirty="0">
-                <a:solidFill>
-                  <a:srgbClr val="000000"/>
-                </a:solidFill>
-                <a:effectLst/>
-                <a:latin typeface="inter-regular"/>
-              </a:rPr>
-              <a:t> </a:t>
-            </a:r>
-            <a:r>
-              <a:rPr lang="en-US" b="0" i="0" dirty="0" err="1">
-                <a:solidFill>
-                  <a:srgbClr val="000000"/>
-                </a:solidFill>
-                <a:effectLst/>
-                <a:latin typeface="inter-regular"/>
-              </a:rPr>
-              <a:t>auch</a:t>
-            </a:r>
-            <a:r>
-              <a:rPr lang="en-US" b="0" i="0" dirty="0">
-                <a:solidFill>
-                  <a:srgbClr val="000000"/>
-                </a:solidFill>
-                <a:effectLst/>
-                <a:latin typeface="inter-regular"/>
-              </a:rPr>
-              <a:t> sealed interfaces </a:t>
-            </a:r>
-            <a:r>
-              <a:rPr lang="en-US" b="0" i="0" dirty="0" err="1">
-                <a:solidFill>
-                  <a:srgbClr val="000000"/>
-                </a:solidFill>
-                <a:effectLst/>
-                <a:latin typeface="inter-regular"/>
-              </a:rPr>
-              <a:t>implementieren</a:t>
-            </a:r>
-            <a:endParaRPr lang="en-US" b="0" i="0" dirty="0">
-              <a:solidFill>
-                <a:srgbClr val="000000"/>
-              </a:solidFill>
-              <a:effectLst/>
-              <a:latin typeface="inter-regular"/>
-            </a:endParaRPr>
-          </a:p>
-          <a:p>
-            <a:pPr marL="285750" indent="-285750" algn="just">
-              <a:buFont typeface="Arial" panose="020B0604020202020204" pitchFamily="34" charset="0"/>
-              <a:buChar char="•"/>
-            </a:pPr>
-            <a:endParaRPr lang="en-US" b="0" i="0" dirty="0">
-              <a:solidFill>
-                <a:srgbClr val="000000"/>
-              </a:solidFill>
-              <a:effectLst/>
-              <a:latin typeface="inter-regular"/>
-            </a:endParaRPr>
-          </a:p>
-          <a:p>
-            <a:pPr marL="285750" indent="-285750" algn="just">
-              <a:buFont typeface="Arial" panose="020B0604020202020204" pitchFamily="34" charset="0"/>
-              <a:buChar char="•"/>
-            </a:pPr>
-            <a:endParaRPr lang="en-US" b="0" i="0" dirty="0">
-              <a:solidFill>
-                <a:srgbClr val="000000"/>
-              </a:solidFill>
-              <a:effectLst/>
-              <a:latin typeface="inter-regular"/>
-            </a:endParaRPr>
-          </a:p>
-        </p:txBody>
-      </p:sp>
-    </p:spTree>
-    <p:extLst>
-      <p:ext uri="{BB962C8B-B14F-4D97-AF65-F5344CB8AC3E}">
-        <p14:creationId xmlns:p14="http://schemas.microsoft.com/office/powerpoint/2010/main" val="1185284376"/>
-      </p:ext>
-    </p:extLst>
-  </p:cSld>
-  <p:clrMapOvr>
-    <a:masterClrMapping/>
-  </p:clrMapOvr>
-</p:sld>
-</file>
-
-<file path=ppt/slides/slide59.xml><?xml version="1.0" encoding="utf-8"?>
-<p:sld xmlns:a="http://schemas.openxmlformats.org/drawingml/2006/main" xmlns:r="http://schemas.openxmlformats.org/officeDocument/2006/relationships" xmlns:p="http://schemas.openxmlformats.org/presentationml/2006/main">
-  <p:cSld>
-    <p:spTree>
-      <p:nvGrpSpPr>
-        <p:cNvPr id="1" name=""/>
-        <p:cNvGrpSpPr/>
-        <p:nvPr/>
-      </p:nvGrpSpPr>
-      <p:grpSpPr>
-        <a:xfrm>
-          <a:off x="0" y="0"/>
-          <a:ext cx="0" cy="0"/>
-          <a:chOff x="0" y="0"/>
-          <a:chExt cx="0" cy="0"/>
-        </a:xfrm>
-      </p:grpSpPr>
-      <p:graphicFrame>
-        <p:nvGraphicFramePr>
-          <p:cNvPr id="5" name="Objekt 4" hidden="1">
-            <a:extLst>
-              <a:ext uri="{FF2B5EF4-FFF2-40B4-BE49-F238E27FC236}">
-                <a16:creationId xmlns:a16="http://schemas.microsoft.com/office/drawing/2014/main" id="{964566A1-F542-3C44-BCBB-E7B9BBB76EF3}"/>
-              </a:ext>
-            </a:extLst>
-          </p:cNvPr>
-          <p:cNvGraphicFramePr>
-            <a:graphicFrameLocks noChangeAspect="1"/>
-          </p:cNvGraphicFramePr>
-          <p:nvPr>
-            <p:custDataLst>
-              <p:tags r:id="rId1"/>
-            </p:custDataLst>
-          </p:nvPr>
-        </p:nvGraphicFramePr>
-        <p:xfrm>
-          <a:off x="1588" y="1588"/>
-          <a:ext cx="1227" cy="1588"/>
-        </p:xfrm>
-        <a:graphic>
-          <a:graphicData uri="http://schemas.openxmlformats.org/presentationml/2006/ole">
-            <mc:AlternateContent xmlns:mc="http://schemas.openxmlformats.org/markup-compatibility/2006">
-              <mc:Choice xmlns:v="urn:schemas-microsoft-com:vml" Requires="v">
-                <p:oleObj name="think-cell Folie" r:id="rId3" imgW="7772400" imgH="10058400" progId="TCLayout.ActiveDocument.1">
-                  <p:embed/>
-                </p:oleObj>
-              </mc:Choice>
-              <mc:Fallback>
-                <p:oleObj name="think-cell Folie" r:id="rId3" imgW="7772400" imgH="10058400" progId="TCLayout.ActiveDocument.1">
-                  <p:embed/>
-                  <p:pic>
-                    <p:nvPicPr>
-                      <p:cNvPr id="5" name="Objekt 4" hidden="1">
-                        <a:extLst>
-                          <a:ext uri="{FF2B5EF4-FFF2-40B4-BE49-F238E27FC236}">
-                            <a16:creationId xmlns:a16="http://schemas.microsoft.com/office/drawing/2014/main" id="{964566A1-F542-3C44-BCBB-E7B9BBB76EF3}"/>
-                          </a:ext>
-                        </a:extLst>
-                      </p:cNvPr>
-                      <p:cNvPicPr/>
-                      <p:nvPr/>
-                    </p:nvPicPr>
-                    <p:blipFill>
-                      <a:blip r:embed="rId4"/>
-                      <a:stretch>
-                        <a:fillRect/>
-                      </a:stretch>
-                    </p:blipFill>
-                    <p:spPr>
-                      <a:xfrm>
-                        <a:off x="1588" y="1588"/>
-                        <a:ext cx="1227" cy="1588"/>
-                      </a:xfrm>
-                      <a:prstGeom prst="rect">
-                        <a:avLst/>
-                      </a:prstGeom>
-                    </p:spPr>
-                  </p:pic>
-                </p:oleObj>
-              </mc:Fallback>
-            </mc:AlternateContent>
-          </a:graphicData>
-        </a:graphic>
-      </p:graphicFrame>
-      <p:sp>
-        <p:nvSpPr>
-          <p:cNvPr id="2" name="Titel 1">
-            <a:extLst>
-              <a:ext uri="{FF2B5EF4-FFF2-40B4-BE49-F238E27FC236}">
-                <a16:creationId xmlns:a16="http://schemas.microsoft.com/office/drawing/2014/main" id="{DCFF97C9-15E2-6647-B310-4BF77DE1D9EE}"/>
-              </a:ext>
-            </a:extLst>
-          </p:cNvPr>
-          <p:cNvSpPr>
-            <a:spLocks noGrp="1"/>
-          </p:cNvSpPr>
-          <p:nvPr>
-            <p:ph type="title"/>
-          </p:nvPr>
-        </p:nvSpPr>
-        <p:spPr>
-          <a:xfrm>
-            <a:off x="677334" y="609599"/>
-            <a:ext cx="8596668" cy="978243"/>
-          </a:xfrm>
-        </p:spPr>
-        <p:txBody>
-          <a:bodyPr vert="horz">
-            <a:normAutofit/>
-          </a:bodyPr>
-          <a:lstStyle/>
-          <a:p>
-            <a:r>
-              <a:rPr lang="de-DE" dirty="0"/>
-              <a:t>Sealed Classes 2</a:t>
-            </a:r>
-          </a:p>
-        </p:txBody>
-      </p:sp>
-      <p:sp>
-        <p:nvSpPr>
-          <p:cNvPr id="3" name="Textfeld 2">
-            <a:extLst>
-              <a:ext uri="{FF2B5EF4-FFF2-40B4-BE49-F238E27FC236}">
-                <a16:creationId xmlns:a16="http://schemas.microsoft.com/office/drawing/2014/main" id="{E9080A01-F809-9EBA-8886-38A7D1930B15}"/>
-              </a:ext>
-            </a:extLst>
-          </p:cNvPr>
-          <p:cNvSpPr txBox="1"/>
-          <p:nvPr/>
-        </p:nvSpPr>
-        <p:spPr>
-          <a:xfrm>
-            <a:off x="769858" y="1912370"/>
-            <a:ext cx="8746958" cy="3416320"/>
-          </a:xfrm>
-          <a:prstGeom prst="rect">
-            <a:avLst/>
-          </a:prstGeom>
-          <a:noFill/>
-        </p:spPr>
-        <p:txBody>
-          <a:bodyPr wrap="square" rtlCol="0">
-            <a:spAutoFit/>
-          </a:bodyPr>
-          <a:lstStyle/>
-          <a:p>
-            <a:pPr marL="285750" indent="-285750" algn="just">
-              <a:buFont typeface="Arial" panose="020B0604020202020204" pitchFamily="34" charset="0"/>
-              <a:buChar char="•"/>
-            </a:pPr>
-            <a:r>
-              <a:rPr lang="en-US" b="0" i="0" dirty="0">
-                <a:solidFill>
-                  <a:srgbClr val="000000"/>
-                </a:solidFill>
-                <a:effectLst/>
-                <a:latin typeface="inter-regular"/>
-              </a:rPr>
-              <a:t>Sealed classes </a:t>
-            </a:r>
-            <a:r>
-              <a:rPr lang="en-US" dirty="0" err="1">
-                <a:solidFill>
-                  <a:srgbClr val="000000"/>
-                </a:solidFill>
-                <a:latin typeface="inter-regular"/>
-              </a:rPr>
-              <a:t>sind</a:t>
-            </a:r>
-            <a:r>
-              <a:rPr lang="en-US" dirty="0">
-                <a:solidFill>
-                  <a:srgbClr val="000000"/>
-                </a:solidFill>
-                <a:latin typeface="inter-regular"/>
-              </a:rPr>
-              <a:t> </a:t>
-            </a:r>
-            <a:r>
-              <a:rPr lang="en-US" dirty="0" err="1">
-                <a:solidFill>
-                  <a:srgbClr val="000000"/>
-                </a:solidFill>
-                <a:latin typeface="inter-regular"/>
-              </a:rPr>
-              <a:t>weiterhin</a:t>
-            </a:r>
-            <a:r>
-              <a:rPr lang="en-US" dirty="0">
-                <a:solidFill>
-                  <a:srgbClr val="000000"/>
-                </a:solidFill>
-                <a:latin typeface="inter-regular"/>
-              </a:rPr>
-              <a:t> </a:t>
-            </a:r>
-            <a:r>
-              <a:rPr lang="en-US" dirty="0" err="1">
-                <a:solidFill>
-                  <a:srgbClr val="000000"/>
-                </a:solidFill>
-                <a:latin typeface="inter-regular"/>
-              </a:rPr>
-              <a:t>eine</a:t>
-            </a:r>
-            <a:r>
-              <a:rPr lang="en-US" dirty="0">
-                <a:solidFill>
-                  <a:srgbClr val="000000"/>
-                </a:solidFill>
-                <a:latin typeface="inter-regular"/>
-              </a:rPr>
-              <a:t> </a:t>
-            </a:r>
-            <a:r>
-              <a:rPr lang="en-US" b="0" i="0" dirty="0" err="1">
-                <a:solidFill>
-                  <a:srgbClr val="000000"/>
-                </a:solidFill>
-                <a:effectLst/>
-                <a:latin typeface="inter-regular"/>
-              </a:rPr>
-              <a:t>Möglichkeit</a:t>
-            </a:r>
-            <a:r>
-              <a:rPr lang="en-US" b="0" i="0" dirty="0">
-                <a:solidFill>
-                  <a:srgbClr val="000000"/>
-                </a:solidFill>
-                <a:effectLst/>
-                <a:latin typeface="inter-regular"/>
-              </a:rPr>
-              <a:t>, die </a:t>
-            </a:r>
-            <a:r>
-              <a:rPr lang="en-US" b="0" i="0" dirty="0" err="1">
-                <a:solidFill>
-                  <a:srgbClr val="000000"/>
-                </a:solidFill>
-                <a:effectLst/>
-                <a:latin typeface="inter-regular"/>
-              </a:rPr>
-              <a:t>Erweiterbarkeit</a:t>
-            </a:r>
-            <a:r>
-              <a:rPr lang="en-US" b="0" i="0" dirty="0">
-                <a:solidFill>
-                  <a:srgbClr val="000000"/>
-                </a:solidFill>
-                <a:effectLst/>
-                <a:latin typeface="inter-regular"/>
-              </a:rPr>
-              <a:t> von </a:t>
-            </a:r>
-            <a:r>
-              <a:rPr lang="en-US" b="0" i="0" dirty="0" err="1">
-                <a:solidFill>
-                  <a:srgbClr val="000000"/>
-                </a:solidFill>
-                <a:effectLst/>
-                <a:latin typeface="inter-regular"/>
-              </a:rPr>
-              <a:t>Superklassen</a:t>
-            </a:r>
-            <a:r>
-              <a:rPr lang="en-US" b="0" i="0" dirty="0">
-                <a:solidFill>
-                  <a:srgbClr val="000000"/>
-                </a:solidFill>
-                <a:effectLst/>
-                <a:latin typeface="inter-regular"/>
-              </a:rPr>
-              <a:t> </a:t>
-            </a:r>
-            <a:r>
-              <a:rPr lang="en-US" b="0" i="0" dirty="0" err="1">
-                <a:solidFill>
-                  <a:srgbClr val="000000"/>
-                </a:solidFill>
-                <a:effectLst/>
-                <a:latin typeface="inter-regular"/>
-              </a:rPr>
-              <a:t>einzuschränken</a:t>
-            </a:r>
-            <a:r>
-              <a:rPr lang="en-US" b="0" i="0" dirty="0">
-                <a:solidFill>
-                  <a:srgbClr val="000000"/>
-                </a:solidFill>
-                <a:effectLst/>
-                <a:latin typeface="inter-regular"/>
-              </a:rPr>
-              <a:t>, </a:t>
-            </a:r>
-            <a:r>
-              <a:rPr lang="en-US" b="0" i="0" dirty="0" err="1">
-                <a:solidFill>
-                  <a:srgbClr val="000000"/>
-                </a:solidFill>
-                <a:effectLst/>
-                <a:latin typeface="inter-regular"/>
-              </a:rPr>
-              <a:t>ohne</a:t>
-            </a:r>
-            <a:r>
-              <a:rPr lang="en-US" b="0" i="0" dirty="0">
-                <a:solidFill>
-                  <a:srgbClr val="000000"/>
-                </a:solidFill>
-                <a:effectLst/>
-                <a:latin typeface="inter-regular"/>
-              </a:rPr>
-              <a:t> </a:t>
-            </a:r>
-            <a:r>
-              <a:rPr lang="en-US" b="0" i="0" dirty="0" err="1">
-                <a:solidFill>
-                  <a:srgbClr val="000000"/>
-                </a:solidFill>
-                <a:effectLst/>
-                <a:latin typeface="inter-regular"/>
-              </a:rPr>
-              <a:t>dafür</a:t>
-            </a:r>
-            <a:r>
-              <a:rPr lang="en-US" b="0" i="0" dirty="0">
-                <a:solidFill>
-                  <a:srgbClr val="000000"/>
-                </a:solidFill>
-                <a:effectLst/>
-                <a:latin typeface="inter-regular"/>
-              </a:rPr>
-              <a:t> </a:t>
-            </a:r>
-            <a:r>
-              <a:rPr lang="en-US" b="0" i="0" dirty="0" err="1">
-                <a:solidFill>
-                  <a:srgbClr val="000000"/>
-                </a:solidFill>
-                <a:effectLst/>
-                <a:latin typeface="inter-regular"/>
-              </a:rPr>
-              <a:t>auch</a:t>
-            </a:r>
-            <a:r>
-              <a:rPr lang="en-US" b="0" i="0" dirty="0">
-                <a:solidFill>
-                  <a:srgbClr val="000000"/>
-                </a:solidFill>
-                <a:effectLst/>
-                <a:latin typeface="inter-regular"/>
-              </a:rPr>
-              <a:t> die </a:t>
-            </a:r>
-            <a:r>
-              <a:rPr lang="en-US" b="0" i="0" dirty="0" err="1">
-                <a:solidFill>
-                  <a:srgbClr val="000000"/>
-                </a:solidFill>
-                <a:effectLst/>
-                <a:latin typeface="inter-regular"/>
-              </a:rPr>
-              <a:t>Benutzbarkeit</a:t>
-            </a:r>
-            <a:r>
-              <a:rPr lang="en-US" b="0" i="0" dirty="0">
-                <a:solidFill>
-                  <a:srgbClr val="000000"/>
-                </a:solidFill>
-                <a:effectLst/>
-                <a:latin typeface="inter-regular"/>
-              </a:rPr>
-              <a:t> </a:t>
-            </a:r>
-            <a:r>
-              <a:rPr lang="en-US" b="0" i="0" dirty="0" err="1">
-                <a:solidFill>
-                  <a:srgbClr val="000000"/>
-                </a:solidFill>
-                <a:effectLst/>
-                <a:latin typeface="inter-regular"/>
-              </a:rPr>
-              <a:t>einzuschränken</a:t>
-            </a:r>
-            <a:endParaRPr lang="en-US" b="0" i="0" dirty="0">
-              <a:solidFill>
-                <a:srgbClr val="000000"/>
-              </a:solidFill>
-              <a:effectLst/>
-              <a:latin typeface="inter-regular"/>
-            </a:endParaRPr>
-          </a:p>
-          <a:p>
-            <a:pPr marL="285750" indent="-285750" algn="just">
-              <a:buFont typeface="Arial" panose="020B0604020202020204" pitchFamily="34" charset="0"/>
-              <a:buChar char="•"/>
-            </a:pPr>
-            <a:r>
-              <a:rPr lang="en-US" dirty="0" err="1">
-                <a:solidFill>
-                  <a:srgbClr val="000000"/>
-                </a:solidFill>
-                <a:latin typeface="inter-regular"/>
-              </a:rPr>
-              <a:t>Bislang</a:t>
-            </a:r>
-            <a:r>
-              <a:rPr lang="en-US" dirty="0">
-                <a:solidFill>
-                  <a:srgbClr val="000000"/>
-                </a:solidFill>
-                <a:latin typeface="inter-regular"/>
-              </a:rPr>
-              <a:t> </a:t>
-            </a:r>
-            <a:r>
-              <a:rPr lang="en-US" dirty="0" err="1">
-                <a:solidFill>
-                  <a:srgbClr val="000000"/>
-                </a:solidFill>
-                <a:latin typeface="inter-regular"/>
-              </a:rPr>
-              <a:t>konnten</a:t>
-            </a:r>
-            <a:r>
-              <a:rPr lang="en-US" dirty="0">
-                <a:solidFill>
-                  <a:srgbClr val="000000"/>
-                </a:solidFill>
-                <a:latin typeface="inter-regular"/>
-              </a:rPr>
-              <a:t> </a:t>
-            </a:r>
-            <a:r>
-              <a:rPr lang="en-US" dirty="0" err="1">
-                <a:solidFill>
-                  <a:srgbClr val="000000"/>
-                </a:solidFill>
-                <a:latin typeface="inter-regular"/>
-              </a:rPr>
-              <a:t>wir</a:t>
-            </a:r>
-            <a:r>
-              <a:rPr lang="en-US" dirty="0">
-                <a:solidFill>
-                  <a:srgbClr val="000000"/>
-                </a:solidFill>
-                <a:latin typeface="inter-regular"/>
-              </a:rPr>
-              <a:t>:</a:t>
-            </a:r>
-          </a:p>
-          <a:p>
-            <a:pPr marL="742950" lvl="1" indent="-285750" algn="just">
-              <a:buFont typeface="Arial" panose="020B0604020202020204" pitchFamily="34" charset="0"/>
-              <a:buChar char="•"/>
-            </a:pPr>
-            <a:r>
-              <a:rPr lang="en-US" b="0" i="0" dirty="0" err="1">
-                <a:solidFill>
-                  <a:srgbClr val="000000"/>
-                </a:solidFill>
-                <a:effectLst/>
-                <a:latin typeface="inter-regular"/>
-              </a:rPr>
-              <a:t>Klasse</a:t>
-            </a:r>
-            <a:r>
-              <a:rPr lang="en-US" b="0" i="0" dirty="0">
-                <a:solidFill>
-                  <a:srgbClr val="000000"/>
-                </a:solidFill>
-                <a:effectLst/>
-                <a:latin typeface="inter-regular"/>
-              </a:rPr>
-              <a:t> final </a:t>
-            </a:r>
-            <a:r>
-              <a:rPr lang="en-US" b="0" i="0" dirty="0" err="1">
-                <a:solidFill>
-                  <a:srgbClr val="000000"/>
-                </a:solidFill>
-                <a:effectLst/>
-                <a:latin typeface="inter-regular"/>
-              </a:rPr>
-              <a:t>machen</a:t>
-            </a:r>
-            <a:r>
-              <a:rPr lang="en-US" b="0" i="0" dirty="0">
-                <a:solidFill>
-                  <a:srgbClr val="000000"/>
-                </a:solidFill>
-                <a:effectLst/>
-                <a:latin typeface="inter-regular"/>
-              </a:rPr>
-              <a:t> -&gt; </a:t>
-            </a:r>
-            <a:r>
-              <a:rPr lang="en-US" b="0" i="0" dirty="0" err="1">
-                <a:solidFill>
-                  <a:srgbClr val="000000"/>
-                </a:solidFill>
-                <a:effectLst/>
-                <a:latin typeface="inter-regular"/>
-              </a:rPr>
-              <a:t>keine</a:t>
-            </a:r>
-            <a:r>
-              <a:rPr lang="en-US" b="0" i="0" dirty="0">
-                <a:solidFill>
-                  <a:srgbClr val="000000"/>
-                </a:solidFill>
-                <a:effectLst/>
-                <a:latin typeface="inter-regular"/>
-              </a:rPr>
-              <a:t> </a:t>
-            </a:r>
-            <a:r>
-              <a:rPr lang="en-US" b="0" i="0" dirty="0" err="1">
-                <a:solidFill>
-                  <a:srgbClr val="000000"/>
-                </a:solidFill>
-                <a:effectLst/>
-                <a:latin typeface="inter-regular"/>
-              </a:rPr>
-              <a:t>Erweiterbarkeit</a:t>
-            </a:r>
-            <a:r>
-              <a:rPr lang="en-US" b="0" i="0" dirty="0">
-                <a:solidFill>
-                  <a:srgbClr val="000000"/>
-                </a:solidFill>
-                <a:effectLst/>
-                <a:latin typeface="inter-regular"/>
-              </a:rPr>
-              <a:t> </a:t>
-            </a:r>
-            <a:r>
-              <a:rPr lang="en-US" b="0" i="0" dirty="0" err="1">
-                <a:solidFill>
-                  <a:srgbClr val="000000"/>
-                </a:solidFill>
-                <a:effectLst/>
-                <a:latin typeface="inter-regular"/>
-              </a:rPr>
-              <a:t>möglich</a:t>
-            </a:r>
-            <a:endParaRPr lang="en-US" b="0" i="0" dirty="0">
-              <a:solidFill>
-                <a:srgbClr val="000000"/>
-              </a:solidFill>
-              <a:effectLst/>
-              <a:latin typeface="inter-regular"/>
-            </a:endParaRPr>
-          </a:p>
-          <a:p>
-            <a:pPr marL="742950" lvl="1" indent="-285750" algn="just">
-              <a:buFont typeface="Arial" panose="020B0604020202020204" pitchFamily="34" charset="0"/>
-              <a:buChar char="•"/>
-            </a:pPr>
-            <a:r>
-              <a:rPr lang="en-US" dirty="0" err="1">
-                <a:solidFill>
-                  <a:srgbClr val="000000"/>
-                </a:solidFill>
-                <a:latin typeface="inter-regular"/>
-              </a:rPr>
-              <a:t>Klasse</a:t>
-            </a:r>
-            <a:r>
-              <a:rPr lang="en-US" dirty="0">
-                <a:solidFill>
-                  <a:srgbClr val="000000"/>
-                </a:solidFill>
-                <a:latin typeface="inter-regular"/>
-              </a:rPr>
-              <a:t> package-private </a:t>
-            </a:r>
-            <a:r>
-              <a:rPr lang="en-US" dirty="0" err="1">
-                <a:solidFill>
-                  <a:srgbClr val="000000"/>
-                </a:solidFill>
-                <a:latin typeface="inter-regular"/>
-              </a:rPr>
-              <a:t>machen</a:t>
-            </a:r>
-            <a:r>
-              <a:rPr lang="en-US" dirty="0">
-                <a:solidFill>
-                  <a:srgbClr val="000000"/>
-                </a:solidFill>
-                <a:latin typeface="inter-regular"/>
-              </a:rPr>
-              <a:t> -&gt; </a:t>
-            </a:r>
-            <a:r>
-              <a:rPr lang="en-US" dirty="0" err="1">
-                <a:solidFill>
-                  <a:srgbClr val="000000"/>
-                </a:solidFill>
-                <a:latin typeface="inter-regular"/>
-              </a:rPr>
-              <a:t>Erweiterbarkeit</a:t>
-            </a:r>
-            <a:r>
-              <a:rPr lang="en-US" dirty="0">
-                <a:solidFill>
-                  <a:srgbClr val="000000"/>
-                </a:solidFill>
-                <a:latin typeface="inter-regular"/>
-              </a:rPr>
-              <a:t> </a:t>
-            </a:r>
-            <a:r>
-              <a:rPr lang="en-US" dirty="0" err="1">
-                <a:solidFill>
-                  <a:srgbClr val="000000"/>
-                </a:solidFill>
-                <a:latin typeface="inter-regular"/>
-              </a:rPr>
-              <a:t>nur</a:t>
-            </a:r>
-            <a:r>
-              <a:rPr lang="en-US" dirty="0">
-                <a:solidFill>
-                  <a:srgbClr val="000000"/>
-                </a:solidFill>
-                <a:latin typeface="inter-regular"/>
-              </a:rPr>
-              <a:t> </a:t>
-            </a:r>
-            <a:r>
-              <a:rPr lang="en-US" dirty="0" err="1">
-                <a:solidFill>
-                  <a:srgbClr val="000000"/>
-                </a:solidFill>
-                <a:latin typeface="inter-regular"/>
-              </a:rPr>
-              <a:t>im</a:t>
-            </a:r>
-            <a:r>
-              <a:rPr lang="en-US" dirty="0">
-                <a:solidFill>
-                  <a:srgbClr val="000000"/>
-                </a:solidFill>
-                <a:latin typeface="inter-regular"/>
-              </a:rPr>
-              <a:t> </a:t>
-            </a:r>
-            <a:r>
-              <a:rPr lang="en-US" dirty="0" err="1">
-                <a:solidFill>
-                  <a:srgbClr val="000000"/>
-                </a:solidFill>
-                <a:latin typeface="inter-regular"/>
-              </a:rPr>
-              <a:t>gleichen</a:t>
-            </a:r>
-            <a:r>
-              <a:rPr lang="en-US" dirty="0">
-                <a:solidFill>
-                  <a:srgbClr val="000000"/>
-                </a:solidFill>
-                <a:latin typeface="inter-regular"/>
-              </a:rPr>
-              <a:t> </a:t>
-            </a:r>
-            <a:r>
-              <a:rPr lang="en-US" dirty="0" err="1">
-                <a:solidFill>
-                  <a:srgbClr val="000000"/>
-                </a:solidFill>
-                <a:latin typeface="inter-regular"/>
-              </a:rPr>
-              <a:t>Paket</a:t>
-            </a:r>
-            <a:r>
-              <a:rPr lang="en-US" dirty="0">
-                <a:solidFill>
-                  <a:srgbClr val="000000"/>
-                </a:solidFill>
-                <a:latin typeface="inter-regular"/>
-              </a:rPr>
-              <a:t>, </a:t>
-            </a:r>
-            <a:r>
-              <a:rPr lang="en-US" dirty="0" err="1">
-                <a:solidFill>
-                  <a:srgbClr val="000000"/>
-                </a:solidFill>
-                <a:latin typeface="inter-regular"/>
-              </a:rPr>
-              <a:t>d.h.</a:t>
-            </a:r>
-            <a:r>
-              <a:rPr lang="en-US" dirty="0">
-                <a:solidFill>
-                  <a:srgbClr val="000000"/>
-                </a:solidFill>
-                <a:latin typeface="inter-regular"/>
-              </a:rPr>
-              <a:t> </a:t>
-            </a:r>
-            <a:r>
-              <a:rPr lang="en-US" dirty="0" err="1">
-                <a:solidFill>
-                  <a:srgbClr val="000000"/>
-                </a:solidFill>
-                <a:latin typeface="inter-regular"/>
-              </a:rPr>
-              <a:t>wenn</a:t>
-            </a:r>
-            <a:r>
-              <a:rPr lang="en-US" dirty="0">
-                <a:solidFill>
-                  <a:srgbClr val="000000"/>
-                </a:solidFill>
-                <a:latin typeface="inter-regular"/>
-              </a:rPr>
-              <a:t> man die super class </a:t>
-            </a:r>
-            <a:r>
-              <a:rPr lang="en-US" dirty="0" err="1">
-                <a:solidFill>
-                  <a:srgbClr val="000000"/>
-                </a:solidFill>
-                <a:latin typeface="inter-regular"/>
-              </a:rPr>
-              <a:t>benutzen</a:t>
-            </a:r>
-            <a:r>
-              <a:rPr lang="en-US" dirty="0">
-                <a:solidFill>
-                  <a:srgbClr val="000000"/>
-                </a:solidFill>
-                <a:latin typeface="inter-regular"/>
-              </a:rPr>
-              <a:t> </a:t>
-            </a:r>
-            <a:r>
-              <a:rPr lang="en-US" dirty="0" err="1">
-                <a:solidFill>
-                  <a:srgbClr val="000000"/>
-                </a:solidFill>
-                <a:latin typeface="inter-regular"/>
-              </a:rPr>
-              <a:t>kann</a:t>
-            </a:r>
-            <a:r>
-              <a:rPr lang="en-US" dirty="0">
-                <a:solidFill>
-                  <a:srgbClr val="000000"/>
-                </a:solidFill>
-                <a:latin typeface="inter-regular"/>
-              </a:rPr>
-              <a:t>, </a:t>
-            </a:r>
-            <a:r>
-              <a:rPr lang="en-US" dirty="0" err="1">
-                <a:solidFill>
-                  <a:srgbClr val="000000"/>
-                </a:solidFill>
-                <a:latin typeface="inter-regular"/>
-              </a:rPr>
-              <a:t>kann</a:t>
-            </a:r>
-            <a:r>
-              <a:rPr lang="en-US" dirty="0">
-                <a:solidFill>
-                  <a:srgbClr val="000000"/>
-                </a:solidFill>
-                <a:latin typeface="inter-regular"/>
-              </a:rPr>
-              <a:t> man </a:t>
-            </a:r>
-            <a:r>
-              <a:rPr lang="en-US" dirty="0" err="1">
-                <a:solidFill>
-                  <a:srgbClr val="000000"/>
-                </a:solidFill>
-                <a:latin typeface="inter-regular"/>
-              </a:rPr>
-              <a:t>sie</a:t>
-            </a:r>
-            <a:r>
-              <a:rPr lang="en-US" dirty="0">
-                <a:solidFill>
-                  <a:srgbClr val="000000"/>
-                </a:solidFill>
-                <a:latin typeface="inter-regular"/>
-              </a:rPr>
-              <a:t> </a:t>
-            </a:r>
-            <a:r>
-              <a:rPr lang="en-US" dirty="0" err="1">
-                <a:solidFill>
-                  <a:srgbClr val="000000"/>
-                </a:solidFill>
-                <a:latin typeface="inter-regular"/>
-              </a:rPr>
-              <a:t>auch</a:t>
-            </a:r>
-            <a:r>
-              <a:rPr lang="en-US" dirty="0">
-                <a:solidFill>
-                  <a:srgbClr val="000000"/>
-                </a:solidFill>
-                <a:latin typeface="inter-regular"/>
-              </a:rPr>
-              <a:t> </a:t>
-            </a:r>
-            <a:r>
-              <a:rPr lang="en-US" dirty="0" err="1">
-                <a:solidFill>
-                  <a:srgbClr val="000000"/>
-                </a:solidFill>
-                <a:latin typeface="inter-regular"/>
-              </a:rPr>
-              <a:t>erweitern</a:t>
-            </a:r>
-            <a:r>
-              <a:rPr lang="en-US" dirty="0">
-                <a:solidFill>
-                  <a:srgbClr val="000000"/>
-                </a:solidFill>
-                <a:latin typeface="inter-regular"/>
-              </a:rPr>
-              <a:t>…</a:t>
-            </a:r>
-          </a:p>
-          <a:p>
-            <a:pPr marL="285750" indent="-285750" algn="just">
-              <a:buFont typeface="Arial" panose="020B0604020202020204" pitchFamily="34" charset="0"/>
-              <a:buChar char="•"/>
-            </a:pPr>
-            <a:r>
-              <a:rPr lang="en-US" b="0" i="0" dirty="0" err="1">
-                <a:solidFill>
-                  <a:srgbClr val="000000"/>
-                </a:solidFill>
-                <a:effectLst/>
-                <a:latin typeface="inter-regular"/>
-              </a:rPr>
-              <a:t>Mit</a:t>
-            </a:r>
-            <a:r>
-              <a:rPr lang="en-US" b="0" i="0" dirty="0">
-                <a:solidFill>
-                  <a:srgbClr val="000000"/>
-                </a:solidFill>
-                <a:effectLst/>
-                <a:latin typeface="inter-regular"/>
-              </a:rPr>
-              <a:t> sealed Klassen </a:t>
-            </a:r>
-            <a:r>
-              <a:rPr lang="en-US" b="0" i="0" dirty="0" err="1">
-                <a:solidFill>
-                  <a:srgbClr val="000000"/>
-                </a:solidFill>
-                <a:effectLst/>
-                <a:latin typeface="inter-regular"/>
-              </a:rPr>
-              <a:t>können</a:t>
-            </a:r>
-            <a:r>
-              <a:rPr lang="en-US" b="0" i="0" dirty="0">
-                <a:solidFill>
-                  <a:srgbClr val="000000"/>
-                </a:solidFill>
-                <a:effectLst/>
-                <a:latin typeface="inter-regular"/>
-              </a:rPr>
-              <a:t> </a:t>
-            </a:r>
-            <a:r>
-              <a:rPr lang="en-US" b="0" i="0" dirty="0" err="1">
-                <a:solidFill>
-                  <a:srgbClr val="000000"/>
-                </a:solidFill>
-                <a:effectLst/>
-                <a:latin typeface="inter-regular"/>
-              </a:rPr>
-              <a:t>wir</a:t>
-            </a:r>
-            <a:r>
-              <a:rPr lang="en-US" b="0" i="0" dirty="0">
-                <a:solidFill>
-                  <a:srgbClr val="000000"/>
-                </a:solidFill>
-                <a:effectLst/>
-                <a:latin typeface="inter-regular"/>
-              </a:rPr>
-              <a:t> nun </a:t>
-            </a:r>
-            <a:r>
-              <a:rPr lang="en-US" b="0" i="0" dirty="0" err="1">
-                <a:solidFill>
-                  <a:srgbClr val="000000"/>
-                </a:solidFill>
-                <a:effectLst/>
-                <a:latin typeface="inter-regular"/>
-              </a:rPr>
-              <a:t>eine</a:t>
-            </a:r>
-            <a:r>
-              <a:rPr lang="en-US" b="0" i="0" dirty="0">
-                <a:solidFill>
-                  <a:srgbClr val="000000"/>
-                </a:solidFill>
-                <a:effectLst/>
-                <a:latin typeface="inter-regular"/>
-              </a:rPr>
-              <a:t> </a:t>
-            </a:r>
-            <a:r>
-              <a:rPr lang="en-US" b="0" i="0" dirty="0" err="1">
-                <a:solidFill>
-                  <a:srgbClr val="000000"/>
-                </a:solidFill>
-                <a:effectLst/>
-                <a:latin typeface="inter-regular"/>
-              </a:rPr>
-              <a:t>Liste</a:t>
-            </a:r>
-            <a:r>
-              <a:rPr lang="en-US" b="0" i="0" dirty="0">
-                <a:solidFill>
-                  <a:srgbClr val="000000"/>
-                </a:solidFill>
-                <a:effectLst/>
-                <a:latin typeface="inter-regular"/>
-              </a:rPr>
-              <a:t> von </a:t>
-            </a:r>
-            <a:r>
-              <a:rPr lang="en-US" b="0" i="0" dirty="0" err="1">
-                <a:solidFill>
-                  <a:srgbClr val="000000"/>
-                </a:solidFill>
-                <a:effectLst/>
-                <a:latin typeface="inter-regular"/>
-              </a:rPr>
-              <a:t>erlaubten</a:t>
-            </a:r>
-            <a:r>
-              <a:rPr lang="en-US" b="0" i="0" dirty="0">
-                <a:solidFill>
-                  <a:srgbClr val="000000"/>
-                </a:solidFill>
-                <a:effectLst/>
-                <a:latin typeface="inter-regular"/>
-              </a:rPr>
-              <a:t> </a:t>
-            </a:r>
-            <a:r>
-              <a:rPr lang="en-US" b="0" i="0" dirty="0" err="1">
-                <a:solidFill>
-                  <a:srgbClr val="000000"/>
-                </a:solidFill>
-                <a:effectLst/>
-                <a:latin typeface="inter-regular"/>
-              </a:rPr>
-              <a:t>Subklassen</a:t>
-            </a:r>
-            <a:r>
-              <a:rPr lang="en-US" b="0" i="0" dirty="0">
-                <a:solidFill>
-                  <a:srgbClr val="000000"/>
-                </a:solidFill>
-                <a:effectLst/>
-                <a:latin typeface="inter-regular"/>
-              </a:rPr>
-              <a:t> </a:t>
-            </a:r>
-            <a:r>
-              <a:rPr lang="en-US" b="0" i="0" dirty="0" err="1">
-                <a:solidFill>
-                  <a:srgbClr val="000000"/>
-                </a:solidFill>
-                <a:effectLst/>
-                <a:latin typeface="inter-regular"/>
-              </a:rPr>
-              <a:t>festlegen</a:t>
-            </a:r>
-            <a:endParaRPr lang="en-US" b="0" i="0" dirty="0">
-              <a:solidFill>
-                <a:srgbClr val="000000"/>
-              </a:solidFill>
-              <a:effectLst/>
-              <a:latin typeface="inter-regular"/>
-            </a:endParaRPr>
-          </a:p>
-          <a:p>
-            <a:pPr marL="742950" lvl="1" indent="-285750" algn="just">
-              <a:buFont typeface="Arial" panose="020B0604020202020204" pitchFamily="34" charset="0"/>
-              <a:buChar char="•"/>
-            </a:pPr>
-            <a:r>
-              <a:rPr lang="en-US" dirty="0" err="1">
-                <a:solidFill>
-                  <a:srgbClr val="000000"/>
-                </a:solidFill>
-                <a:latin typeface="inter-regular"/>
-              </a:rPr>
-              <a:t>Erweiterbarkeit</a:t>
-            </a:r>
-            <a:r>
-              <a:rPr lang="en-US" dirty="0">
-                <a:solidFill>
-                  <a:srgbClr val="000000"/>
-                </a:solidFill>
-                <a:latin typeface="inter-regular"/>
-              </a:rPr>
-              <a:t> </a:t>
-            </a:r>
-            <a:r>
-              <a:rPr lang="en-US" dirty="0" err="1">
-                <a:solidFill>
-                  <a:srgbClr val="000000"/>
-                </a:solidFill>
-                <a:latin typeface="inter-regular"/>
-              </a:rPr>
-              <a:t>ist</a:t>
-            </a:r>
-            <a:r>
-              <a:rPr lang="en-US" dirty="0">
-                <a:solidFill>
-                  <a:srgbClr val="000000"/>
-                </a:solidFill>
-                <a:latin typeface="inter-regular"/>
-              </a:rPr>
-              <a:t> </a:t>
-            </a:r>
-            <a:r>
-              <a:rPr lang="en-US" dirty="0" err="1">
-                <a:solidFill>
-                  <a:srgbClr val="000000"/>
-                </a:solidFill>
-                <a:latin typeface="inter-regular"/>
-              </a:rPr>
-              <a:t>möglich</a:t>
-            </a:r>
-            <a:r>
-              <a:rPr lang="en-US" dirty="0">
-                <a:solidFill>
-                  <a:srgbClr val="000000"/>
-                </a:solidFill>
-                <a:latin typeface="inter-regular"/>
-              </a:rPr>
-              <a:t> </a:t>
-            </a:r>
-            <a:r>
-              <a:rPr lang="en-US" dirty="0" err="1">
-                <a:solidFill>
-                  <a:srgbClr val="000000"/>
-                </a:solidFill>
-                <a:latin typeface="inter-regular"/>
-              </a:rPr>
-              <a:t>wie</a:t>
-            </a:r>
-            <a:r>
-              <a:rPr lang="en-US" dirty="0">
-                <a:solidFill>
-                  <a:srgbClr val="000000"/>
-                </a:solidFill>
-                <a:latin typeface="inter-regular"/>
-              </a:rPr>
-              <a:t> designed, </a:t>
-            </a:r>
-            <a:r>
-              <a:rPr lang="en-US" dirty="0" err="1">
-                <a:solidFill>
-                  <a:srgbClr val="000000"/>
-                </a:solidFill>
-                <a:latin typeface="inter-regular"/>
-              </a:rPr>
-              <a:t>Benutzbarkeit</a:t>
-            </a:r>
-            <a:r>
-              <a:rPr lang="en-US" dirty="0">
-                <a:solidFill>
-                  <a:srgbClr val="000000"/>
-                </a:solidFill>
-                <a:latin typeface="inter-regular"/>
-              </a:rPr>
-              <a:t> der super class </a:t>
-            </a:r>
-            <a:r>
-              <a:rPr lang="en-US" dirty="0" err="1">
-                <a:solidFill>
-                  <a:srgbClr val="000000"/>
-                </a:solidFill>
-                <a:latin typeface="inter-regular"/>
-              </a:rPr>
-              <a:t>ist</a:t>
-            </a:r>
-            <a:r>
-              <a:rPr lang="en-US" dirty="0">
-                <a:solidFill>
-                  <a:srgbClr val="000000"/>
-                </a:solidFill>
-                <a:latin typeface="inter-regular"/>
-              </a:rPr>
-              <a:t> </a:t>
-            </a:r>
-            <a:r>
-              <a:rPr lang="en-US" dirty="0" err="1">
-                <a:solidFill>
-                  <a:srgbClr val="000000"/>
-                </a:solidFill>
-                <a:latin typeface="inter-regular"/>
-              </a:rPr>
-              <a:t>nicht</a:t>
-            </a:r>
-            <a:r>
-              <a:rPr lang="en-US" dirty="0">
-                <a:solidFill>
-                  <a:srgbClr val="000000"/>
-                </a:solidFill>
-                <a:latin typeface="inter-regular"/>
-              </a:rPr>
-              <a:t> </a:t>
-            </a:r>
-            <a:r>
-              <a:rPr lang="en-US" dirty="0" err="1">
-                <a:solidFill>
-                  <a:srgbClr val="000000"/>
-                </a:solidFill>
-                <a:latin typeface="inter-regular"/>
-              </a:rPr>
-              <a:t>eingeschränkt</a:t>
-            </a:r>
-            <a:endParaRPr lang="en-US" dirty="0">
-              <a:solidFill>
-                <a:srgbClr val="000000"/>
-              </a:solidFill>
-              <a:latin typeface="inter-regular"/>
-            </a:endParaRPr>
-          </a:p>
-          <a:p>
-            <a:pPr marL="285750" indent="-285750" algn="just">
-              <a:buFont typeface="Arial" panose="020B0604020202020204" pitchFamily="34" charset="0"/>
-              <a:buChar char="•"/>
-            </a:pPr>
-            <a:r>
-              <a:rPr lang="en-US" b="0" i="0" dirty="0">
-                <a:solidFill>
-                  <a:srgbClr val="000000"/>
-                </a:solidFill>
-                <a:effectLst/>
-                <a:latin typeface="inter-regular"/>
-              </a:rPr>
-              <a:t>Dieser </a:t>
-            </a:r>
-            <a:r>
-              <a:rPr lang="en-US" b="0" i="0" dirty="0" err="1">
-                <a:solidFill>
-                  <a:srgbClr val="000000"/>
-                </a:solidFill>
-                <a:effectLst/>
-                <a:latin typeface="inter-regular"/>
-              </a:rPr>
-              <a:t>Aspekt</a:t>
-            </a:r>
-            <a:r>
-              <a:rPr lang="en-US" b="0" i="0" dirty="0">
-                <a:solidFill>
-                  <a:srgbClr val="000000"/>
-                </a:solidFill>
-                <a:effectLst/>
-                <a:latin typeface="inter-regular"/>
-              </a:rPr>
-              <a:t> </a:t>
-            </a:r>
-            <a:r>
-              <a:rPr lang="en-US" b="0" i="0" dirty="0" err="1">
-                <a:solidFill>
-                  <a:srgbClr val="000000"/>
-                </a:solidFill>
-                <a:effectLst/>
-                <a:latin typeface="inter-regular"/>
-              </a:rPr>
-              <a:t>ist</a:t>
-            </a:r>
-            <a:r>
-              <a:rPr lang="en-US" b="0" i="0" dirty="0">
-                <a:solidFill>
-                  <a:srgbClr val="000000"/>
-                </a:solidFill>
-                <a:effectLst/>
-                <a:latin typeface="inter-regular"/>
-              </a:rPr>
-              <a:t> für framework/library </a:t>
-            </a:r>
-            <a:r>
-              <a:rPr lang="en-US" b="0" i="0" dirty="0" err="1">
-                <a:solidFill>
-                  <a:srgbClr val="000000"/>
-                </a:solidFill>
-                <a:effectLst/>
-                <a:latin typeface="inter-regular"/>
-              </a:rPr>
-              <a:t>Entwickler</a:t>
-            </a:r>
-            <a:r>
-              <a:rPr lang="en-US" b="0" i="0" dirty="0">
-                <a:solidFill>
-                  <a:srgbClr val="000000"/>
-                </a:solidFill>
-                <a:effectLst/>
-                <a:latin typeface="inter-regular"/>
-              </a:rPr>
-              <a:t> </a:t>
-            </a:r>
-            <a:r>
-              <a:rPr lang="en-US" b="0" i="0" dirty="0" err="1">
-                <a:solidFill>
-                  <a:srgbClr val="000000"/>
-                </a:solidFill>
-                <a:effectLst/>
-                <a:latin typeface="inter-regular"/>
-              </a:rPr>
-              <a:t>interessant</a:t>
-            </a:r>
-            <a:endParaRPr lang="en-US" b="0" i="0" dirty="0">
-              <a:solidFill>
-                <a:srgbClr val="000000"/>
-              </a:solidFill>
-              <a:effectLst/>
-              <a:latin typeface="inter-regular"/>
-            </a:endParaRPr>
-          </a:p>
-          <a:p>
-            <a:pPr algn="just"/>
-            <a:endParaRPr lang="en-US" dirty="0">
-              <a:solidFill>
-                <a:srgbClr val="000000"/>
-              </a:solidFill>
-              <a:latin typeface="inter-regular"/>
-            </a:endParaRPr>
-          </a:p>
-          <a:p>
-            <a:pPr marL="285750" indent="-285750" algn="just">
-              <a:buFont typeface="Arial" panose="020B0604020202020204" pitchFamily="34" charset="0"/>
-              <a:buChar char="•"/>
-            </a:pPr>
-            <a:endParaRPr lang="en-US" b="0" i="0" dirty="0">
-              <a:solidFill>
-                <a:srgbClr val="000000"/>
-              </a:solidFill>
-              <a:effectLst/>
-              <a:latin typeface="inter-regular"/>
-            </a:endParaRPr>
-          </a:p>
-        </p:txBody>
-      </p:sp>
-    </p:spTree>
-    <p:extLst>
-      <p:ext uri="{BB962C8B-B14F-4D97-AF65-F5344CB8AC3E}">
-        <p14:creationId xmlns:p14="http://schemas.microsoft.com/office/powerpoint/2010/main" val="3183532294"/>
       </p:ext>
     </p:extLst>
   </p:cSld>
@@ -30861,6 +30249,1925 @@
           <a:p>
             <a:r>
               <a:rPr lang="de-DE" dirty="0"/>
+              <a:t>Sealed Classes (Java 17)</a:t>
+            </a:r>
+          </a:p>
+        </p:txBody>
+      </p:sp>
+      <p:sp>
+        <p:nvSpPr>
+          <p:cNvPr id="3" name="Textfeld 2">
+            <a:extLst>
+              <a:ext uri="{FF2B5EF4-FFF2-40B4-BE49-F238E27FC236}">
+                <a16:creationId xmlns:a16="http://schemas.microsoft.com/office/drawing/2014/main" id="{E9080A01-F809-9EBA-8886-38A7D1930B15}"/>
+              </a:ext>
+            </a:extLst>
+          </p:cNvPr>
+          <p:cNvSpPr txBox="1"/>
+          <p:nvPr/>
+        </p:nvSpPr>
+        <p:spPr>
+          <a:xfrm>
+            <a:off x="769858" y="1912370"/>
+            <a:ext cx="8746958" cy="3693319"/>
+          </a:xfrm>
+          <a:prstGeom prst="rect">
+            <a:avLst/>
+          </a:prstGeom>
+          <a:noFill/>
+        </p:spPr>
+        <p:txBody>
+          <a:bodyPr wrap="square" rtlCol="0">
+            <a:spAutoFit/>
+          </a:bodyPr>
+          <a:lstStyle/>
+          <a:p>
+            <a:pPr marL="285750" indent="-285750" algn="just">
+              <a:buFont typeface="Arial" panose="020B0604020202020204" pitchFamily="34" charset="0"/>
+              <a:buChar char="•"/>
+            </a:pPr>
+            <a:r>
+              <a:rPr lang="de-DE" b="0" i="0" dirty="0">
+                <a:solidFill>
+                  <a:srgbClr val="000000"/>
+                </a:solidFill>
+                <a:effectLst/>
+                <a:latin typeface="inter-regular"/>
+              </a:rPr>
+              <a:t>Sealed </a:t>
+            </a:r>
+            <a:r>
+              <a:rPr lang="de-DE" b="0" i="0" dirty="0" err="1">
+                <a:solidFill>
+                  <a:srgbClr val="000000"/>
+                </a:solidFill>
+                <a:effectLst/>
+                <a:latin typeface="inter-regular"/>
+              </a:rPr>
+              <a:t>classes</a:t>
+            </a:r>
+            <a:r>
+              <a:rPr lang="de-DE" b="0" i="0" dirty="0">
+                <a:solidFill>
+                  <a:srgbClr val="000000"/>
+                </a:solidFill>
+                <a:effectLst/>
+                <a:latin typeface="inter-regular"/>
+              </a:rPr>
+              <a:t> sind wie z. B. </a:t>
+            </a:r>
+            <a:r>
+              <a:rPr lang="de-DE" b="0" i="0" dirty="0" err="1">
+                <a:solidFill>
+                  <a:srgbClr val="000000"/>
+                </a:solidFill>
+                <a:effectLst/>
+                <a:latin typeface="inter-regular"/>
+              </a:rPr>
+              <a:t>Enums</a:t>
+            </a:r>
+            <a:r>
+              <a:rPr lang="de-DE" b="0" i="0" dirty="0">
+                <a:solidFill>
+                  <a:srgbClr val="000000"/>
+                </a:solidFill>
+                <a:effectLst/>
+                <a:latin typeface="inter-regular"/>
+              </a:rPr>
+              <a:t> zum Erfassen von Alternativen in Domänenmodellen geeignet</a:t>
+            </a:r>
+          </a:p>
+          <a:p>
+            <a:pPr marL="285750" indent="-285750" algn="just">
+              <a:buFont typeface="Arial" panose="020B0604020202020204" pitchFamily="34" charset="0"/>
+              <a:buChar char="•"/>
+            </a:pPr>
+            <a:r>
+              <a:rPr lang="de-DE" dirty="0">
+                <a:solidFill>
+                  <a:srgbClr val="000000"/>
+                </a:solidFill>
+                <a:latin typeface="inter-regular"/>
+              </a:rPr>
+              <a:t>Sie </a:t>
+            </a:r>
+            <a:r>
+              <a:rPr lang="de-DE" b="0" i="0" dirty="0">
+                <a:solidFill>
+                  <a:srgbClr val="000000"/>
+                </a:solidFill>
+                <a:effectLst/>
+                <a:latin typeface="inter-regular"/>
+              </a:rPr>
+              <a:t>ermöglichen es Programmierern und Compilern, Schlussfolgerungen über die Abzählbarkeit/Vollständigkeit zu ziehen</a:t>
+            </a:r>
+          </a:p>
+          <a:p>
+            <a:pPr marL="285750" indent="-285750" algn="just">
+              <a:buFont typeface="Arial" panose="020B0604020202020204" pitchFamily="34" charset="0"/>
+              <a:buChar char="•"/>
+            </a:pPr>
+            <a:r>
+              <a:rPr lang="de-DE" dirty="0">
+                <a:solidFill>
+                  <a:srgbClr val="000000"/>
+                </a:solidFill>
+                <a:latin typeface="inter-regular"/>
+              </a:rPr>
+              <a:t>Arbeiten mit Records und Pattern </a:t>
+            </a:r>
+            <a:r>
+              <a:rPr lang="de-DE" dirty="0" err="1">
+                <a:solidFill>
+                  <a:srgbClr val="000000"/>
+                </a:solidFill>
+                <a:latin typeface="inter-regular"/>
+              </a:rPr>
+              <a:t>Matching</a:t>
+            </a:r>
+            <a:r>
+              <a:rPr lang="de-DE" dirty="0">
+                <a:solidFill>
+                  <a:srgbClr val="000000"/>
+                </a:solidFill>
+                <a:latin typeface="inter-regular"/>
+              </a:rPr>
+              <a:t> zusammen, um eine stärker datenzentrierte Programmierung zu unterstützen</a:t>
+            </a:r>
+            <a:endParaRPr lang="en-US" b="0" i="0" dirty="0">
+              <a:solidFill>
+                <a:srgbClr val="000000"/>
+              </a:solidFill>
+              <a:effectLst/>
+              <a:latin typeface="inter-regular"/>
+            </a:endParaRPr>
+          </a:p>
+          <a:p>
+            <a:pPr marL="285750" indent="-285750" algn="just">
+              <a:buFont typeface="Arial" panose="020B0604020202020204" pitchFamily="34" charset="0"/>
+              <a:buChar char="•"/>
+            </a:pPr>
+            <a:r>
+              <a:rPr lang="en-US" b="0" i="0" dirty="0">
+                <a:solidFill>
+                  <a:srgbClr val="000000"/>
+                </a:solidFill>
+                <a:effectLst/>
+                <a:latin typeface="inter-regular"/>
+              </a:rPr>
+              <a:t>Sealed classes </a:t>
+            </a:r>
+            <a:r>
+              <a:rPr lang="en-US" b="0" i="0" dirty="0" err="1">
+                <a:solidFill>
+                  <a:srgbClr val="000000"/>
+                </a:solidFill>
+                <a:effectLst/>
+                <a:latin typeface="inter-regular"/>
+              </a:rPr>
+              <a:t>erlauben</a:t>
+            </a:r>
+            <a:r>
+              <a:rPr lang="en-US" b="0" i="0" dirty="0">
+                <a:solidFill>
+                  <a:srgbClr val="000000"/>
+                </a:solidFill>
+                <a:effectLst/>
+                <a:latin typeface="inter-regular"/>
+              </a:rPr>
+              <a:t> die </a:t>
+            </a:r>
+            <a:r>
+              <a:rPr lang="en-US" dirty="0" err="1">
+                <a:solidFill>
+                  <a:srgbClr val="000000"/>
+                </a:solidFill>
+                <a:latin typeface="inter-regular"/>
+              </a:rPr>
+              <a:t>Vererbung</a:t>
+            </a:r>
+            <a:r>
+              <a:rPr lang="en-US" dirty="0">
+                <a:solidFill>
+                  <a:srgbClr val="000000"/>
+                </a:solidFill>
+                <a:latin typeface="inter-regular"/>
+              </a:rPr>
+              <a:t> </a:t>
+            </a:r>
+            <a:r>
+              <a:rPr lang="en-US" dirty="0" err="1">
+                <a:solidFill>
+                  <a:srgbClr val="000000"/>
+                </a:solidFill>
+                <a:latin typeface="inter-regular"/>
+              </a:rPr>
+              <a:t>explizit</a:t>
+            </a:r>
+            <a:endParaRPr lang="en-US" dirty="0">
+              <a:solidFill>
+                <a:srgbClr val="000000"/>
+              </a:solidFill>
+              <a:latin typeface="inter-regular"/>
+            </a:endParaRPr>
+          </a:p>
+          <a:p>
+            <a:pPr marL="285750" indent="-285750" algn="just">
+              <a:buFont typeface="Arial" panose="020B0604020202020204" pitchFamily="34" charset="0"/>
+              <a:buChar char="•"/>
+            </a:pPr>
+            <a:r>
+              <a:rPr lang="en-US" b="0" i="0" dirty="0">
+                <a:solidFill>
+                  <a:srgbClr val="000000"/>
+                </a:solidFill>
+                <a:effectLst/>
+                <a:latin typeface="inter-regular"/>
+              </a:rPr>
+              <a:t>Erben </a:t>
+            </a:r>
+            <a:r>
+              <a:rPr lang="en-US" b="0" i="0" dirty="0" err="1">
+                <a:solidFill>
+                  <a:srgbClr val="000000"/>
+                </a:solidFill>
+                <a:effectLst/>
+                <a:latin typeface="inter-regular"/>
+              </a:rPr>
+              <a:t>selber</a:t>
+            </a:r>
+            <a:r>
+              <a:rPr lang="en-US" b="0" i="0" dirty="0">
+                <a:solidFill>
+                  <a:srgbClr val="000000"/>
+                </a:solidFill>
+                <a:effectLst/>
+                <a:latin typeface="inter-regular"/>
+              </a:rPr>
+              <a:t> </a:t>
+            </a:r>
+            <a:r>
+              <a:rPr lang="en-US" b="0" i="0" dirty="0" err="1">
+                <a:solidFill>
+                  <a:srgbClr val="000000"/>
+                </a:solidFill>
+                <a:effectLst/>
+                <a:latin typeface="inter-regular"/>
+              </a:rPr>
+              <a:t>müssen</a:t>
+            </a:r>
+            <a:r>
+              <a:rPr lang="en-US" b="0" i="0" dirty="0">
+                <a:solidFill>
+                  <a:srgbClr val="000000"/>
+                </a:solidFill>
+                <a:effectLst/>
+                <a:latin typeface="inter-regular"/>
+              </a:rPr>
+              <a:t> </a:t>
+            </a:r>
+            <a:r>
+              <a:rPr lang="en-US" b="0" i="0" dirty="0" err="1">
+                <a:solidFill>
+                  <a:srgbClr val="000000"/>
+                </a:solidFill>
+                <a:effectLst/>
+                <a:latin typeface="inter-regular"/>
+              </a:rPr>
+              <a:t>im</a:t>
+            </a:r>
+            <a:r>
+              <a:rPr lang="en-US" b="0" i="0" dirty="0">
+                <a:solidFill>
+                  <a:srgbClr val="000000"/>
+                </a:solidFill>
+                <a:effectLst/>
+                <a:latin typeface="inter-regular"/>
+              </a:rPr>
+              <a:t> </a:t>
+            </a:r>
+            <a:r>
+              <a:rPr lang="en-US" b="0" i="0" dirty="0" err="1">
+                <a:solidFill>
+                  <a:srgbClr val="000000"/>
+                </a:solidFill>
+                <a:effectLst/>
+                <a:latin typeface="inter-regular"/>
+              </a:rPr>
+              <a:t>gleichen</a:t>
+            </a:r>
+            <a:r>
+              <a:rPr lang="en-US" b="0" i="0" dirty="0">
+                <a:solidFill>
+                  <a:srgbClr val="000000"/>
+                </a:solidFill>
+                <a:effectLst/>
+                <a:latin typeface="inter-regular"/>
+              </a:rPr>
+              <a:t> package </a:t>
+            </a:r>
+            <a:r>
+              <a:rPr lang="en-US" b="0" i="0" dirty="0" err="1">
+                <a:solidFill>
+                  <a:srgbClr val="000000"/>
+                </a:solidFill>
+                <a:effectLst/>
+                <a:latin typeface="inter-regular"/>
+              </a:rPr>
+              <a:t>liegen</a:t>
+            </a:r>
+            <a:r>
+              <a:rPr lang="en-US" b="0" i="0" dirty="0">
+                <a:solidFill>
+                  <a:srgbClr val="000000"/>
+                </a:solidFill>
+                <a:effectLst/>
+                <a:latin typeface="inter-regular"/>
+              </a:rPr>
+              <a:t> (</a:t>
+            </a:r>
+            <a:r>
+              <a:rPr lang="en-US" b="0" i="0" dirty="0" err="1">
+                <a:solidFill>
+                  <a:srgbClr val="000000"/>
+                </a:solidFill>
+                <a:effectLst/>
+                <a:latin typeface="inter-regular"/>
+              </a:rPr>
+              <a:t>oder</a:t>
+            </a:r>
+            <a:r>
+              <a:rPr lang="en-US" b="0" i="0" dirty="0">
+                <a:solidFill>
+                  <a:srgbClr val="000000"/>
+                </a:solidFill>
+                <a:effectLst/>
+                <a:latin typeface="inter-regular"/>
+              </a:rPr>
+              <a:t> </a:t>
+            </a:r>
+            <a:r>
+              <a:rPr lang="en-US" b="0" i="0" dirty="0" err="1">
+                <a:solidFill>
+                  <a:srgbClr val="000000"/>
+                </a:solidFill>
+                <a:effectLst/>
+                <a:latin typeface="inter-regular"/>
+              </a:rPr>
+              <a:t>gleichem</a:t>
+            </a:r>
+            <a:r>
+              <a:rPr lang="en-US" b="0" i="0" dirty="0">
+                <a:solidFill>
+                  <a:srgbClr val="000000"/>
+                </a:solidFill>
+                <a:effectLst/>
+                <a:latin typeface="inter-regular"/>
+              </a:rPr>
+              <a:t> Modul) und </a:t>
+            </a:r>
+            <a:r>
+              <a:rPr lang="en-US" b="0" i="0" dirty="0" err="1">
+                <a:solidFill>
+                  <a:srgbClr val="000000"/>
+                </a:solidFill>
+                <a:effectLst/>
+                <a:latin typeface="inter-regular"/>
+              </a:rPr>
+              <a:t>auch</a:t>
+            </a:r>
+            <a:r>
+              <a:rPr lang="en-US" b="0" i="0" dirty="0">
+                <a:solidFill>
+                  <a:srgbClr val="000000"/>
+                </a:solidFill>
+                <a:effectLst/>
+                <a:latin typeface="inter-regular"/>
+              </a:rPr>
+              <a:t> </a:t>
+            </a:r>
+            <a:r>
+              <a:rPr lang="en-US" b="0" i="0" dirty="0" err="1">
+                <a:solidFill>
+                  <a:srgbClr val="000000"/>
+                </a:solidFill>
+                <a:effectLst/>
+                <a:latin typeface="inter-regular"/>
+              </a:rPr>
+              <a:t>wieder</a:t>
+            </a:r>
+            <a:r>
+              <a:rPr lang="en-US" b="0" i="0" dirty="0">
+                <a:solidFill>
+                  <a:srgbClr val="000000"/>
+                </a:solidFill>
+                <a:effectLst/>
+                <a:latin typeface="inter-regular"/>
+              </a:rPr>
+              <a:t> sealed, final </a:t>
+            </a:r>
+            <a:r>
+              <a:rPr lang="en-US" b="0" i="0" dirty="0" err="1">
+                <a:solidFill>
+                  <a:srgbClr val="000000"/>
+                </a:solidFill>
+                <a:effectLst/>
+                <a:latin typeface="inter-regular"/>
+              </a:rPr>
+              <a:t>oder</a:t>
+            </a:r>
+            <a:r>
+              <a:rPr lang="en-US" b="0" i="0" dirty="0">
+                <a:solidFill>
+                  <a:srgbClr val="000000"/>
+                </a:solidFill>
+                <a:effectLst/>
+                <a:latin typeface="inter-regular"/>
+              </a:rPr>
+              <a:t> </a:t>
+            </a:r>
+            <a:r>
+              <a:rPr lang="en-US" b="0" i="0" dirty="0" err="1">
+                <a:solidFill>
+                  <a:srgbClr val="000000"/>
+                </a:solidFill>
+                <a:effectLst/>
+                <a:latin typeface="inter-regular"/>
+              </a:rPr>
+              <a:t>explizit</a:t>
+            </a:r>
+            <a:r>
+              <a:rPr lang="en-US" b="0" i="0" dirty="0">
+                <a:solidFill>
+                  <a:srgbClr val="000000"/>
+                </a:solidFill>
+                <a:effectLst/>
+                <a:latin typeface="inter-regular"/>
+              </a:rPr>
+              <a:t> non-sealed sein</a:t>
+            </a:r>
+          </a:p>
+          <a:p>
+            <a:pPr marL="285750" indent="-285750" algn="just">
+              <a:buFont typeface="Arial" panose="020B0604020202020204" pitchFamily="34" charset="0"/>
+              <a:buChar char="•"/>
+            </a:pPr>
+            <a:r>
+              <a:rPr lang="en-US" dirty="0">
+                <a:solidFill>
+                  <a:srgbClr val="000000"/>
+                </a:solidFill>
+                <a:latin typeface="inter-regular"/>
+              </a:rPr>
+              <a:t>Interfaces </a:t>
+            </a:r>
+            <a:r>
+              <a:rPr lang="en-US" dirty="0" err="1">
+                <a:solidFill>
+                  <a:srgbClr val="000000"/>
+                </a:solidFill>
+                <a:latin typeface="inter-regular"/>
+              </a:rPr>
+              <a:t>können</a:t>
+            </a:r>
+            <a:r>
+              <a:rPr lang="en-US" dirty="0">
+                <a:solidFill>
+                  <a:srgbClr val="000000"/>
+                </a:solidFill>
+                <a:latin typeface="inter-regular"/>
+              </a:rPr>
+              <a:t> </a:t>
+            </a:r>
+            <a:r>
+              <a:rPr lang="en-US" dirty="0" err="1">
+                <a:solidFill>
+                  <a:srgbClr val="000000"/>
+                </a:solidFill>
+                <a:latin typeface="inter-regular"/>
+              </a:rPr>
+              <a:t>auch</a:t>
+            </a:r>
+            <a:r>
+              <a:rPr lang="en-US" dirty="0">
+                <a:solidFill>
+                  <a:srgbClr val="000000"/>
+                </a:solidFill>
+                <a:latin typeface="inter-regular"/>
+              </a:rPr>
+              <a:t> sealed sein</a:t>
+            </a:r>
+          </a:p>
+          <a:p>
+            <a:pPr marL="285750" indent="-285750" algn="just">
+              <a:buFont typeface="Arial" panose="020B0604020202020204" pitchFamily="34" charset="0"/>
+              <a:buChar char="•"/>
+            </a:pPr>
+            <a:r>
+              <a:rPr lang="en-US" b="0" i="0" dirty="0">
+                <a:solidFill>
+                  <a:srgbClr val="000000"/>
+                </a:solidFill>
+                <a:effectLst/>
+                <a:latin typeface="inter-regular"/>
+              </a:rPr>
+              <a:t>Records </a:t>
+            </a:r>
+            <a:r>
+              <a:rPr lang="en-US" b="0" i="0" dirty="0" err="1">
+                <a:solidFill>
+                  <a:srgbClr val="000000"/>
+                </a:solidFill>
+                <a:effectLst/>
+                <a:latin typeface="inter-regular"/>
+              </a:rPr>
+              <a:t>können</a:t>
+            </a:r>
+            <a:r>
+              <a:rPr lang="en-US" b="0" i="0" dirty="0">
+                <a:solidFill>
+                  <a:srgbClr val="000000"/>
+                </a:solidFill>
+                <a:effectLst/>
+                <a:latin typeface="inter-regular"/>
+              </a:rPr>
+              <a:t> </a:t>
+            </a:r>
+            <a:r>
+              <a:rPr lang="en-US" b="0" i="0" dirty="0" err="1">
+                <a:solidFill>
+                  <a:srgbClr val="000000"/>
+                </a:solidFill>
+                <a:effectLst/>
+                <a:latin typeface="inter-regular"/>
+              </a:rPr>
+              <a:t>auch</a:t>
+            </a:r>
+            <a:r>
+              <a:rPr lang="en-US" b="0" i="0" dirty="0">
+                <a:solidFill>
+                  <a:srgbClr val="000000"/>
+                </a:solidFill>
+                <a:effectLst/>
+                <a:latin typeface="inter-regular"/>
+              </a:rPr>
+              <a:t> sealed interfaces </a:t>
+            </a:r>
+            <a:r>
+              <a:rPr lang="en-US" b="0" i="0" dirty="0" err="1">
+                <a:solidFill>
+                  <a:srgbClr val="000000"/>
+                </a:solidFill>
+                <a:effectLst/>
+                <a:latin typeface="inter-regular"/>
+              </a:rPr>
+              <a:t>implementieren</a:t>
+            </a:r>
+            <a:endParaRPr lang="en-US" b="0" i="0" dirty="0">
+              <a:solidFill>
+                <a:srgbClr val="000000"/>
+              </a:solidFill>
+              <a:effectLst/>
+              <a:latin typeface="inter-regular"/>
+            </a:endParaRPr>
+          </a:p>
+          <a:p>
+            <a:pPr marL="285750" indent="-285750" algn="just">
+              <a:buFont typeface="Arial" panose="020B0604020202020204" pitchFamily="34" charset="0"/>
+              <a:buChar char="•"/>
+            </a:pPr>
+            <a:endParaRPr lang="en-US" b="0" i="0" dirty="0">
+              <a:solidFill>
+                <a:srgbClr val="000000"/>
+              </a:solidFill>
+              <a:effectLst/>
+              <a:latin typeface="inter-regular"/>
+            </a:endParaRPr>
+          </a:p>
+          <a:p>
+            <a:pPr marL="285750" indent="-285750" algn="just">
+              <a:buFont typeface="Arial" panose="020B0604020202020204" pitchFamily="34" charset="0"/>
+              <a:buChar char="•"/>
+            </a:pPr>
+            <a:endParaRPr lang="en-US" b="0" i="0" dirty="0">
+              <a:solidFill>
+                <a:srgbClr val="000000"/>
+              </a:solidFill>
+              <a:effectLst/>
+              <a:latin typeface="inter-regular"/>
+            </a:endParaRPr>
+          </a:p>
+        </p:txBody>
+      </p:sp>
+    </p:spTree>
+    <p:extLst>
+      <p:ext uri="{BB962C8B-B14F-4D97-AF65-F5344CB8AC3E}">
+        <p14:creationId xmlns:p14="http://schemas.microsoft.com/office/powerpoint/2010/main" val="1185284376"/>
+      </p:ext>
+    </p:extLst>
+  </p:cSld>
+  <p:clrMapOvr>
+    <a:masterClrMapping/>
+  </p:clrMapOvr>
+</p:sld>
+</file>
+
+<file path=ppt/slides/slide61.xml><?xml version="1.0" encoding="utf-8"?>
+<p:sld xmlns:a="http://schemas.openxmlformats.org/drawingml/2006/main" xmlns:r="http://schemas.openxmlformats.org/officeDocument/2006/relationships" xmlns:p="http://schemas.openxmlformats.org/presentationml/2006/main">
+  <p:cSld>
+    <p:spTree>
+      <p:nvGrpSpPr>
+        <p:cNvPr id="1" name=""/>
+        <p:cNvGrpSpPr/>
+        <p:nvPr/>
+      </p:nvGrpSpPr>
+      <p:grpSpPr>
+        <a:xfrm>
+          <a:off x="0" y="0"/>
+          <a:ext cx="0" cy="0"/>
+          <a:chOff x="0" y="0"/>
+          <a:chExt cx="0" cy="0"/>
+        </a:xfrm>
+      </p:grpSpPr>
+      <p:graphicFrame>
+        <p:nvGraphicFramePr>
+          <p:cNvPr id="5" name="Objekt 4" hidden="1">
+            <a:extLst>
+              <a:ext uri="{FF2B5EF4-FFF2-40B4-BE49-F238E27FC236}">
+                <a16:creationId xmlns:a16="http://schemas.microsoft.com/office/drawing/2014/main" id="{964566A1-F542-3C44-BCBB-E7B9BBB76EF3}"/>
+              </a:ext>
+            </a:extLst>
+          </p:cNvPr>
+          <p:cNvGraphicFramePr>
+            <a:graphicFrameLocks noChangeAspect="1"/>
+          </p:cNvGraphicFramePr>
+          <p:nvPr>
+            <p:custDataLst>
+              <p:tags r:id="rId1"/>
+            </p:custDataLst>
+          </p:nvPr>
+        </p:nvGraphicFramePr>
+        <p:xfrm>
+          <a:off x="1588" y="1588"/>
+          <a:ext cx="1227" cy="1588"/>
+        </p:xfrm>
+        <a:graphic>
+          <a:graphicData uri="http://schemas.openxmlformats.org/presentationml/2006/ole">
+            <mc:AlternateContent xmlns:mc="http://schemas.openxmlformats.org/markup-compatibility/2006">
+              <mc:Choice xmlns:v="urn:schemas-microsoft-com:vml" Requires="v">
+                <p:oleObj name="think-cell Folie" r:id="rId3" imgW="7772400" imgH="10058400" progId="TCLayout.ActiveDocument.1">
+                  <p:embed/>
+                </p:oleObj>
+              </mc:Choice>
+              <mc:Fallback>
+                <p:oleObj name="think-cell Folie" r:id="rId3" imgW="7772400" imgH="10058400" progId="TCLayout.ActiveDocument.1">
+                  <p:embed/>
+                  <p:pic>
+                    <p:nvPicPr>
+                      <p:cNvPr id="5" name="Objekt 4" hidden="1">
+                        <a:extLst>
+                          <a:ext uri="{FF2B5EF4-FFF2-40B4-BE49-F238E27FC236}">
+                            <a16:creationId xmlns:a16="http://schemas.microsoft.com/office/drawing/2014/main" id="{964566A1-F542-3C44-BCBB-E7B9BBB76EF3}"/>
+                          </a:ext>
+                        </a:extLst>
+                      </p:cNvPr>
+                      <p:cNvPicPr/>
+                      <p:nvPr/>
+                    </p:nvPicPr>
+                    <p:blipFill>
+                      <a:blip r:embed="rId4"/>
+                      <a:stretch>
+                        <a:fillRect/>
+                      </a:stretch>
+                    </p:blipFill>
+                    <p:spPr>
+                      <a:xfrm>
+                        <a:off x="1588" y="1588"/>
+                        <a:ext cx="1227" cy="1588"/>
+                      </a:xfrm>
+                      <a:prstGeom prst="rect">
+                        <a:avLst/>
+                      </a:prstGeom>
+                    </p:spPr>
+                  </p:pic>
+                </p:oleObj>
+              </mc:Fallback>
+            </mc:AlternateContent>
+          </a:graphicData>
+        </a:graphic>
+      </p:graphicFrame>
+      <p:sp>
+        <p:nvSpPr>
+          <p:cNvPr id="2" name="Titel 1">
+            <a:extLst>
+              <a:ext uri="{FF2B5EF4-FFF2-40B4-BE49-F238E27FC236}">
+                <a16:creationId xmlns:a16="http://schemas.microsoft.com/office/drawing/2014/main" id="{DCFF97C9-15E2-6647-B310-4BF77DE1D9EE}"/>
+              </a:ext>
+            </a:extLst>
+          </p:cNvPr>
+          <p:cNvSpPr>
+            <a:spLocks noGrp="1"/>
+          </p:cNvSpPr>
+          <p:nvPr>
+            <p:ph type="title"/>
+          </p:nvPr>
+        </p:nvSpPr>
+        <p:spPr>
+          <a:xfrm>
+            <a:off x="677334" y="609599"/>
+            <a:ext cx="8596668" cy="978243"/>
+          </a:xfrm>
+        </p:spPr>
+        <p:txBody>
+          <a:bodyPr vert="horz">
+            <a:normAutofit/>
+          </a:bodyPr>
+          <a:lstStyle/>
+          <a:p>
+            <a:r>
+              <a:rPr lang="de-DE" dirty="0"/>
+              <a:t>Sealed Classes 2</a:t>
+            </a:r>
+          </a:p>
+        </p:txBody>
+      </p:sp>
+      <p:sp>
+        <p:nvSpPr>
+          <p:cNvPr id="3" name="Textfeld 2">
+            <a:extLst>
+              <a:ext uri="{FF2B5EF4-FFF2-40B4-BE49-F238E27FC236}">
+                <a16:creationId xmlns:a16="http://schemas.microsoft.com/office/drawing/2014/main" id="{E9080A01-F809-9EBA-8886-38A7D1930B15}"/>
+              </a:ext>
+            </a:extLst>
+          </p:cNvPr>
+          <p:cNvSpPr txBox="1"/>
+          <p:nvPr/>
+        </p:nvSpPr>
+        <p:spPr>
+          <a:xfrm>
+            <a:off x="769858" y="1912370"/>
+            <a:ext cx="8746958" cy="3416320"/>
+          </a:xfrm>
+          <a:prstGeom prst="rect">
+            <a:avLst/>
+          </a:prstGeom>
+          <a:noFill/>
+        </p:spPr>
+        <p:txBody>
+          <a:bodyPr wrap="square" rtlCol="0">
+            <a:spAutoFit/>
+          </a:bodyPr>
+          <a:lstStyle/>
+          <a:p>
+            <a:pPr marL="285750" indent="-285750" algn="just">
+              <a:buFont typeface="Arial" panose="020B0604020202020204" pitchFamily="34" charset="0"/>
+              <a:buChar char="•"/>
+            </a:pPr>
+            <a:r>
+              <a:rPr lang="en-US" b="0" i="0" dirty="0">
+                <a:solidFill>
+                  <a:srgbClr val="000000"/>
+                </a:solidFill>
+                <a:effectLst/>
+                <a:latin typeface="inter-regular"/>
+              </a:rPr>
+              <a:t>Sealed classes </a:t>
+            </a:r>
+            <a:r>
+              <a:rPr lang="en-US" dirty="0" err="1">
+                <a:solidFill>
+                  <a:srgbClr val="000000"/>
+                </a:solidFill>
+                <a:latin typeface="inter-regular"/>
+              </a:rPr>
+              <a:t>sind</a:t>
+            </a:r>
+            <a:r>
+              <a:rPr lang="en-US" dirty="0">
+                <a:solidFill>
+                  <a:srgbClr val="000000"/>
+                </a:solidFill>
+                <a:latin typeface="inter-regular"/>
+              </a:rPr>
+              <a:t> </a:t>
+            </a:r>
+            <a:r>
+              <a:rPr lang="en-US" dirty="0" err="1">
+                <a:solidFill>
+                  <a:srgbClr val="000000"/>
+                </a:solidFill>
+                <a:latin typeface="inter-regular"/>
+              </a:rPr>
+              <a:t>weiterhin</a:t>
+            </a:r>
+            <a:r>
+              <a:rPr lang="en-US" dirty="0">
+                <a:solidFill>
+                  <a:srgbClr val="000000"/>
+                </a:solidFill>
+                <a:latin typeface="inter-regular"/>
+              </a:rPr>
+              <a:t> </a:t>
+            </a:r>
+            <a:r>
+              <a:rPr lang="en-US" dirty="0" err="1">
+                <a:solidFill>
+                  <a:srgbClr val="000000"/>
+                </a:solidFill>
+                <a:latin typeface="inter-regular"/>
+              </a:rPr>
+              <a:t>eine</a:t>
+            </a:r>
+            <a:r>
+              <a:rPr lang="en-US" dirty="0">
+                <a:solidFill>
+                  <a:srgbClr val="000000"/>
+                </a:solidFill>
+                <a:latin typeface="inter-regular"/>
+              </a:rPr>
+              <a:t> </a:t>
+            </a:r>
+            <a:r>
+              <a:rPr lang="en-US" b="0" i="0" dirty="0" err="1">
+                <a:solidFill>
+                  <a:srgbClr val="000000"/>
+                </a:solidFill>
+                <a:effectLst/>
+                <a:latin typeface="inter-regular"/>
+              </a:rPr>
+              <a:t>Möglichkeit</a:t>
+            </a:r>
+            <a:r>
+              <a:rPr lang="en-US" b="0" i="0" dirty="0">
+                <a:solidFill>
+                  <a:srgbClr val="000000"/>
+                </a:solidFill>
+                <a:effectLst/>
+                <a:latin typeface="inter-regular"/>
+              </a:rPr>
+              <a:t>, die </a:t>
+            </a:r>
+            <a:r>
+              <a:rPr lang="en-US" b="0" i="0" dirty="0" err="1">
+                <a:solidFill>
+                  <a:srgbClr val="000000"/>
+                </a:solidFill>
+                <a:effectLst/>
+                <a:latin typeface="inter-regular"/>
+              </a:rPr>
+              <a:t>Erweiterbarkeit</a:t>
+            </a:r>
+            <a:r>
+              <a:rPr lang="en-US" b="0" i="0" dirty="0">
+                <a:solidFill>
+                  <a:srgbClr val="000000"/>
+                </a:solidFill>
+                <a:effectLst/>
+                <a:latin typeface="inter-regular"/>
+              </a:rPr>
+              <a:t> von </a:t>
+            </a:r>
+            <a:r>
+              <a:rPr lang="en-US" b="0" i="0" dirty="0" err="1">
+                <a:solidFill>
+                  <a:srgbClr val="000000"/>
+                </a:solidFill>
+                <a:effectLst/>
+                <a:latin typeface="inter-regular"/>
+              </a:rPr>
+              <a:t>Superklassen</a:t>
+            </a:r>
+            <a:r>
+              <a:rPr lang="en-US" b="0" i="0" dirty="0">
+                <a:solidFill>
+                  <a:srgbClr val="000000"/>
+                </a:solidFill>
+                <a:effectLst/>
+                <a:latin typeface="inter-regular"/>
+              </a:rPr>
+              <a:t> </a:t>
+            </a:r>
+            <a:r>
+              <a:rPr lang="en-US" b="0" i="0" dirty="0" err="1">
+                <a:solidFill>
+                  <a:srgbClr val="000000"/>
+                </a:solidFill>
+                <a:effectLst/>
+                <a:latin typeface="inter-regular"/>
+              </a:rPr>
+              <a:t>einzuschränken</a:t>
+            </a:r>
+            <a:r>
+              <a:rPr lang="en-US" b="0" i="0" dirty="0">
+                <a:solidFill>
+                  <a:srgbClr val="000000"/>
+                </a:solidFill>
+                <a:effectLst/>
+                <a:latin typeface="inter-regular"/>
+              </a:rPr>
+              <a:t>, </a:t>
+            </a:r>
+            <a:r>
+              <a:rPr lang="en-US" b="0" i="0" dirty="0" err="1">
+                <a:solidFill>
+                  <a:srgbClr val="000000"/>
+                </a:solidFill>
+                <a:effectLst/>
+                <a:latin typeface="inter-regular"/>
+              </a:rPr>
+              <a:t>ohne</a:t>
+            </a:r>
+            <a:r>
+              <a:rPr lang="en-US" b="0" i="0" dirty="0">
+                <a:solidFill>
+                  <a:srgbClr val="000000"/>
+                </a:solidFill>
+                <a:effectLst/>
+                <a:latin typeface="inter-regular"/>
+              </a:rPr>
+              <a:t> </a:t>
+            </a:r>
+            <a:r>
+              <a:rPr lang="en-US" b="0" i="0" dirty="0" err="1">
+                <a:solidFill>
+                  <a:srgbClr val="000000"/>
+                </a:solidFill>
+                <a:effectLst/>
+                <a:latin typeface="inter-regular"/>
+              </a:rPr>
+              <a:t>dafür</a:t>
+            </a:r>
+            <a:r>
+              <a:rPr lang="en-US" b="0" i="0" dirty="0">
+                <a:solidFill>
+                  <a:srgbClr val="000000"/>
+                </a:solidFill>
+                <a:effectLst/>
+                <a:latin typeface="inter-regular"/>
+              </a:rPr>
+              <a:t> </a:t>
+            </a:r>
+            <a:r>
+              <a:rPr lang="en-US" b="0" i="0" dirty="0" err="1">
+                <a:solidFill>
+                  <a:srgbClr val="000000"/>
+                </a:solidFill>
+                <a:effectLst/>
+                <a:latin typeface="inter-regular"/>
+              </a:rPr>
+              <a:t>auch</a:t>
+            </a:r>
+            <a:r>
+              <a:rPr lang="en-US" b="0" i="0" dirty="0">
+                <a:solidFill>
+                  <a:srgbClr val="000000"/>
+                </a:solidFill>
+                <a:effectLst/>
+                <a:latin typeface="inter-regular"/>
+              </a:rPr>
+              <a:t> die </a:t>
+            </a:r>
+            <a:r>
+              <a:rPr lang="en-US" b="0" i="0" dirty="0" err="1">
+                <a:solidFill>
+                  <a:srgbClr val="000000"/>
+                </a:solidFill>
+                <a:effectLst/>
+                <a:latin typeface="inter-regular"/>
+              </a:rPr>
+              <a:t>Benutzbarkeit</a:t>
+            </a:r>
+            <a:r>
+              <a:rPr lang="en-US" b="0" i="0" dirty="0">
+                <a:solidFill>
+                  <a:srgbClr val="000000"/>
+                </a:solidFill>
+                <a:effectLst/>
+                <a:latin typeface="inter-regular"/>
+              </a:rPr>
+              <a:t> </a:t>
+            </a:r>
+            <a:r>
+              <a:rPr lang="en-US" b="0" i="0" dirty="0" err="1">
+                <a:solidFill>
+                  <a:srgbClr val="000000"/>
+                </a:solidFill>
+                <a:effectLst/>
+                <a:latin typeface="inter-regular"/>
+              </a:rPr>
+              <a:t>einzuschränken</a:t>
+            </a:r>
+            <a:endParaRPr lang="en-US" b="0" i="0" dirty="0">
+              <a:solidFill>
+                <a:srgbClr val="000000"/>
+              </a:solidFill>
+              <a:effectLst/>
+              <a:latin typeface="inter-regular"/>
+            </a:endParaRPr>
+          </a:p>
+          <a:p>
+            <a:pPr marL="285750" indent="-285750" algn="just">
+              <a:buFont typeface="Arial" panose="020B0604020202020204" pitchFamily="34" charset="0"/>
+              <a:buChar char="•"/>
+            </a:pPr>
+            <a:r>
+              <a:rPr lang="en-US" dirty="0" err="1">
+                <a:solidFill>
+                  <a:srgbClr val="000000"/>
+                </a:solidFill>
+                <a:latin typeface="inter-regular"/>
+              </a:rPr>
+              <a:t>Bislang</a:t>
+            </a:r>
+            <a:r>
+              <a:rPr lang="en-US" dirty="0">
+                <a:solidFill>
+                  <a:srgbClr val="000000"/>
+                </a:solidFill>
+                <a:latin typeface="inter-regular"/>
+              </a:rPr>
+              <a:t> </a:t>
+            </a:r>
+            <a:r>
+              <a:rPr lang="en-US" dirty="0" err="1">
+                <a:solidFill>
+                  <a:srgbClr val="000000"/>
+                </a:solidFill>
+                <a:latin typeface="inter-regular"/>
+              </a:rPr>
+              <a:t>konnten</a:t>
+            </a:r>
+            <a:r>
+              <a:rPr lang="en-US" dirty="0">
+                <a:solidFill>
+                  <a:srgbClr val="000000"/>
+                </a:solidFill>
+                <a:latin typeface="inter-regular"/>
+              </a:rPr>
+              <a:t> </a:t>
+            </a:r>
+            <a:r>
+              <a:rPr lang="en-US" dirty="0" err="1">
+                <a:solidFill>
+                  <a:srgbClr val="000000"/>
+                </a:solidFill>
+                <a:latin typeface="inter-regular"/>
+              </a:rPr>
+              <a:t>wir</a:t>
+            </a:r>
+            <a:r>
+              <a:rPr lang="en-US" dirty="0">
+                <a:solidFill>
+                  <a:srgbClr val="000000"/>
+                </a:solidFill>
+                <a:latin typeface="inter-regular"/>
+              </a:rPr>
+              <a:t>:</a:t>
+            </a:r>
+          </a:p>
+          <a:p>
+            <a:pPr marL="742950" lvl="1" indent="-285750" algn="just">
+              <a:buFont typeface="Arial" panose="020B0604020202020204" pitchFamily="34" charset="0"/>
+              <a:buChar char="•"/>
+            </a:pPr>
+            <a:r>
+              <a:rPr lang="en-US" b="0" i="0" dirty="0" err="1">
+                <a:solidFill>
+                  <a:srgbClr val="000000"/>
+                </a:solidFill>
+                <a:effectLst/>
+                <a:latin typeface="inter-regular"/>
+              </a:rPr>
+              <a:t>Klasse</a:t>
+            </a:r>
+            <a:r>
+              <a:rPr lang="en-US" b="0" i="0" dirty="0">
+                <a:solidFill>
+                  <a:srgbClr val="000000"/>
+                </a:solidFill>
+                <a:effectLst/>
+                <a:latin typeface="inter-regular"/>
+              </a:rPr>
+              <a:t> public final </a:t>
+            </a:r>
+            <a:r>
+              <a:rPr lang="en-US" b="0" i="0" dirty="0" err="1">
+                <a:solidFill>
+                  <a:srgbClr val="000000"/>
+                </a:solidFill>
+                <a:effectLst/>
+                <a:latin typeface="inter-regular"/>
+              </a:rPr>
+              <a:t>machen</a:t>
+            </a:r>
+            <a:r>
+              <a:rPr lang="en-US" b="0" i="0" dirty="0">
+                <a:solidFill>
+                  <a:srgbClr val="000000"/>
+                </a:solidFill>
+                <a:effectLst/>
+                <a:latin typeface="inter-regular"/>
+              </a:rPr>
+              <a:t> -&gt; </a:t>
+            </a:r>
+            <a:r>
+              <a:rPr lang="en-US" b="0" i="0" dirty="0" err="1">
+                <a:solidFill>
+                  <a:srgbClr val="000000"/>
+                </a:solidFill>
+                <a:effectLst/>
+                <a:latin typeface="inter-regular"/>
+              </a:rPr>
+              <a:t>keine</a:t>
+            </a:r>
+            <a:r>
+              <a:rPr lang="en-US" b="0" i="0" dirty="0">
+                <a:solidFill>
+                  <a:srgbClr val="000000"/>
+                </a:solidFill>
+                <a:effectLst/>
+                <a:latin typeface="inter-regular"/>
+              </a:rPr>
+              <a:t> </a:t>
+            </a:r>
+            <a:r>
+              <a:rPr lang="en-US" b="0" i="0" dirty="0" err="1">
+                <a:solidFill>
+                  <a:srgbClr val="000000"/>
+                </a:solidFill>
+                <a:effectLst/>
+                <a:latin typeface="inter-regular"/>
+              </a:rPr>
+              <a:t>Erweiterbarkeit</a:t>
+            </a:r>
+            <a:r>
+              <a:rPr lang="en-US" b="0" i="0" dirty="0">
+                <a:solidFill>
+                  <a:srgbClr val="000000"/>
+                </a:solidFill>
+                <a:effectLst/>
+                <a:latin typeface="inter-regular"/>
+              </a:rPr>
+              <a:t> </a:t>
+            </a:r>
+            <a:r>
+              <a:rPr lang="en-US" b="0" i="0" dirty="0" err="1">
+                <a:solidFill>
+                  <a:srgbClr val="000000"/>
+                </a:solidFill>
+                <a:effectLst/>
+                <a:latin typeface="inter-regular"/>
+              </a:rPr>
+              <a:t>möglich</a:t>
+            </a:r>
+            <a:endParaRPr lang="en-US" b="0" i="0" dirty="0">
+              <a:solidFill>
+                <a:srgbClr val="000000"/>
+              </a:solidFill>
+              <a:effectLst/>
+              <a:latin typeface="inter-regular"/>
+            </a:endParaRPr>
+          </a:p>
+          <a:p>
+            <a:pPr marL="742950" lvl="1" indent="-285750" algn="just">
+              <a:buFont typeface="Arial" panose="020B0604020202020204" pitchFamily="34" charset="0"/>
+              <a:buChar char="•"/>
+            </a:pPr>
+            <a:r>
+              <a:rPr lang="en-US" dirty="0" err="1">
+                <a:solidFill>
+                  <a:srgbClr val="000000"/>
+                </a:solidFill>
+                <a:latin typeface="inter-regular"/>
+              </a:rPr>
+              <a:t>Klasse</a:t>
+            </a:r>
+            <a:r>
+              <a:rPr lang="en-US" dirty="0">
+                <a:solidFill>
+                  <a:srgbClr val="000000"/>
+                </a:solidFill>
+                <a:latin typeface="inter-regular"/>
+              </a:rPr>
+              <a:t> package-private </a:t>
+            </a:r>
+            <a:r>
+              <a:rPr lang="en-US" dirty="0" err="1">
+                <a:solidFill>
+                  <a:srgbClr val="000000"/>
+                </a:solidFill>
+                <a:latin typeface="inter-regular"/>
+              </a:rPr>
+              <a:t>machen</a:t>
+            </a:r>
+            <a:r>
+              <a:rPr lang="en-US" dirty="0">
+                <a:solidFill>
+                  <a:srgbClr val="000000"/>
+                </a:solidFill>
+                <a:latin typeface="inter-regular"/>
+              </a:rPr>
+              <a:t> -&gt; </a:t>
+            </a:r>
+            <a:r>
+              <a:rPr lang="en-US" dirty="0" err="1">
+                <a:solidFill>
+                  <a:srgbClr val="000000"/>
+                </a:solidFill>
+                <a:latin typeface="inter-regular"/>
+              </a:rPr>
+              <a:t>keine</a:t>
+            </a:r>
+            <a:r>
+              <a:rPr lang="en-US" dirty="0">
+                <a:solidFill>
+                  <a:srgbClr val="000000"/>
+                </a:solidFill>
+                <a:latin typeface="inter-regular"/>
+              </a:rPr>
+              <a:t> </a:t>
+            </a:r>
+            <a:r>
+              <a:rPr lang="en-US" dirty="0" err="1">
+                <a:solidFill>
+                  <a:srgbClr val="000000"/>
+                </a:solidFill>
+                <a:latin typeface="inter-regular"/>
+              </a:rPr>
+              <a:t>Benutzbarkeit</a:t>
+            </a:r>
+            <a:r>
+              <a:rPr lang="en-US" dirty="0">
+                <a:solidFill>
+                  <a:srgbClr val="000000"/>
+                </a:solidFill>
+                <a:latin typeface="inter-regular"/>
+              </a:rPr>
+              <a:t> </a:t>
+            </a:r>
+            <a:r>
+              <a:rPr lang="en-US" dirty="0" err="1">
+                <a:solidFill>
+                  <a:srgbClr val="000000"/>
+                </a:solidFill>
+                <a:latin typeface="inter-regular"/>
+              </a:rPr>
+              <a:t>außerhalb</a:t>
+            </a:r>
+            <a:r>
+              <a:rPr lang="en-US" dirty="0">
+                <a:solidFill>
+                  <a:srgbClr val="000000"/>
+                </a:solidFill>
+                <a:latin typeface="inter-regular"/>
+              </a:rPr>
+              <a:t> des </a:t>
+            </a:r>
+            <a:r>
+              <a:rPr lang="en-US" dirty="0" err="1">
+                <a:solidFill>
+                  <a:srgbClr val="000000"/>
+                </a:solidFill>
+                <a:latin typeface="inter-regular"/>
+              </a:rPr>
+              <a:t>Pakets</a:t>
+            </a:r>
+            <a:r>
+              <a:rPr lang="en-US" dirty="0">
+                <a:solidFill>
+                  <a:srgbClr val="000000"/>
+                </a:solidFill>
+                <a:latin typeface="inter-regular"/>
+              </a:rPr>
+              <a:t>, </a:t>
+            </a:r>
+            <a:r>
+              <a:rPr lang="en-US" dirty="0" err="1">
+                <a:solidFill>
+                  <a:srgbClr val="000000"/>
+                </a:solidFill>
+                <a:latin typeface="inter-regular"/>
+              </a:rPr>
+              <a:t>Erweiterbarkeit</a:t>
+            </a:r>
+            <a:r>
+              <a:rPr lang="en-US" dirty="0">
+                <a:solidFill>
+                  <a:srgbClr val="000000"/>
+                </a:solidFill>
+                <a:latin typeface="inter-regular"/>
+              </a:rPr>
+              <a:t> </a:t>
+            </a:r>
+            <a:r>
+              <a:rPr lang="en-US" dirty="0" err="1">
+                <a:solidFill>
+                  <a:srgbClr val="000000"/>
+                </a:solidFill>
+                <a:latin typeface="inter-regular"/>
+              </a:rPr>
+              <a:t>im</a:t>
+            </a:r>
+            <a:r>
+              <a:rPr lang="en-US" dirty="0">
+                <a:solidFill>
+                  <a:srgbClr val="000000"/>
+                </a:solidFill>
+                <a:latin typeface="inter-regular"/>
+              </a:rPr>
+              <a:t> </a:t>
+            </a:r>
+            <a:r>
+              <a:rPr lang="en-US" dirty="0" err="1">
+                <a:solidFill>
+                  <a:srgbClr val="000000"/>
+                </a:solidFill>
+                <a:latin typeface="inter-regular"/>
+              </a:rPr>
+              <a:t>gleichen</a:t>
+            </a:r>
+            <a:r>
+              <a:rPr lang="en-US" dirty="0">
+                <a:solidFill>
+                  <a:srgbClr val="000000"/>
+                </a:solidFill>
+                <a:latin typeface="inter-regular"/>
+              </a:rPr>
+              <a:t> </a:t>
+            </a:r>
+            <a:r>
+              <a:rPr lang="en-US" dirty="0" err="1">
+                <a:solidFill>
+                  <a:srgbClr val="000000"/>
+                </a:solidFill>
+                <a:latin typeface="inter-regular"/>
+              </a:rPr>
+              <a:t>Paket</a:t>
+            </a:r>
+            <a:r>
+              <a:rPr lang="en-US" dirty="0">
+                <a:solidFill>
+                  <a:srgbClr val="000000"/>
+                </a:solidFill>
+                <a:latin typeface="inter-regular"/>
+              </a:rPr>
+              <a:t> </a:t>
+            </a:r>
+          </a:p>
+          <a:p>
+            <a:pPr marL="285750" indent="-285750" algn="just">
+              <a:buFont typeface="Arial" panose="020B0604020202020204" pitchFamily="34" charset="0"/>
+              <a:buChar char="•"/>
+            </a:pPr>
+            <a:r>
+              <a:rPr lang="en-US" b="0" i="0" dirty="0" err="1">
+                <a:solidFill>
+                  <a:srgbClr val="000000"/>
+                </a:solidFill>
+                <a:effectLst/>
+                <a:latin typeface="inter-regular"/>
+              </a:rPr>
+              <a:t>Mit</a:t>
+            </a:r>
+            <a:r>
+              <a:rPr lang="en-US" b="0" i="0" dirty="0">
+                <a:solidFill>
+                  <a:srgbClr val="000000"/>
+                </a:solidFill>
+                <a:effectLst/>
+                <a:latin typeface="inter-regular"/>
+              </a:rPr>
+              <a:t> sealed Klassen </a:t>
+            </a:r>
+            <a:r>
+              <a:rPr lang="en-US" b="0" i="0" dirty="0" err="1">
+                <a:solidFill>
+                  <a:srgbClr val="000000"/>
+                </a:solidFill>
+                <a:effectLst/>
+                <a:latin typeface="inter-regular"/>
+              </a:rPr>
+              <a:t>können</a:t>
+            </a:r>
+            <a:r>
+              <a:rPr lang="en-US" b="0" i="0" dirty="0">
+                <a:solidFill>
+                  <a:srgbClr val="000000"/>
+                </a:solidFill>
+                <a:effectLst/>
+                <a:latin typeface="inter-regular"/>
+              </a:rPr>
+              <a:t> </a:t>
+            </a:r>
+            <a:r>
+              <a:rPr lang="en-US" b="0" i="0" dirty="0" err="1">
+                <a:solidFill>
+                  <a:srgbClr val="000000"/>
+                </a:solidFill>
+                <a:effectLst/>
+                <a:latin typeface="inter-regular"/>
+              </a:rPr>
+              <a:t>wir</a:t>
+            </a:r>
+            <a:r>
+              <a:rPr lang="en-US" b="0" i="0" dirty="0">
+                <a:solidFill>
+                  <a:srgbClr val="000000"/>
+                </a:solidFill>
+                <a:effectLst/>
+                <a:latin typeface="inter-regular"/>
+              </a:rPr>
+              <a:t> nun </a:t>
+            </a:r>
+            <a:r>
+              <a:rPr lang="en-US" b="0" i="0" dirty="0" err="1">
+                <a:solidFill>
+                  <a:srgbClr val="000000"/>
+                </a:solidFill>
+                <a:effectLst/>
+                <a:latin typeface="inter-regular"/>
+              </a:rPr>
+              <a:t>eine</a:t>
+            </a:r>
+            <a:r>
+              <a:rPr lang="en-US" b="0" i="0" dirty="0">
+                <a:solidFill>
+                  <a:srgbClr val="000000"/>
+                </a:solidFill>
+                <a:effectLst/>
+                <a:latin typeface="inter-regular"/>
+              </a:rPr>
+              <a:t> </a:t>
+            </a:r>
+            <a:r>
+              <a:rPr lang="en-US" b="0" i="0" dirty="0" err="1">
+                <a:solidFill>
+                  <a:srgbClr val="000000"/>
+                </a:solidFill>
+                <a:effectLst/>
+                <a:latin typeface="inter-regular"/>
+              </a:rPr>
+              <a:t>Liste</a:t>
+            </a:r>
+            <a:r>
+              <a:rPr lang="en-US" b="0" i="0" dirty="0">
+                <a:solidFill>
+                  <a:srgbClr val="000000"/>
+                </a:solidFill>
+                <a:effectLst/>
+                <a:latin typeface="inter-regular"/>
+              </a:rPr>
+              <a:t> von </a:t>
+            </a:r>
+            <a:r>
+              <a:rPr lang="en-US" b="0" i="0" dirty="0" err="1">
+                <a:solidFill>
+                  <a:srgbClr val="000000"/>
+                </a:solidFill>
+                <a:effectLst/>
+                <a:latin typeface="inter-regular"/>
+              </a:rPr>
+              <a:t>erlaubten</a:t>
+            </a:r>
+            <a:r>
+              <a:rPr lang="en-US" b="0" i="0" dirty="0">
+                <a:solidFill>
+                  <a:srgbClr val="000000"/>
+                </a:solidFill>
+                <a:effectLst/>
+                <a:latin typeface="inter-regular"/>
+              </a:rPr>
+              <a:t> </a:t>
+            </a:r>
+            <a:r>
+              <a:rPr lang="en-US" b="0" i="0" dirty="0" err="1">
+                <a:solidFill>
+                  <a:srgbClr val="000000"/>
+                </a:solidFill>
+                <a:effectLst/>
+                <a:latin typeface="inter-regular"/>
+              </a:rPr>
+              <a:t>Subklassen</a:t>
+            </a:r>
+            <a:r>
+              <a:rPr lang="en-US" b="0" i="0" dirty="0">
+                <a:solidFill>
+                  <a:srgbClr val="000000"/>
+                </a:solidFill>
+                <a:effectLst/>
+                <a:latin typeface="inter-regular"/>
+              </a:rPr>
+              <a:t> </a:t>
+            </a:r>
+            <a:r>
+              <a:rPr lang="en-US" b="0" i="0" dirty="0" err="1">
+                <a:solidFill>
+                  <a:srgbClr val="000000"/>
+                </a:solidFill>
+                <a:effectLst/>
+                <a:latin typeface="inter-regular"/>
+              </a:rPr>
+              <a:t>festlegen</a:t>
+            </a:r>
+            <a:endParaRPr lang="en-US" b="0" i="0" dirty="0">
+              <a:solidFill>
+                <a:srgbClr val="000000"/>
+              </a:solidFill>
+              <a:effectLst/>
+              <a:latin typeface="inter-regular"/>
+            </a:endParaRPr>
+          </a:p>
+          <a:p>
+            <a:pPr marL="742950" lvl="1" indent="-285750" algn="just">
+              <a:buFont typeface="Arial" panose="020B0604020202020204" pitchFamily="34" charset="0"/>
+              <a:buChar char="•"/>
+            </a:pPr>
+            <a:r>
+              <a:rPr lang="en-US" dirty="0" err="1">
+                <a:solidFill>
+                  <a:srgbClr val="000000"/>
+                </a:solidFill>
+                <a:latin typeface="inter-regular"/>
+              </a:rPr>
+              <a:t>Erweiterbarkeit</a:t>
+            </a:r>
+            <a:r>
+              <a:rPr lang="en-US" dirty="0">
+                <a:solidFill>
+                  <a:srgbClr val="000000"/>
+                </a:solidFill>
+                <a:latin typeface="inter-regular"/>
+              </a:rPr>
+              <a:t> </a:t>
+            </a:r>
+            <a:r>
+              <a:rPr lang="en-US" dirty="0" err="1">
+                <a:solidFill>
+                  <a:srgbClr val="000000"/>
+                </a:solidFill>
+                <a:latin typeface="inter-regular"/>
+              </a:rPr>
+              <a:t>ist</a:t>
+            </a:r>
+            <a:r>
+              <a:rPr lang="en-US" dirty="0">
+                <a:solidFill>
+                  <a:srgbClr val="000000"/>
+                </a:solidFill>
+                <a:latin typeface="inter-regular"/>
+              </a:rPr>
+              <a:t> </a:t>
+            </a:r>
+            <a:r>
+              <a:rPr lang="en-US" dirty="0" err="1">
+                <a:solidFill>
+                  <a:srgbClr val="000000"/>
+                </a:solidFill>
+                <a:latin typeface="inter-regular"/>
+              </a:rPr>
+              <a:t>möglich</a:t>
+            </a:r>
+            <a:r>
+              <a:rPr lang="en-US" dirty="0">
+                <a:solidFill>
+                  <a:srgbClr val="000000"/>
+                </a:solidFill>
+                <a:latin typeface="inter-regular"/>
+              </a:rPr>
+              <a:t> </a:t>
+            </a:r>
+            <a:r>
+              <a:rPr lang="en-US" dirty="0" err="1">
+                <a:solidFill>
+                  <a:srgbClr val="000000"/>
+                </a:solidFill>
+                <a:latin typeface="inter-regular"/>
+              </a:rPr>
+              <a:t>wie</a:t>
+            </a:r>
+            <a:r>
+              <a:rPr lang="en-US" dirty="0">
+                <a:solidFill>
+                  <a:srgbClr val="000000"/>
+                </a:solidFill>
+                <a:latin typeface="inter-regular"/>
+              </a:rPr>
+              <a:t> designed, </a:t>
+            </a:r>
+            <a:r>
+              <a:rPr lang="en-US" dirty="0" err="1">
+                <a:solidFill>
+                  <a:srgbClr val="000000"/>
+                </a:solidFill>
+                <a:latin typeface="inter-regular"/>
+              </a:rPr>
+              <a:t>Benutzbarkeit</a:t>
+            </a:r>
+            <a:r>
+              <a:rPr lang="en-US" dirty="0">
+                <a:solidFill>
+                  <a:srgbClr val="000000"/>
+                </a:solidFill>
+                <a:latin typeface="inter-regular"/>
+              </a:rPr>
+              <a:t> der super class </a:t>
+            </a:r>
+            <a:r>
+              <a:rPr lang="en-US" dirty="0" err="1">
+                <a:solidFill>
+                  <a:srgbClr val="000000"/>
+                </a:solidFill>
+                <a:latin typeface="inter-regular"/>
+              </a:rPr>
+              <a:t>ist</a:t>
+            </a:r>
+            <a:r>
+              <a:rPr lang="en-US" dirty="0">
+                <a:solidFill>
+                  <a:srgbClr val="000000"/>
+                </a:solidFill>
+                <a:latin typeface="inter-regular"/>
+              </a:rPr>
+              <a:t> </a:t>
+            </a:r>
+            <a:r>
+              <a:rPr lang="en-US" dirty="0" err="1">
+                <a:solidFill>
+                  <a:srgbClr val="000000"/>
+                </a:solidFill>
+                <a:latin typeface="inter-regular"/>
+              </a:rPr>
+              <a:t>nicht</a:t>
+            </a:r>
+            <a:r>
+              <a:rPr lang="en-US" dirty="0">
+                <a:solidFill>
+                  <a:srgbClr val="000000"/>
+                </a:solidFill>
+                <a:latin typeface="inter-regular"/>
+              </a:rPr>
+              <a:t> </a:t>
+            </a:r>
+            <a:r>
+              <a:rPr lang="en-US" dirty="0" err="1">
+                <a:solidFill>
+                  <a:srgbClr val="000000"/>
+                </a:solidFill>
+                <a:latin typeface="inter-regular"/>
+              </a:rPr>
+              <a:t>eingeschränkt</a:t>
+            </a:r>
+            <a:endParaRPr lang="en-US" dirty="0">
+              <a:solidFill>
+                <a:srgbClr val="000000"/>
+              </a:solidFill>
+              <a:latin typeface="inter-regular"/>
+            </a:endParaRPr>
+          </a:p>
+          <a:p>
+            <a:pPr marL="285750" indent="-285750" algn="just">
+              <a:buFont typeface="Arial" panose="020B0604020202020204" pitchFamily="34" charset="0"/>
+              <a:buChar char="•"/>
+            </a:pPr>
+            <a:r>
+              <a:rPr lang="en-US" b="0" i="0" dirty="0">
+                <a:solidFill>
+                  <a:srgbClr val="000000"/>
+                </a:solidFill>
+                <a:effectLst/>
+                <a:latin typeface="inter-regular"/>
+              </a:rPr>
+              <a:t>Dieser </a:t>
+            </a:r>
+            <a:r>
+              <a:rPr lang="en-US" b="0" i="0" dirty="0" err="1">
+                <a:solidFill>
+                  <a:srgbClr val="000000"/>
+                </a:solidFill>
+                <a:effectLst/>
+                <a:latin typeface="inter-regular"/>
+              </a:rPr>
+              <a:t>Aspekt</a:t>
+            </a:r>
+            <a:r>
+              <a:rPr lang="en-US" b="0" i="0" dirty="0">
+                <a:solidFill>
+                  <a:srgbClr val="000000"/>
+                </a:solidFill>
+                <a:effectLst/>
+                <a:latin typeface="inter-regular"/>
+              </a:rPr>
+              <a:t> </a:t>
+            </a:r>
+            <a:r>
+              <a:rPr lang="en-US" b="0" i="0" dirty="0" err="1">
+                <a:solidFill>
+                  <a:srgbClr val="000000"/>
+                </a:solidFill>
+                <a:effectLst/>
+                <a:latin typeface="inter-regular"/>
+              </a:rPr>
+              <a:t>ist</a:t>
+            </a:r>
+            <a:r>
+              <a:rPr lang="en-US" b="0" i="0" dirty="0">
+                <a:solidFill>
+                  <a:srgbClr val="000000"/>
+                </a:solidFill>
+                <a:effectLst/>
+                <a:latin typeface="inter-regular"/>
+              </a:rPr>
+              <a:t> für framework/library </a:t>
+            </a:r>
+            <a:r>
+              <a:rPr lang="en-US" b="0" i="0" dirty="0" err="1">
+                <a:solidFill>
+                  <a:srgbClr val="000000"/>
+                </a:solidFill>
+                <a:effectLst/>
+                <a:latin typeface="inter-regular"/>
+              </a:rPr>
+              <a:t>Entwickler</a:t>
+            </a:r>
+            <a:r>
+              <a:rPr lang="en-US" b="0" i="0" dirty="0">
+                <a:solidFill>
+                  <a:srgbClr val="000000"/>
+                </a:solidFill>
+                <a:effectLst/>
+                <a:latin typeface="inter-regular"/>
+              </a:rPr>
+              <a:t> </a:t>
+            </a:r>
+            <a:r>
+              <a:rPr lang="en-US" b="0" i="0" dirty="0" err="1">
+                <a:solidFill>
+                  <a:srgbClr val="000000"/>
+                </a:solidFill>
+                <a:effectLst/>
+                <a:latin typeface="inter-regular"/>
+              </a:rPr>
+              <a:t>interessant</a:t>
+            </a:r>
+            <a:endParaRPr lang="en-US" b="0" i="0" dirty="0">
+              <a:solidFill>
+                <a:srgbClr val="000000"/>
+              </a:solidFill>
+              <a:effectLst/>
+              <a:latin typeface="inter-regular"/>
+            </a:endParaRPr>
+          </a:p>
+          <a:p>
+            <a:pPr algn="just"/>
+            <a:endParaRPr lang="en-US" dirty="0">
+              <a:solidFill>
+                <a:srgbClr val="000000"/>
+              </a:solidFill>
+              <a:latin typeface="inter-regular"/>
+            </a:endParaRPr>
+          </a:p>
+          <a:p>
+            <a:pPr marL="285750" indent="-285750" algn="just">
+              <a:buFont typeface="Arial" panose="020B0604020202020204" pitchFamily="34" charset="0"/>
+              <a:buChar char="•"/>
+            </a:pPr>
+            <a:endParaRPr lang="en-US" b="0" i="0" dirty="0">
+              <a:solidFill>
+                <a:srgbClr val="000000"/>
+              </a:solidFill>
+              <a:effectLst/>
+              <a:latin typeface="inter-regular"/>
+            </a:endParaRPr>
+          </a:p>
+        </p:txBody>
+      </p:sp>
+    </p:spTree>
+    <p:extLst>
+      <p:ext uri="{BB962C8B-B14F-4D97-AF65-F5344CB8AC3E}">
+        <p14:creationId xmlns:p14="http://schemas.microsoft.com/office/powerpoint/2010/main" val="3183532294"/>
+      </p:ext>
+    </p:extLst>
+  </p:cSld>
+  <p:clrMapOvr>
+    <a:masterClrMapping/>
+  </p:clrMapOvr>
+</p:sld>
+</file>
+
+<file path=ppt/slides/slide62.xml><?xml version="1.0" encoding="utf-8"?>
+<p:sld xmlns:a="http://schemas.openxmlformats.org/drawingml/2006/main" xmlns:r="http://schemas.openxmlformats.org/officeDocument/2006/relationships" xmlns:p="http://schemas.openxmlformats.org/presentationml/2006/main">
+  <p:cSld>
+    <p:spTree>
+      <p:nvGrpSpPr>
+        <p:cNvPr id="1" name=""/>
+        <p:cNvGrpSpPr/>
+        <p:nvPr/>
+      </p:nvGrpSpPr>
+      <p:grpSpPr>
+        <a:xfrm>
+          <a:off x="0" y="0"/>
+          <a:ext cx="0" cy="0"/>
+          <a:chOff x="0" y="0"/>
+          <a:chExt cx="0" cy="0"/>
+        </a:xfrm>
+      </p:grpSpPr>
+      <p:graphicFrame>
+        <p:nvGraphicFramePr>
+          <p:cNvPr id="5" name="Objekt 4" hidden="1">
+            <a:extLst>
+              <a:ext uri="{FF2B5EF4-FFF2-40B4-BE49-F238E27FC236}">
+                <a16:creationId xmlns:a16="http://schemas.microsoft.com/office/drawing/2014/main" id="{964566A1-F542-3C44-BCBB-E7B9BBB76EF3}"/>
+              </a:ext>
+            </a:extLst>
+          </p:cNvPr>
+          <p:cNvGraphicFramePr>
+            <a:graphicFrameLocks noChangeAspect="1"/>
+          </p:cNvGraphicFramePr>
+          <p:nvPr>
+            <p:custDataLst>
+              <p:tags r:id="rId1"/>
+            </p:custDataLst>
+          </p:nvPr>
+        </p:nvGraphicFramePr>
+        <p:xfrm>
+          <a:off x="1588" y="1588"/>
+          <a:ext cx="1227" cy="1588"/>
+        </p:xfrm>
+        <a:graphic>
+          <a:graphicData uri="http://schemas.openxmlformats.org/presentationml/2006/ole">
+            <mc:AlternateContent xmlns:mc="http://schemas.openxmlformats.org/markup-compatibility/2006">
+              <mc:Choice xmlns:v="urn:schemas-microsoft-com:vml" Requires="v">
+                <p:oleObj name="think-cell Folie" r:id="rId3" imgW="7772400" imgH="10058400" progId="TCLayout.ActiveDocument.1">
+                  <p:embed/>
+                </p:oleObj>
+              </mc:Choice>
+              <mc:Fallback>
+                <p:oleObj name="think-cell Folie" r:id="rId3" imgW="7772400" imgH="10058400" progId="TCLayout.ActiveDocument.1">
+                  <p:embed/>
+                  <p:pic>
+                    <p:nvPicPr>
+                      <p:cNvPr id="5" name="Objekt 4" hidden="1">
+                        <a:extLst>
+                          <a:ext uri="{FF2B5EF4-FFF2-40B4-BE49-F238E27FC236}">
+                            <a16:creationId xmlns:a16="http://schemas.microsoft.com/office/drawing/2014/main" id="{964566A1-F542-3C44-BCBB-E7B9BBB76EF3}"/>
+                          </a:ext>
+                        </a:extLst>
+                      </p:cNvPr>
+                      <p:cNvPicPr/>
+                      <p:nvPr/>
+                    </p:nvPicPr>
+                    <p:blipFill>
+                      <a:blip r:embed="rId4"/>
+                      <a:stretch>
+                        <a:fillRect/>
+                      </a:stretch>
+                    </p:blipFill>
+                    <p:spPr>
+                      <a:xfrm>
+                        <a:off x="1588" y="1588"/>
+                        <a:ext cx="1227" cy="1588"/>
+                      </a:xfrm>
+                      <a:prstGeom prst="rect">
+                        <a:avLst/>
+                      </a:prstGeom>
+                    </p:spPr>
+                  </p:pic>
+                </p:oleObj>
+              </mc:Fallback>
+            </mc:AlternateContent>
+          </a:graphicData>
+        </a:graphic>
+      </p:graphicFrame>
+      <p:sp>
+        <p:nvSpPr>
+          <p:cNvPr id="2" name="Titel 1">
+            <a:extLst>
+              <a:ext uri="{FF2B5EF4-FFF2-40B4-BE49-F238E27FC236}">
+                <a16:creationId xmlns:a16="http://schemas.microsoft.com/office/drawing/2014/main" id="{DCFF97C9-15E2-6647-B310-4BF77DE1D9EE}"/>
+              </a:ext>
+            </a:extLst>
+          </p:cNvPr>
+          <p:cNvSpPr>
+            <a:spLocks noGrp="1"/>
+          </p:cNvSpPr>
+          <p:nvPr>
+            <p:ph type="title"/>
+          </p:nvPr>
+        </p:nvSpPr>
+        <p:spPr>
+          <a:xfrm>
+            <a:off x="677334" y="609599"/>
+            <a:ext cx="8596668" cy="978243"/>
+          </a:xfrm>
+        </p:spPr>
+        <p:txBody>
+          <a:bodyPr vert="horz">
+            <a:normAutofit/>
+          </a:bodyPr>
+          <a:lstStyle/>
+          <a:p>
+            <a:r>
+              <a:rPr lang="de-DE" dirty="0"/>
               <a:t>Sealed Classes Code</a:t>
             </a:r>
           </a:p>
@@ -30951,7 +32258,527 @@
 </p:sld>
 </file>
 
-<file path=ppt/slides/slide61.xml><?xml version="1.0" encoding="utf-8"?>
+<file path=ppt/slides/slide63.xml><?xml version="1.0" encoding="utf-8"?>
+<p:sld xmlns:a="http://schemas.openxmlformats.org/drawingml/2006/main" xmlns:r="http://schemas.openxmlformats.org/officeDocument/2006/relationships" xmlns:p="http://schemas.openxmlformats.org/presentationml/2006/main">
+  <p:cSld>
+    <p:spTree>
+      <p:nvGrpSpPr>
+        <p:cNvPr id="1" name=""/>
+        <p:cNvGrpSpPr/>
+        <p:nvPr/>
+      </p:nvGrpSpPr>
+      <p:grpSpPr>
+        <a:xfrm>
+          <a:off x="0" y="0"/>
+          <a:ext cx="0" cy="0"/>
+          <a:chOff x="0" y="0"/>
+          <a:chExt cx="0" cy="0"/>
+        </a:xfrm>
+      </p:grpSpPr>
+      <p:sp>
+        <p:nvSpPr>
+          <p:cNvPr id="2" name="Titel 1">
+            <a:extLst>
+              <a:ext uri="{FF2B5EF4-FFF2-40B4-BE49-F238E27FC236}">
+                <a16:creationId xmlns:a16="http://schemas.microsoft.com/office/drawing/2014/main" id="{86644D70-1E88-3938-E1E6-103098BEFC64}"/>
+              </a:ext>
+            </a:extLst>
+          </p:cNvPr>
+          <p:cNvSpPr>
+            <a:spLocks noGrp="1"/>
+          </p:cNvSpPr>
+          <p:nvPr>
+            <p:ph type="title"/>
+          </p:nvPr>
+        </p:nvSpPr>
+        <p:spPr/>
+        <p:txBody>
+          <a:bodyPr/>
+          <a:lstStyle/>
+          <a:p>
+            <a:r>
+              <a:rPr lang="de-DE" dirty="0"/>
+              <a:t>Quiz</a:t>
+            </a:r>
+          </a:p>
+        </p:txBody>
+      </p:sp>
+      <p:pic>
+        <p:nvPicPr>
+          <p:cNvPr id="5" name="Grafik 4">
+            <a:extLst>
+              <a:ext uri="{FF2B5EF4-FFF2-40B4-BE49-F238E27FC236}">
+                <a16:creationId xmlns:a16="http://schemas.microsoft.com/office/drawing/2014/main" id="{E60089BC-1E02-E92D-7A27-6D69C99F3F05}"/>
+              </a:ext>
+            </a:extLst>
+          </p:cNvPr>
+          <p:cNvPicPr>
+            <a:picLocks noChangeAspect="1"/>
+          </p:cNvPicPr>
+          <p:nvPr/>
+        </p:nvPicPr>
+        <p:blipFill>
+          <a:blip r:embed="rId2"/>
+          <a:stretch>
+            <a:fillRect/>
+          </a:stretch>
+        </p:blipFill>
+        <p:spPr>
+          <a:xfrm>
+            <a:off x="755649" y="1328429"/>
+            <a:ext cx="8720969" cy="4747386"/>
+          </a:xfrm>
+          <a:prstGeom prst="rect">
+            <a:avLst/>
+          </a:prstGeom>
+        </p:spPr>
+      </p:pic>
+      <p:sp>
+        <p:nvSpPr>
+          <p:cNvPr id="6" name="Textfeld 5">
+            <a:extLst>
+              <a:ext uri="{FF2B5EF4-FFF2-40B4-BE49-F238E27FC236}">
+                <a16:creationId xmlns:a16="http://schemas.microsoft.com/office/drawing/2014/main" id="{28FCE9AA-CF19-2F59-EF96-25A1CFC5D2AC}"/>
+              </a:ext>
+            </a:extLst>
+          </p:cNvPr>
+          <p:cNvSpPr txBox="1"/>
+          <p:nvPr/>
+        </p:nvSpPr>
+        <p:spPr>
+          <a:xfrm>
+            <a:off x="7148134" y="3999984"/>
+            <a:ext cx="2624515" cy="369332"/>
+          </a:xfrm>
+          <a:prstGeom prst="rect">
+            <a:avLst/>
+          </a:prstGeom>
+          <a:noFill/>
+        </p:spPr>
+        <p:txBody>
+          <a:bodyPr wrap="square" rtlCol="0">
+            <a:spAutoFit/>
+          </a:bodyPr>
+          <a:lstStyle/>
+          <a:p>
+            <a:pPr algn="just"/>
+            <a:r>
+              <a:rPr lang="en-US" b="0" i="0" dirty="0">
+                <a:solidFill>
+                  <a:srgbClr val="000000"/>
+                </a:solidFill>
+                <a:effectLst/>
+                <a:latin typeface="inter-regular"/>
+              </a:rPr>
+              <a:t>A </a:t>
+            </a:r>
+            <a:r>
+              <a:rPr lang="en-US" b="0" i="0" dirty="0" err="1">
+                <a:solidFill>
+                  <a:srgbClr val="000000"/>
+                </a:solidFill>
+                <a:effectLst/>
+                <a:latin typeface="inter-regular"/>
+              </a:rPr>
+              <a:t>ist</a:t>
+            </a:r>
+            <a:r>
+              <a:rPr lang="en-US" b="0" i="0" dirty="0">
+                <a:solidFill>
+                  <a:srgbClr val="000000"/>
+                </a:solidFill>
+                <a:effectLst/>
+                <a:latin typeface="inter-regular"/>
+              </a:rPr>
+              <a:t> </a:t>
+            </a:r>
+            <a:r>
+              <a:rPr lang="en-US" b="0" i="0" dirty="0" err="1">
+                <a:solidFill>
+                  <a:srgbClr val="000000"/>
+                </a:solidFill>
+                <a:effectLst/>
+                <a:latin typeface="inter-regular"/>
+              </a:rPr>
+              <a:t>richtig</a:t>
+            </a:r>
+            <a:endParaRPr lang="en-US" b="0" i="0" dirty="0">
+              <a:solidFill>
+                <a:srgbClr val="000000"/>
+              </a:solidFill>
+              <a:effectLst/>
+              <a:latin typeface="inter-regular"/>
+            </a:endParaRPr>
+          </a:p>
+        </p:txBody>
+      </p:sp>
+    </p:spTree>
+    <p:extLst>
+      <p:ext uri="{BB962C8B-B14F-4D97-AF65-F5344CB8AC3E}">
+        <p14:creationId xmlns:p14="http://schemas.microsoft.com/office/powerpoint/2010/main" val="3956751859"/>
+      </p:ext>
+    </p:extLst>
+  </p:cSld>
+  <p:clrMapOvr>
+    <a:masterClrMapping/>
+  </p:clrMapOvr>
+  <p:timing>
+    <p:tnLst>
+      <p:par>
+        <p:cTn id="1" dur="indefinite" restart="never" nodeType="tmRoot">
+          <p:childTnLst>
+            <p:seq concurrent="1" nextAc="seek">
+              <p:cTn id="2" dur="indefinite" nodeType="mainSeq">
+                <p:childTnLst>
+                  <p:par>
+                    <p:cTn id="3" fill="hold">
+                      <p:stCondLst>
+                        <p:cond delay="indefinite"/>
+                      </p:stCondLst>
+                      <p:childTnLst>
+                        <p:par>
+                          <p:cTn id="4" fill="hold">
+                            <p:stCondLst>
+                              <p:cond delay="0"/>
+                            </p:stCondLst>
+                            <p:childTnLst>
+                              <p:par>
+                                <p:cTn id="5" presetID="1" presetClass="entr" presetSubtype="0" fill="hold" grpId="0" nodeType="clickEffect">
+                                  <p:stCondLst>
+                                    <p:cond delay="0"/>
+                                  </p:stCondLst>
+                                  <p:childTnLst>
+                                    <p:set>
+                                      <p:cBhvr>
+                                        <p:cTn id="6" dur="1" fill="hold">
+                                          <p:stCondLst>
+                                            <p:cond delay="0"/>
+                                          </p:stCondLst>
+                                        </p:cTn>
+                                        <p:tgtEl>
+                                          <p:spTgt spid="6"/>
+                                        </p:tgtEl>
+                                        <p:attrNameLst>
+                                          <p:attrName>style.visibility</p:attrName>
+                                        </p:attrNameLst>
+                                      </p:cBhvr>
+                                      <p:to>
+                                        <p:strVal val="visible"/>
+                                      </p:to>
+                                    </p:set>
+                                  </p:childTnLst>
+                                </p:cTn>
+                              </p:par>
+                            </p:childTnLst>
+                          </p:cTn>
+                        </p:par>
+                      </p:childTnLst>
+                    </p:cTn>
+                  </p:par>
+                </p:childTnLst>
+              </p:cTn>
+              <p:prevCondLst>
+                <p:cond evt="onPrev" delay="0">
+                  <p:tgtEl>
+                    <p:sldTgt/>
+                  </p:tgtEl>
+                </p:cond>
+              </p:prevCondLst>
+              <p:nextCondLst>
+                <p:cond evt="onNext" delay="0">
+                  <p:tgtEl>
+                    <p:sldTgt/>
+                  </p:tgtEl>
+                </p:cond>
+              </p:nextCondLst>
+            </p:seq>
+          </p:childTnLst>
+        </p:cTn>
+      </p:par>
+    </p:tnLst>
+    <p:bldLst>
+      <p:bldP spid="6" grpId="0"/>
+    </p:bldLst>
+  </p:timing>
+</p:sld>
+</file>
+
+<file path=ppt/slides/slide64.xml><?xml version="1.0" encoding="utf-8"?>
+<p:sld xmlns:a="http://schemas.openxmlformats.org/drawingml/2006/main" xmlns:r="http://schemas.openxmlformats.org/officeDocument/2006/relationships" xmlns:p="http://schemas.openxmlformats.org/presentationml/2006/main">
+  <p:cSld>
+    <p:spTree>
+      <p:nvGrpSpPr>
+        <p:cNvPr id="1" name=""/>
+        <p:cNvGrpSpPr/>
+        <p:nvPr/>
+      </p:nvGrpSpPr>
+      <p:grpSpPr>
+        <a:xfrm>
+          <a:off x="0" y="0"/>
+          <a:ext cx="0" cy="0"/>
+          <a:chOff x="0" y="0"/>
+          <a:chExt cx="0" cy="0"/>
+        </a:xfrm>
+      </p:grpSpPr>
+      <p:sp>
+        <p:nvSpPr>
+          <p:cNvPr id="2" name="Titel 1">
+            <a:extLst>
+              <a:ext uri="{FF2B5EF4-FFF2-40B4-BE49-F238E27FC236}">
+                <a16:creationId xmlns:a16="http://schemas.microsoft.com/office/drawing/2014/main" id="{E86AADF4-4594-09A4-E24B-13A7FA577850}"/>
+              </a:ext>
+            </a:extLst>
+          </p:cNvPr>
+          <p:cNvSpPr>
+            <a:spLocks noGrp="1"/>
+          </p:cNvSpPr>
+          <p:nvPr>
+            <p:ph type="title"/>
+          </p:nvPr>
+        </p:nvSpPr>
+        <p:spPr/>
+        <p:txBody>
+          <a:bodyPr/>
+          <a:lstStyle/>
+          <a:p>
+            <a:r>
+              <a:rPr lang="de-DE" dirty="0"/>
+              <a:t>Quiz 2</a:t>
+            </a:r>
+          </a:p>
+        </p:txBody>
+      </p:sp>
+      <p:pic>
+        <p:nvPicPr>
+          <p:cNvPr id="5" name="Grafik 4">
+            <a:extLst>
+              <a:ext uri="{FF2B5EF4-FFF2-40B4-BE49-F238E27FC236}">
+                <a16:creationId xmlns:a16="http://schemas.microsoft.com/office/drawing/2014/main" id="{7D71276A-F0C8-3753-1D6A-BF90CDA73693}"/>
+              </a:ext>
+            </a:extLst>
+          </p:cNvPr>
+          <p:cNvPicPr>
+            <a:picLocks noChangeAspect="1"/>
+          </p:cNvPicPr>
+          <p:nvPr/>
+        </p:nvPicPr>
+        <p:blipFill>
+          <a:blip r:embed="rId2"/>
+          <a:stretch>
+            <a:fillRect/>
+          </a:stretch>
+        </p:blipFill>
+        <p:spPr>
+          <a:xfrm>
+            <a:off x="756544" y="1270000"/>
+            <a:ext cx="4598539" cy="4913789"/>
+          </a:xfrm>
+          <a:prstGeom prst="rect">
+            <a:avLst/>
+          </a:prstGeom>
+        </p:spPr>
+      </p:pic>
+      <p:pic>
+        <p:nvPicPr>
+          <p:cNvPr id="7" name="Grafik 6">
+            <a:extLst>
+              <a:ext uri="{FF2B5EF4-FFF2-40B4-BE49-F238E27FC236}">
+                <a16:creationId xmlns:a16="http://schemas.microsoft.com/office/drawing/2014/main" id="{78CA5616-D8ED-BFB3-38E8-51C7BBE1EC73}"/>
+              </a:ext>
+            </a:extLst>
+          </p:cNvPr>
+          <p:cNvPicPr>
+            <a:picLocks noChangeAspect="1"/>
+          </p:cNvPicPr>
+          <p:nvPr/>
+        </p:nvPicPr>
+        <p:blipFill>
+          <a:blip r:embed="rId3"/>
+          <a:stretch>
+            <a:fillRect/>
+          </a:stretch>
+        </p:blipFill>
+        <p:spPr>
+          <a:xfrm>
+            <a:off x="6096000" y="1270000"/>
+            <a:ext cx="1676634" cy="4744112"/>
+          </a:xfrm>
+          <a:prstGeom prst="rect">
+            <a:avLst/>
+          </a:prstGeom>
+        </p:spPr>
+      </p:pic>
+      <p:sp>
+        <p:nvSpPr>
+          <p:cNvPr id="8" name="Textfeld 7">
+            <a:extLst>
+              <a:ext uri="{FF2B5EF4-FFF2-40B4-BE49-F238E27FC236}">
+                <a16:creationId xmlns:a16="http://schemas.microsoft.com/office/drawing/2014/main" id="{FC82C18C-E7FD-DBCE-61DC-9764F176B039}"/>
+              </a:ext>
+            </a:extLst>
+          </p:cNvPr>
+          <p:cNvSpPr txBox="1"/>
+          <p:nvPr/>
+        </p:nvSpPr>
+        <p:spPr>
+          <a:xfrm>
+            <a:off x="7639050" y="2895084"/>
+            <a:ext cx="3904333" cy="369332"/>
+          </a:xfrm>
+          <a:prstGeom prst="rect">
+            <a:avLst/>
+          </a:prstGeom>
+          <a:noFill/>
+        </p:spPr>
+        <p:txBody>
+          <a:bodyPr wrap="square" rtlCol="0">
+            <a:spAutoFit/>
+          </a:bodyPr>
+          <a:lstStyle/>
+          <a:p>
+            <a:pPr algn="just"/>
+            <a:r>
+              <a:rPr lang="en-US" b="0" i="0" dirty="0">
+                <a:solidFill>
+                  <a:srgbClr val="000000"/>
+                </a:solidFill>
+                <a:effectLst/>
+                <a:latin typeface="inter-regular"/>
+              </a:rPr>
+              <a:t>A, B, E </a:t>
+            </a:r>
+            <a:r>
+              <a:rPr lang="en-US" b="0" i="0" dirty="0" err="1">
+                <a:solidFill>
+                  <a:srgbClr val="000000"/>
+                </a:solidFill>
+                <a:effectLst/>
+                <a:latin typeface="inter-regular"/>
+              </a:rPr>
+              <a:t>sind</a:t>
+            </a:r>
+            <a:r>
+              <a:rPr lang="en-US" b="0" i="0" dirty="0">
+                <a:solidFill>
+                  <a:srgbClr val="000000"/>
+                </a:solidFill>
+                <a:effectLst/>
+                <a:latin typeface="inter-regular"/>
+              </a:rPr>
+              <a:t> </a:t>
+            </a:r>
+            <a:r>
+              <a:rPr lang="en-US" b="0" i="0" dirty="0" err="1">
+                <a:solidFill>
+                  <a:srgbClr val="000000"/>
+                </a:solidFill>
+                <a:effectLst/>
+                <a:latin typeface="inter-regular"/>
+              </a:rPr>
+              <a:t>richtig</a:t>
+            </a:r>
+            <a:endParaRPr lang="en-US" b="0" i="0" dirty="0">
+              <a:solidFill>
+                <a:srgbClr val="000000"/>
+              </a:solidFill>
+              <a:effectLst/>
+              <a:latin typeface="inter-regular"/>
+            </a:endParaRPr>
+          </a:p>
+        </p:txBody>
+      </p:sp>
+    </p:spTree>
+    <p:extLst>
+      <p:ext uri="{BB962C8B-B14F-4D97-AF65-F5344CB8AC3E}">
+        <p14:creationId xmlns:p14="http://schemas.microsoft.com/office/powerpoint/2010/main" val="422651914"/>
+      </p:ext>
+    </p:extLst>
+  </p:cSld>
+  <p:clrMapOvr>
+    <a:masterClrMapping/>
+  </p:clrMapOvr>
+  <p:timing>
+    <p:tnLst>
+      <p:par>
+        <p:cTn id="1" dur="indefinite" restart="never" nodeType="tmRoot">
+          <p:childTnLst>
+            <p:seq concurrent="1" nextAc="seek">
+              <p:cTn id="2" dur="indefinite" nodeType="mainSeq">
+                <p:childTnLst>
+                  <p:par>
+                    <p:cTn id="3" fill="hold">
+                      <p:stCondLst>
+                        <p:cond delay="indefinite"/>
+                      </p:stCondLst>
+                      <p:childTnLst>
+                        <p:par>
+                          <p:cTn id="4" fill="hold">
+                            <p:stCondLst>
+                              <p:cond delay="0"/>
+                            </p:stCondLst>
+                            <p:childTnLst>
+                              <p:par>
+                                <p:cTn id="5" presetID="1" presetClass="entr" presetSubtype="0" fill="hold" grpId="0" nodeType="clickEffect">
+                                  <p:stCondLst>
+                                    <p:cond delay="0"/>
+                                  </p:stCondLst>
+                                  <p:childTnLst>
+                                    <p:set>
+                                      <p:cBhvr>
+                                        <p:cTn id="6" dur="1" fill="hold">
+                                          <p:stCondLst>
+                                            <p:cond delay="0"/>
+                                          </p:stCondLst>
+                                        </p:cTn>
+                                        <p:tgtEl>
+                                          <p:spTgt spid="8"/>
+                                        </p:tgtEl>
+                                        <p:attrNameLst>
+                                          <p:attrName>style.visibility</p:attrName>
+                                        </p:attrNameLst>
+                                      </p:cBhvr>
+                                      <p:to>
+                                        <p:strVal val="visible"/>
+                                      </p:to>
+                                    </p:set>
+                                  </p:childTnLst>
+                                </p:cTn>
+                              </p:par>
+                            </p:childTnLst>
+                          </p:cTn>
+                        </p:par>
+                      </p:childTnLst>
+                    </p:cTn>
+                  </p:par>
+                </p:childTnLst>
+              </p:cTn>
+              <p:prevCondLst>
+                <p:cond evt="onPrev" delay="0">
+                  <p:tgtEl>
+                    <p:sldTgt/>
+                  </p:tgtEl>
+                </p:cond>
+              </p:prevCondLst>
+              <p:nextCondLst>
+                <p:cond evt="onNext" delay="0">
+                  <p:tgtEl>
+                    <p:sldTgt/>
+                  </p:tgtEl>
+                </p:cond>
+              </p:nextCondLst>
+            </p:seq>
+          </p:childTnLst>
+        </p:cTn>
+      </p:par>
+    </p:tnLst>
+    <p:bldLst>
+      <p:bldP spid="8" grpId="0"/>
+    </p:bldLst>
+  </p:timing>
+</p:sld>
+</file>
+
+<file path=ppt/slides/slide65.xml><?xml version="1.0" encoding="utf-8"?>
 <p:sld xmlns:a="http://schemas.openxmlformats.org/drawingml/2006/main" xmlns:r="http://schemas.openxmlformats.org/officeDocument/2006/relationships" xmlns:p="http://schemas.openxmlformats.org/presentationml/2006/main">
   <p:cSld>
     <p:spTree>
@@ -31813,7 +33640,7 @@
 </p:sld>
 </file>
 
-<file path=ppt/slides/slide62.xml><?xml version="1.0" encoding="utf-8"?>
+<file path=ppt/slides/slide66.xml><?xml version="1.0" encoding="utf-8"?>
 <p:sld xmlns:a="http://schemas.openxmlformats.org/drawingml/2006/main" xmlns:r="http://schemas.openxmlformats.org/officeDocument/2006/relationships" xmlns:p="http://schemas.openxmlformats.org/presentationml/2006/main">
   <p:cSld>
     <p:spTree>
@@ -31937,7 +33764,7 @@
 </p:sld>
 </file>
 
-<file path=ppt/slides/slide63.xml><?xml version="1.0" encoding="utf-8"?>
+<file path=ppt/slides/slide67.xml><?xml version="1.0" encoding="utf-8"?>
 <p:sld xmlns:a="http://schemas.openxmlformats.org/drawingml/2006/main" xmlns:r="http://schemas.openxmlformats.org/officeDocument/2006/relationships" xmlns:p="http://schemas.openxmlformats.org/presentationml/2006/main">
   <p:cSld>
     <p:spTree>
@@ -32031,7 +33858,7 @@
 </p:sld>
 </file>
 
-<file path=ppt/slides/slide64.xml><?xml version="1.0" encoding="utf-8"?>
+<file path=ppt/slides/slide68.xml><?xml version="1.0" encoding="utf-8"?>
 <p:sld xmlns:a="http://schemas.openxmlformats.org/drawingml/2006/main" xmlns:r="http://schemas.openxmlformats.org/officeDocument/2006/relationships" xmlns:p="http://schemas.openxmlformats.org/presentationml/2006/main">
   <p:cSld>
     <p:spTree>
@@ -32253,7 +34080,7 @@
 </p:sld>
 </file>
 
-<file path=ppt/slides/slide65.xml><?xml version="1.0" encoding="utf-8"?>
+<file path=ppt/slides/slide69.xml><?xml version="1.0" encoding="utf-8"?>
 <p:sld xmlns:a="http://schemas.openxmlformats.org/drawingml/2006/main" xmlns:r="http://schemas.openxmlformats.org/officeDocument/2006/relationships" xmlns:p="http://schemas.openxmlformats.org/presentationml/2006/main">
   <p:cSld>
     <p:spTree>
@@ -32626,7 +34453,282 @@
 </p:sld>
 </file>
 
-<file path=ppt/slides/slide66.xml><?xml version="1.0" encoding="utf-8"?>
+<file path=ppt/slides/slide7.xml><?xml version="1.0" encoding="utf-8"?>
+<p:sld xmlns:a="http://schemas.openxmlformats.org/drawingml/2006/main" xmlns:r="http://schemas.openxmlformats.org/officeDocument/2006/relationships" xmlns:p="http://schemas.openxmlformats.org/presentationml/2006/main">
+  <p:cSld>
+    <p:spTree>
+      <p:nvGrpSpPr>
+        <p:cNvPr id="1" name=""/>
+        <p:cNvGrpSpPr/>
+        <p:nvPr/>
+      </p:nvGrpSpPr>
+      <p:grpSpPr>
+        <a:xfrm>
+          <a:off x="0" y="0"/>
+          <a:ext cx="0" cy="0"/>
+          <a:chOff x="0" y="0"/>
+          <a:chExt cx="0" cy="0"/>
+        </a:xfrm>
+      </p:grpSpPr>
+      <p:sp>
+        <p:nvSpPr>
+          <p:cNvPr id="2" name="Titel 1">
+            <a:extLst>
+              <a:ext uri="{FF2B5EF4-FFF2-40B4-BE49-F238E27FC236}">
+                <a16:creationId xmlns:a16="http://schemas.microsoft.com/office/drawing/2014/main" id="{11022AA3-AF41-4714-1666-1E35ED53C685}"/>
+              </a:ext>
+            </a:extLst>
+          </p:cNvPr>
+          <p:cNvSpPr>
+            <a:spLocks noGrp="1"/>
+          </p:cNvSpPr>
+          <p:nvPr>
+            <p:ph type="title"/>
+          </p:nvPr>
+        </p:nvSpPr>
+        <p:spPr/>
+        <p:txBody>
+          <a:bodyPr/>
+          <a:lstStyle/>
+          <a:p>
+            <a:r>
+              <a:rPr lang="de-DE" dirty="0"/>
+              <a:t>Java Historie – Write </a:t>
+            </a:r>
+            <a:r>
+              <a:rPr lang="de-DE" dirty="0" err="1"/>
+              <a:t>Once</a:t>
+            </a:r>
+            <a:r>
+              <a:rPr lang="de-DE" dirty="0"/>
+              <a:t>, </a:t>
+            </a:r>
+            <a:r>
+              <a:rPr lang="de-DE" dirty="0" err="1"/>
+              <a:t>run</a:t>
+            </a:r>
+            <a:r>
+              <a:rPr lang="de-DE" dirty="0"/>
+              <a:t> </a:t>
+            </a:r>
+            <a:r>
+              <a:rPr lang="de-DE" dirty="0" err="1"/>
+              <a:t>everywhere</a:t>
+            </a:r>
+            <a:endParaRPr lang="de-DE" dirty="0"/>
+          </a:p>
+        </p:txBody>
+      </p:sp>
+      <p:sp>
+        <p:nvSpPr>
+          <p:cNvPr id="3" name="Inhaltsplatzhalter 2">
+            <a:extLst>
+              <a:ext uri="{FF2B5EF4-FFF2-40B4-BE49-F238E27FC236}">
+                <a16:creationId xmlns:a16="http://schemas.microsoft.com/office/drawing/2014/main" id="{ACDE6F69-E258-8450-1BEA-35A2BC3ECBC4}"/>
+              </a:ext>
+            </a:extLst>
+          </p:cNvPr>
+          <p:cNvSpPr>
+            <a:spLocks noGrp="1"/>
+          </p:cNvSpPr>
+          <p:nvPr>
+            <p:ph idx="1"/>
+          </p:nvPr>
+        </p:nvSpPr>
+        <p:spPr/>
+        <p:txBody>
+          <a:bodyPr>
+            <a:normAutofit lnSpcReduction="10000"/>
+          </a:bodyPr>
+          <a:lstStyle/>
+          <a:p>
+            <a:r>
+              <a:rPr lang="de-DE" dirty="0"/>
+              <a:t>Erste stabile Java Version (1.0.2) erschien im Januar 1996</a:t>
+            </a:r>
+          </a:p>
+          <a:p>
+            <a:r>
+              <a:rPr lang="de-DE" dirty="0"/>
+              <a:t>Java setzte sich von Anfang an als </a:t>
+            </a:r>
+            <a:r>
+              <a:rPr lang="de-DE" b="1" u="sng" dirty="0"/>
+              <a:t>die</a:t>
+            </a:r>
+            <a:r>
+              <a:rPr lang="de-DE" dirty="0"/>
+              <a:t> neue Sprache durch:</a:t>
+            </a:r>
+          </a:p>
+          <a:p>
+            <a:pPr lvl="1"/>
+            <a:r>
+              <a:rPr lang="de-DE" b="1" i="0" dirty="0">
+                <a:solidFill>
+                  <a:srgbClr val="0D0D0D"/>
+                </a:solidFill>
+                <a:effectLst/>
+                <a:latin typeface="Söhne"/>
+              </a:rPr>
+              <a:t>Plattformunabhängigkeit</a:t>
+            </a:r>
+            <a:r>
+              <a:rPr lang="de-DE" b="0" i="0" dirty="0">
+                <a:solidFill>
+                  <a:srgbClr val="0D0D0D"/>
+                </a:solidFill>
+                <a:effectLst/>
+                <a:latin typeface="Söhne"/>
+              </a:rPr>
+              <a:t>: Java wurde mit dem Prinzip "Write </a:t>
+            </a:r>
+            <a:r>
+              <a:rPr lang="de-DE" b="0" i="0" dirty="0" err="1">
+                <a:solidFill>
+                  <a:srgbClr val="0D0D0D"/>
+                </a:solidFill>
+                <a:effectLst/>
+                <a:latin typeface="Söhne"/>
+              </a:rPr>
+              <a:t>Once</a:t>
+            </a:r>
+            <a:r>
+              <a:rPr lang="de-DE" b="0" i="0" dirty="0">
+                <a:solidFill>
+                  <a:srgbClr val="0D0D0D"/>
+                </a:solidFill>
+                <a:effectLst/>
+                <a:latin typeface="Söhne"/>
+              </a:rPr>
+              <a:t>, Run Anywhere" (WORA) entworfen, was bedeutet, dass Java-Programme, die auf einer Plattform kompiliert wurden, auf jeder anderen Plattform ausgeführt werden können, die über eine Java Virtual </a:t>
+            </a:r>
+            <a:r>
+              <a:rPr lang="de-DE" b="0" i="0" dirty="0" err="1">
+                <a:solidFill>
+                  <a:srgbClr val="0D0D0D"/>
+                </a:solidFill>
+                <a:effectLst/>
+                <a:latin typeface="Söhne"/>
+              </a:rPr>
+              <a:t>Machine</a:t>
+            </a:r>
+            <a:r>
+              <a:rPr lang="de-DE" b="0" i="0" dirty="0">
+                <a:solidFill>
+                  <a:srgbClr val="0D0D0D"/>
+                </a:solidFill>
+                <a:effectLst/>
+                <a:latin typeface="Söhne"/>
+              </a:rPr>
+              <a:t> (JVM) verfügt. Diese Eigenschaft machte Java besonders attraktiv für das Internet und Unternehmensanwendungen.</a:t>
+            </a:r>
+          </a:p>
+          <a:p>
+            <a:pPr lvl="1"/>
+            <a:r>
+              <a:rPr lang="de-DE" b="1" i="0" dirty="0">
+                <a:solidFill>
+                  <a:srgbClr val="0D0D0D"/>
+                </a:solidFill>
+                <a:effectLst/>
+                <a:latin typeface="Söhne"/>
+              </a:rPr>
+              <a:t>Objektorientierte Programmierung (OOP)</a:t>
+            </a:r>
+            <a:r>
+              <a:rPr lang="de-DE" b="0" i="0" dirty="0">
+                <a:solidFill>
+                  <a:srgbClr val="0D0D0D"/>
+                </a:solidFill>
+                <a:effectLst/>
+                <a:latin typeface="Söhne"/>
+              </a:rPr>
+              <a:t>: Java ist eine größtenteils objektorientierte Sprache, was in den 1990er Jahren der jüngste Hype war.</a:t>
+            </a:r>
+          </a:p>
+          <a:p>
+            <a:pPr lvl="1"/>
+            <a:r>
+              <a:rPr lang="de-DE" b="1" i="0" dirty="0">
+                <a:solidFill>
+                  <a:srgbClr val="0D0D0D"/>
+                </a:solidFill>
+                <a:effectLst/>
+                <a:latin typeface="Söhne"/>
+              </a:rPr>
+              <a:t>Robustheit und Sicherheit</a:t>
+            </a:r>
+            <a:r>
+              <a:rPr lang="de-DE" b="0" i="0" dirty="0">
+                <a:solidFill>
+                  <a:srgbClr val="0D0D0D"/>
+                </a:solidFill>
+                <a:effectLst/>
+                <a:latin typeface="Söhne"/>
+              </a:rPr>
+              <a:t>: Z.B. Verbot von direktem Zugriff auf Speicheradressen, um gängige Programmierfehler und Sicherheitsrisiken zu vermeiden (keine Pointer-Arithmetik).</a:t>
+            </a:r>
+          </a:p>
+          <a:p>
+            <a:pPr lvl="1"/>
+            <a:r>
+              <a:rPr lang="de-DE" b="1" i="0" dirty="0">
+                <a:solidFill>
+                  <a:srgbClr val="0D0D0D"/>
+                </a:solidFill>
+                <a:effectLst/>
+                <a:latin typeface="Söhne"/>
+              </a:rPr>
+              <a:t>Automatische Speicherverwaltung</a:t>
+            </a:r>
+            <a:r>
+              <a:rPr lang="de-DE" b="0" i="0" dirty="0">
+                <a:solidFill>
+                  <a:srgbClr val="0D0D0D"/>
+                </a:solidFill>
+                <a:effectLst/>
+                <a:latin typeface="Söhne"/>
+              </a:rPr>
+              <a:t>: Java führt eine automatische Speicherverwaltung durch (</a:t>
+            </a:r>
+            <a:r>
+              <a:rPr lang="de-DE" b="0" i="0" dirty="0" err="1">
+                <a:solidFill>
+                  <a:srgbClr val="0D0D0D"/>
+                </a:solidFill>
+                <a:effectLst/>
+                <a:latin typeface="Söhne"/>
+              </a:rPr>
+              <a:t>Garbage</a:t>
+            </a:r>
+            <a:r>
+              <a:rPr lang="de-DE" b="0" i="0" dirty="0">
+                <a:solidFill>
+                  <a:srgbClr val="0D0D0D"/>
+                </a:solidFill>
+                <a:effectLst/>
+                <a:latin typeface="Söhne"/>
+              </a:rPr>
+              <a:t> Collection), die hilft, Speicherlecks und andere Speicherprobleme zu vermeiden.</a:t>
+            </a:r>
+          </a:p>
+        </p:txBody>
+      </p:sp>
+    </p:spTree>
+    <p:extLst>
+      <p:ext uri="{BB962C8B-B14F-4D97-AF65-F5344CB8AC3E}">
+        <p14:creationId xmlns:p14="http://schemas.microsoft.com/office/powerpoint/2010/main" val="689742745"/>
+      </p:ext>
+    </p:extLst>
+  </p:cSld>
+  <p:clrMapOvr>
+    <a:masterClrMapping/>
+  </p:clrMapOvr>
+</p:sld>
+</file>
+
+<file path=ppt/slides/slide70.xml><?xml version="1.0" encoding="utf-8"?>
 <p:sld xmlns:a="http://schemas.openxmlformats.org/drawingml/2006/main" xmlns:r="http://schemas.openxmlformats.org/officeDocument/2006/relationships" xmlns:p="http://schemas.openxmlformats.org/presentationml/2006/main">
   <p:cSld>
     <p:spTree>
@@ -33136,7 +35238,7 @@
 </p:sld>
 </file>
 
-<file path=ppt/slides/slide67.xml><?xml version="1.0" encoding="utf-8"?>
+<file path=ppt/slides/slide71.xml><?xml version="1.0" encoding="utf-8"?>
 <p:sld xmlns:a="http://schemas.openxmlformats.org/drawingml/2006/main" xmlns:r="http://schemas.openxmlformats.org/officeDocument/2006/relationships" xmlns:p="http://schemas.openxmlformats.org/presentationml/2006/main">
   <p:cSld>
     <p:spTree>
@@ -33225,7 +35327,7 @@
 </p:sld>
 </file>
 
-<file path=ppt/slides/slide68.xml><?xml version="1.0" encoding="utf-8"?>
+<file path=ppt/slides/slide72.xml><?xml version="1.0" encoding="utf-8"?>
 <p:sld xmlns:a="http://schemas.openxmlformats.org/drawingml/2006/main" xmlns:r="http://schemas.openxmlformats.org/officeDocument/2006/relationships" xmlns:p="http://schemas.openxmlformats.org/presentationml/2006/main">
   <p:cSld>
     <p:spTree>
@@ -33314,7 +35416,7 @@
 </p:sld>
 </file>
 
-<file path=ppt/slides/slide69.xml><?xml version="1.0" encoding="utf-8"?>
+<file path=ppt/slides/slide73.xml><?xml version="1.0" encoding="utf-8"?>
 <p:sld xmlns:a="http://schemas.openxmlformats.org/drawingml/2006/main" xmlns:r="http://schemas.openxmlformats.org/officeDocument/2006/relationships" xmlns:p="http://schemas.openxmlformats.org/presentationml/2006/main">
   <p:cSld>
     <p:spTree>
@@ -33407,282 +35509,7 @@
 </p:sld>
 </file>
 
-<file path=ppt/slides/slide7.xml><?xml version="1.0" encoding="utf-8"?>
-<p:sld xmlns:a="http://schemas.openxmlformats.org/drawingml/2006/main" xmlns:r="http://schemas.openxmlformats.org/officeDocument/2006/relationships" xmlns:p="http://schemas.openxmlformats.org/presentationml/2006/main">
-  <p:cSld>
-    <p:spTree>
-      <p:nvGrpSpPr>
-        <p:cNvPr id="1" name=""/>
-        <p:cNvGrpSpPr/>
-        <p:nvPr/>
-      </p:nvGrpSpPr>
-      <p:grpSpPr>
-        <a:xfrm>
-          <a:off x="0" y="0"/>
-          <a:ext cx="0" cy="0"/>
-          <a:chOff x="0" y="0"/>
-          <a:chExt cx="0" cy="0"/>
-        </a:xfrm>
-      </p:grpSpPr>
-      <p:sp>
-        <p:nvSpPr>
-          <p:cNvPr id="2" name="Titel 1">
-            <a:extLst>
-              <a:ext uri="{FF2B5EF4-FFF2-40B4-BE49-F238E27FC236}">
-                <a16:creationId xmlns:a16="http://schemas.microsoft.com/office/drawing/2014/main" id="{11022AA3-AF41-4714-1666-1E35ED53C685}"/>
-              </a:ext>
-            </a:extLst>
-          </p:cNvPr>
-          <p:cNvSpPr>
-            <a:spLocks noGrp="1"/>
-          </p:cNvSpPr>
-          <p:nvPr>
-            <p:ph type="title"/>
-          </p:nvPr>
-        </p:nvSpPr>
-        <p:spPr/>
-        <p:txBody>
-          <a:bodyPr/>
-          <a:lstStyle/>
-          <a:p>
-            <a:r>
-              <a:rPr lang="de-DE" dirty="0"/>
-              <a:t>Java Historie – Write </a:t>
-            </a:r>
-            <a:r>
-              <a:rPr lang="de-DE" dirty="0" err="1"/>
-              <a:t>Once</a:t>
-            </a:r>
-            <a:r>
-              <a:rPr lang="de-DE" dirty="0"/>
-              <a:t>, </a:t>
-            </a:r>
-            <a:r>
-              <a:rPr lang="de-DE" dirty="0" err="1"/>
-              <a:t>run</a:t>
-            </a:r>
-            <a:r>
-              <a:rPr lang="de-DE" dirty="0"/>
-              <a:t> </a:t>
-            </a:r>
-            <a:r>
-              <a:rPr lang="de-DE" dirty="0" err="1"/>
-              <a:t>everywhere</a:t>
-            </a:r>
-            <a:endParaRPr lang="de-DE" dirty="0"/>
-          </a:p>
-        </p:txBody>
-      </p:sp>
-      <p:sp>
-        <p:nvSpPr>
-          <p:cNvPr id="3" name="Inhaltsplatzhalter 2">
-            <a:extLst>
-              <a:ext uri="{FF2B5EF4-FFF2-40B4-BE49-F238E27FC236}">
-                <a16:creationId xmlns:a16="http://schemas.microsoft.com/office/drawing/2014/main" id="{ACDE6F69-E258-8450-1BEA-35A2BC3ECBC4}"/>
-              </a:ext>
-            </a:extLst>
-          </p:cNvPr>
-          <p:cNvSpPr>
-            <a:spLocks noGrp="1"/>
-          </p:cNvSpPr>
-          <p:nvPr>
-            <p:ph idx="1"/>
-          </p:nvPr>
-        </p:nvSpPr>
-        <p:spPr/>
-        <p:txBody>
-          <a:bodyPr>
-            <a:normAutofit lnSpcReduction="10000"/>
-          </a:bodyPr>
-          <a:lstStyle/>
-          <a:p>
-            <a:r>
-              <a:rPr lang="de-DE" dirty="0"/>
-              <a:t>Erste stabile Java Version (1.0.2) erschien im Januar 1996</a:t>
-            </a:r>
-          </a:p>
-          <a:p>
-            <a:r>
-              <a:rPr lang="de-DE" dirty="0"/>
-              <a:t>Java setzte sich von Anfang an als </a:t>
-            </a:r>
-            <a:r>
-              <a:rPr lang="de-DE" b="1" u="sng" dirty="0"/>
-              <a:t>die</a:t>
-            </a:r>
-            <a:r>
-              <a:rPr lang="de-DE" dirty="0"/>
-              <a:t> neue Sprache durch:</a:t>
-            </a:r>
-          </a:p>
-          <a:p>
-            <a:pPr lvl="1"/>
-            <a:r>
-              <a:rPr lang="de-DE" b="1" i="0" dirty="0">
-                <a:solidFill>
-                  <a:srgbClr val="0D0D0D"/>
-                </a:solidFill>
-                <a:effectLst/>
-                <a:latin typeface="Söhne"/>
-              </a:rPr>
-              <a:t>Plattformunabhängigkeit</a:t>
-            </a:r>
-            <a:r>
-              <a:rPr lang="de-DE" b="0" i="0" dirty="0">
-                <a:solidFill>
-                  <a:srgbClr val="0D0D0D"/>
-                </a:solidFill>
-                <a:effectLst/>
-                <a:latin typeface="Söhne"/>
-              </a:rPr>
-              <a:t>: Java wurde mit dem Prinzip "Write </a:t>
-            </a:r>
-            <a:r>
-              <a:rPr lang="de-DE" b="0" i="0" dirty="0" err="1">
-                <a:solidFill>
-                  <a:srgbClr val="0D0D0D"/>
-                </a:solidFill>
-                <a:effectLst/>
-                <a:latin typeface="Söhne"/>
-              </a:rPr>
-              <a:t>Once</a:t>
-            </a:r>
-            <a:r>
-              <a:rPr lang="de-DE" b="0" i="0" dirty="0">
-                <a:solidFill>
-                  <a:srgbClr val="0D0D0D"/>
-                </a:solidFill>
-                <a:effectLst/>
-                <a:latin typeface="Söhne"/>
-              </a:rPr>
-              <a:t>, Run Anywhere" (WORA) entworfen, was bedeutet, dass Java-Programme, die auf einer Plattform kompiliert wurden, auf jeder anderen Plattform ausgeführt werden können, die über eine Java Virtual </a:t>
-            </a:r>
-            <a:r>
-              <a:rPr lang="de-DE" b="0" i="0" dirty="0" err="1">
-                <a:solidFill>
-                  <a:srgbClr val="0D0D0D"/>
-                </a:solidFill>
-                <a:effectLst/>
-                <a:latin typeface="Söhne"/>
-              </a:rPr>
-              <a:t>Machine</a:t>
-            </a:r>
-            <a:r>
-              <a:rPr lang="de-DE" b="0" i="0" dirty="0">
-                <a:solidFill>
-                  <a:srgbClr val="0D0D0D"/>
-                </a:solidFill>
-                <a:effectLst/>
-                <a:latin typeface="Söhne"/>
-              </a:rPr>
-              <a:t> (JVM) verfügt. Diese Eigenschaft machte Java besonders attraktiv für das Internet und Unternehmensanwendungen.</a:t>
-            </a:r>
-          </a:p>
-          <a:p>
-            <a:pPr lvl="1"/>
-            <a:r>
-              <a:rPr lang="de-DE" b="1" i="0" dirty="0">
-                <a:solidFill>
-                  <a:srgbClr val="0D0D0D"/>
-                </a:solidFill>
-                <a:effectLst/>
-                <a:latin typeface="Söhne"/>
-              </a:rPr>
-              <a:t>Objektorientierte Programmierung (OOP)</a:t>
-            </a:r>
-            <a:r>
-              <a:rPr lang="de-DE" b="0" i="0" dirty="0">
-                <a:solidFill>
-                  <a:srgbClr val="0D0D0D"/>
-                </a:solidFill>
-                <a:effectLst/>
-                <a:latin typeface="Söhne"/>
-              </a:rPr>
-              <a:t>: Java ist eine größtenteils objektorientierte Sprache, was in den 1990er Jahren der jüngste Hype war.</a:t>
-            </a:r>
-          </a:p>
-          <a:p>
-            <a:pPr lvl="1"/>
-            <a:r>
-              <a:rPr lang="de-DE" b="1" i="0" dirty="0">
-                <a:solidFill>
-                  <a:srgbClr val="0D0D0D"/>
-                </a:solidFill>
-                <a:effectLst/>
-                <a:latin typeface="Söhne"/>
-              </a:rPr>
-              <a:t>Robustheit und Sicherheit</a:t>
-            </a:r>
-            <a:r>
-              <a:rPr lang="de-DE" b="0" i="0" dirty="0">
-                <a:solidFill>
-                  <a:srgbClr val="0D0D0D"/>
-                </a:solidFill>
-                <a:effectLst/>
-                <a:latin typeface="Söhne"/>
-              </a:rPr>
-              <a:t>: Z.B. Verbot von direktem Zugriff auf Speicheradressen, um gängige Programmierfehler und Sicherheitsrisiken zu vermeiden (keine Pointer-Arithmetik).</a:t>
-            </a:r>
-          </a:p>
-          <a:p>
-            <a:pPr lvl="1"/>
-            <a:r>
-              <a:rPr lang="de-DE" b="1" i="0" dirty="0">
-                <a:solidFill>
-                  <a:srgbClr val="0D0D0D"/>
-                </a:solidFill>
-                <a:effectLst/>
-                <a:latin typeface="Söhne"/>
-              </a:rPr>
-              <a:t>Automatische Speicherverwaltung</a:t>
-            </a:r>
-            <a:r>
-              <a:rPr lang="de-DE" b="0" i="0" dirty="0">
-                <a:solidFill>
-                  <a:srgbClr val="0D0D0D"/>
-                </a:solidFill>
-                <a:effectLst/>
-                <a:latin typeface="Söhne"/>
-              </a:rPr>
-              <a:t>: Java führt eine automatische Speicherverwaltung durch (</a:t>
-            </a:r>
-            <a:r>
-              <a:rPr lang="de-DE" b="0" i="0" dirty="0" err="1">
-                <a:solidFill>
-                  <a:srgbClr val="0D0D0D"/>
-                </a:solidFill>
-                <a:effectLst/>
-                <a:latin typeface="Söhne"/>
-              </a:rPr>
-              <a:t>Garbage</a:t>
-            </a:r>
-            <a:r>
-              <a:rPr lang="de-DE" b="0" i="0" dirty="0">
-                <a:solidFill>
-                  <a:srgbClr val="0D0D0D"/>
-                </a:solidFill>
-                <a:effectLst/>
-                <a:latin typeface="Söhne"/>
-              </a:rPr>
-              <a:t> Collection), die hilft, Speicherlecks und andere Speicherprobleme zu vermeiden.</a:t>
-            </a:r>
-          </a:p>
-        </p:txBody>
-      </p:sp>
-    </p:spTree>
-    <p:extLst>
-      <p:ext uri="{BB962C8B-B14F-4D97-AF65-F5344CB8AC3E}">
-        <p14:creationId xmlns:p14="http://schemas.microsoft.com/office/powerpoint/2010/main" val="689742745"/>
-      </p:ext>
-    </p:extLst>
-  </p:cSld>
-  <p:clrMapOvr>
-    <a:masterClrMapping/>
-  </p:clrMapOvr>
-</p:sld>
-</file>
-
-<file path=ppt/slides/slide70.xml><?xml version="1.0" encoding="utf-8"?>
+<file path=ppt/slides/slide74.xml><?xml version="1.0" encoding="utf-8"?>
 <p:sld xmlns:a="http://schemas.openxmlformats.org/drawingml/2006/main" xmlns:r="http://schemas.openxmlformats.org/officeDocument/2006/relationships" xmlns:p="http://schemas.openxmlformats.org/presentationml/2006/main">
   <p:cSld>
     <p:spTree>
@@ -33769,7 +35596,7 @@
 </p:sld>
 </file>
 
-<file path=ppt/slides/slide71.xml><?xml version="1.0" encoding="utf-8"?>
+<file path=ppt/slides/slide75.xml><?xml version="1.0" encoding="utf-8"?>
 <p:sld xmlns:a="http://schemas.openxmlformats.org/drawingml/2006/main" xmlns:r="http://schemas.openxmlformats.org/officeDocument/2006/relationships" xmlns:p="http://schemas.openxmlformats.org/presentationml/2006/main">
   <p:cSld>
     <p:spTree>
@@ -33925,7 +35752,7 @@
 </p:sld>
 </file>
 
-<file path=ppt/slides/slide72.xml><?xml version="1.0" encoding="utf-8"?>
+<file path=ppt/slides/slide76.xml><?xml version="1.0" encoding="utf-8"?>
 <p:sld xmlns:a="http://schemas.openxmlformats.org/drawingml/2006/main" xmlns:r="http://schemas.openxmlformats.org/officeDocument/2006/relationships" xmlns:p="http://schemas.openxmlformats.org/presentationml/2006/main">
   <p:cSld>
     <p:spTree>
@@ -34013,7 +35840,7 @@
 </p:sld>
 </file>
 
-<file path=ppt/slides/slide73.xml><?xml version="1.0" encoding="utf-8"?>
+<file path=ppt/slides/slide77.xml><?xml version="1.0" encoding="utf-8"?>
 <p:sld xmlns:a="http://schemas.openxmlformats.org/drawingml/2006/main" xmlns:r="http://schemas.openxmlformats.org/officeDocument/2006/relationships" xmlns:p="http://schemas.openxmlformats.org/presentationml/2006/main">
   <p:cSld>
     <p:spTree>
@@ -34134,7 +35961,7 @@
 </p:sld>
 </file>
 
-<file path=ppt/slides/slide74.xml><?xml version="1.0" encoding="utf-8"?>
+<file path=ppt/slides/slide78.xml><?xml version="1.0" encoding="utf-8"?>
 <p:sld xmlns:a="http://schemas.openxmlformats.org/drawingml/2006/main" xmlns:r="http://schemas.openxmlformats.org/officeDocument/2006/relationships" xmlns:p="http://schemas.openxmlformats.org/presentationml/2006/main">
   <p:cSld>
     <p:spTree>
@@ -34352,7 +36179,7 @@
 </p:sld>
 </file>
 
-<file path=ppt/slides/slide75.xml><?xml version="1.0" encoding="utf-8"?>
+<file path=ppt/slides/slide79.xml><?xml version="1.0" encoding="utf-8"?>
 <p:sld xmlns:a="http://schemas.openxmlformats.org/drawingml/2006/main" xmlns:r="http://schemas.openxmlformats.org/officeDocument/2006/relationships" xmlns:p="http://schemas.openxmlformats.org/presentationml/2006/main">
   <p:cSld>
     <p:spTree>
@@ -34493,7 +36320,162 @@
 </p:sld>
 </file>
 
-<file path=ppt/slides/slide76.xml><?xml version="1.0" encoding="utf-8"?>
+<file path=ppt/slides/slide8.xml><?xml version="1.0" encoding="utf-8"?>
+<p:sld xmlns:a="http://schemas.openxmlformats.org/drawingml/2006/main" xmlns:r="http://schemas.openxmlformats.org/officeDocument/2006/relationships" xmlns:p="http://schemas.openxmlformats.org/presentationml/2006/main">
+  <p:cSld>
+    <p:spTree>
+      <p:nvGrpSpPr>
+        <p:cNvPr id="1" name="">
+          <a:extLst>
+            <a:ext uri="{FF2B5EF4-FFF2-40B4-BE49-F238E27FC236}">
+              <a16:creationId xmlns:a16="http://schemas.microsoft.com/office/drawing/2014/main" id="{060F0D7F-E0B0-3424-98D8-B000F73595C5}"/>
+            </a:ext>
+          </a:extLst>
+        </p:cNvPr>
+        <p:cNvGrpSpPr/>
+        <p:nvPr/>
+      </p:nvGrpSpPr>
+      <p:grpSpPr>
+        <a:xfrm>
+          <a:off x="0" y="0"/>
+          <a:ext cx="0" cy="0"/>
+          <a:chOff x="0" y="0"/>
+          <a:chExt cx="0" cy="0"/>
+        </a:xfrm>
+      </p:grpSpPr>
+      <p:sp>
+        <p:nvSpPr>
+          <p:cNvPr id="2" name="Titel 1">
+            <a:extLst>
+              <a:ext uri="{FF2B5EF4-FFF2-40B4-BE49-F238E27FC236}">
+                <a16:creationId xmlns:a16="http://schemas.microsoft.com/office/drawing/2014/main" id="{73CD1B7F-914A-C170-1474-B61FEB3C9924}"/>
+              </a:ext>
+            </a:extLst>
+          </p:cNvPr>
+          <p:cNvSpPr>
+            <a:spLocks noGrp="1"/>
+          </p:cNvSpPr>
+          <p:nvPr>
+            <p:ph type="title"/>
+          </p:nvPr>
+        </p:nvSpPr>
+        <p:spPr/>
+        <p:txBody>
+          <a:bodyPr/>
+          <a:lstStyle/>
+          <a:p>
+            <a:r>
+              <a:rPr lang="de-DE" dirty="0"/>
+              <a:t>Java Historie – Weitere Vorzüge Javas</a:t>
+            </a:r>
+          </a:p>
+        </p:txBody>
+      </p:sp>
+      <p:sp>
+        <p:nvSpPr>
+          <p:cNvPr id="3" name="Inhaltsplatzhalter 2">
+            <a:extLst>
+              <a:ext uri="{FF2B5EF4-FFF2-40B4-BE49-F238E27FC236}">
+                <a16:creationId xmlns:a16="http://schemas.microsoft.com/office/drawing/2014/main" id="{B3B1E4E0-8351-6641-7D5A-08E193333682}"/>
+              </a:ext>
+            </a:extLst>
+          </p:cNvPr>
+          <p:cNvSpPr>
+            <a:spLocks noGrp="1"/>
+          </p:cNvSpPr>
+          <p:nvPr>
+            <p:ph idx="1"/>
+          </p:nvPr>
+        </p:nvSpPr>
+        <p:spPr/>
+        <p:txBody>
+          <a:bodyPr>
+            <a:normAutofit/>
+          </a:bodyPr>
+          <a:lstStyle/>
+          <a:p>
+            <a:r>
+              <a:rPr lang="de-DE" b="1" i="0" dirty="0">
+                <a:solidFill>
+                  <a:srgbClr val="0D0D0D"/>
+                </a:solidFill>
+                <a:effectLst/>
+                <a:latin typeface="Söhne"/>
+              </a:rPr>
+              <a:t>Reiche Standardbibliotheken</a:t>
+            </a:r>
+            <a:r>
+              <a:rPr lang="de-DE" b="0" i="0" dirty="0">
+                <a:solidFill>
+                  <a:srgbClr val="0D0D0D"/>
+                </a:solidFill>
+                <a:effectLst/>
+                <a:latin typeface="Söhne"/>
+              </a:rPr>
+              <a:t>: Java bot sehr früh eine umfangreiche Sammlung von Standardbibliotheken an: Netzwerkprogrammierung, Dateizugriff, Benutzeroberflächengestaltung und Datenbankverbindung. </a:t>
+            </a:r>
+          </a:p>
+          <a:p>
+            <a:r>
+              <a:rPr lang="de-DE" b="1" i="0" dirty="0">
+                <a:solidFill>
+                  <a:srgbClr val="0D0D0D"/>
+                </a:solidFill>
+                <a:effectLst/>
+                <a:latin typeface="Söhne"/>
+              </a:rPr>
+              <a:t>Einfachere Einstiegshürde für Entwickler</a:t>
+            </a:r>
+            <a:r>
+              <a:rPr lang="de-DE" b="0" i="0" dirty="0">
+                <a:solidFill>
+                  <a:srgbClr val="0D0D0D"/>
+                </a:solidFill>
+                <a:effectLst/>
+                <a:latin typeface="Söhne"/>
+              </a:rPr>
+              <a:t>: Eine zu C und C++ vergleichbare Syntax, den damals vorherrschenden Sprachen für Unternehmensanwendungen. Es fiel diesen Entwicklern leichter, Java zu lernen und effektiv in der neuen Sprache zu programmieren. Java das bessere, weil sichere und einfachere C++.</a:t>
+            </a:r>
+          </a:p>
+          <a:p>
+            <a:r>
+              <a:rPr lang="de-DE" b="1" i="0" dirty="0">
+                <a:solidFill>
+                  <a:srgbClr val="0D0D0D"/>
+                </a:solidFill>
+                <a:effectLst/>
+                <a:latin typeface="Söhne"/>
+              </a:rPr>
+              <a:t>Anpassungsfähigkeit und Skalierbarkeit</a:t>
+            </a:r>
+            <a:r>
+              <a:rPr lang="de-DE" b="0" i="0" dirty="0">
+                <a:solidFill>
+                  <a:srgbClr val="0D0D0D"/>
+                </a:solidFill>
+                <a:effectLst/>
+                <a:latin typeface="Söhne"/>
+              </a:rPr>
+              <a:t>: Java arbeitete kontinuierlich an seiner Hauptschwäche Performance und erwies sich als äußerst anpassungsfähig an neue Technologietrends (Internet, Mobile, IoT, Funktional, Cloud).</a:t>
+            </a:r>
+            <a:endParaRPr lang="de-DE" dirty="0"/>
+          </a:p>
+        </p:txBody>
+      </p:sp>
+    </p:spTree>
+    <p:extLst>
+      <p:ext uri="{BB962C8B-B14F-4D97-AF65-F5344CB8AC3E}">
+        <p14:creationId xmlns:p14="http://schemas.microsoft.com/office/powerpoint/2010/main" val="385097620"/>
+      </p:ext>
+    </p:extLst>
+  </p:cSld>
+  <p:clrMapOvr>
+    <a:masterClrMapping/>
+  </p:clrMapOvr>
+</p:sld>
+</file>
+
+<file path=ppt/slides/slide80.xml><?xml version="1.0" encoding="utf-8"?>
 <p:sld xmlns:a="http://schemas.openxmlformats.org/drawingml/2006/main" xmlns:r="http://schemas.openxmlformats.org/officeDocument/2006/relationships" xmlns:p="http://schemas.openxmlformats.org/presentationml/2006/main">
   <p:cSld>
     <p:spTree>
@@ -34713,7 +36695,7 @@
 </p:sld>
 </file>
 
-<file path=ppt/slides/slide77.xml><?xml version="1.0" encoding="utf-8"?>
+<file path=ppt/slides/slide81.xml><?xml version="1.0" encoding="utf-8"?>
 <p:sld xmlns:a="http://schemas.openxmlformats.org/drawingml/2006/main" xmlns:r="http://schemas.openxmlformats.org/officeDocument/2006/relationships" xmlns:p="http://schemas.openxmlformats.org/presentationml/2006/main">
   <p:cSld>
     <p:spTree>
@@ -35339,7 +37321,7 @@
 </p:sld>
 </file>
 
-<file path=ppt/slides/slide78.xml><?xml version="1.0" encoding="utf-8"?>
+<file path=ppt/slides/slide82.xml><?xml version="1.0" encoding="utf-8"?>
 <p:sld xmlns:a="http://schemas.openxmlformats.org/drawingml/2006/main" xmlns:r="http://schemas.openxmlformats.org/officeDocument/2006/relationships" xmlns:p="http://schemas.openxmlformats.org/presentationml/2006/main">
   <p:cSld>
     <p:spTree>
@@ -35695,7 +37677,7 @@
 </p:sld>
 </file>
 
-<file path=ppt/slides/slide79.xml><?xml version="1.0" encoding="utf-8"?>
+<file path=ppt/slides/slide83.xml><?xml version="1.0" encoding="utf-8"?>
 <p:sld xmlns:a="http://schemas.openxmlformats.org/drawingml/2006/main" xmlns:r="http://schemas.openxmlformats.org/officeDocument/2006/relationships" xmlns:p="http://schemas.openxmlformats.org/presentationml/2006/main">
   <p:cSld>
     <p:spTree>
@@ -36967,162 +38949,7 @@
 </p:sld>
 </file>
 
-<file path=ppt/slides/slide8.xml><?xml version="1.0" encoding="utf-8"?>
-<p:sld xmlns:a="http://schemas.openxmlformats.org/drawingml/2006/main" xmlns:r="http://schemas.openxmlformats.org/officeDocument/2006/relationships" xmlns:p="http://schemas.openxmlformats.org/presentationml/2006/main">
-  <p:cSld>
-    <p:spTree>
-      <p:nvGrpSpPr>
-        <p:cNvPr id="1" name="">
-          <a:extLst>
-            <a:ext uri="{FF2B5EF4-FFF2-40B4-BE49-F238E27FC236}">
-              <a16:creationId xmlns:a16="http://schemas.microsoft.com/office/drawing/2014/main" id="{060F0D7F-E0B0-3424-98D8-B000F73595C5}"/>
-            </a:ext>
-          </a:extLst>
-        </p:cNvPr>
-        <p:cNvGrpSpPr/>
-        <p:nvPr/>
-      </p:nvGrpSpPr>
-      <p:grpSpPr>
-        <a:xfrm>
-          <a:off x="0" y="0"/>
-          <a:ext cx="0" cy="0"/>
-          <a:chOff x="0" y="0"/>
-          <a:chExt cx="0" cy="0"/>
-        </a:xfrm>
-      </p:grpSpPr>
-      <p:sp>
-        <p:nvSpPr>
-          <p:cNvPr id="2" name="Titel 1">
-            <a:extLst>
-              <a:ext uri="{FF2B5EF4-FFF2-40B4-BE49-F238E27FC236}">
-                <a16:creationId xmlns:a16="http://schemas.microsoft.com/office/drawing/2014/main" id="{73CD1B7F-914A-C170-1474-B61FEB3C9924}"/>
-              </a:ext>
-            </a:extLst>
-          </p:cNvPr>
-          <p:cNvSpPr>
-            <a:spLocks noGrp="1"/>
-          </p:cNvSpPr>
-          <p:nvPr>
-            <p:ph type="title"/>
-          </p:nvPr>
-        </p:nvSpPr>
-        <p:spPr/>
-        <p:txBody>
-          <a:bodyPr/>
-          <a:lstStyle/>
-          <a:p>
-            <a:r>
-              <a:rPr lang="de-DE" dirty="0"/>
-              <a:t>Java Historie – Weitere Vorzüge Javas</a:t>
-            </a:r>
-          </a:p>
-        </p:txBody>
-      </p:sp>
-      <p:sp>
-        <p:nvSpPr>
-          <p:cNvPr id="3" name="Inhaltsplatzhalter 2">
-            <a:extLst>
-              <a:ext uri="{FF2B5EF4-FFF2-40B4-BE49-F238E27FC236}">
-                <a16:creationId xmlns:a16="http://schemas.microsoft.com/office/drawing/2014/main" id="{B3B1E4E0-8351-6641-7D5A-08E193333682}"/>
-              </a:ext>
-            </a:extLst>
-          </p:cNvPr>
-          <p:cNvSpPr>
-            <a:spLocks noGrp="1"/>
-          </p:cNvSpPr>
-          <p:nvPr>
-            <p:ph idx="1"/>
-          </p:nvPr>
-        </p:nvSpPr>
-        <p:spPr/>
-        <p:txBody>
-          <a:bodyPr>
-            <a:normAutofit/>
-          </a:bodyPr>
-          <a:lstStyle/>
-          <a:p>
-            <a:r>
-              <a:rPr lang="de-DE" b="1" i="0" dirty="0">
-                <a:solidFill>
-                  <a:srgbClr val="0D0D0D"/>
-                </a:solidFill>
-                <a:effectLst/>
-                <a:latin typeface="Söhne"/>
-              </a:rPr>
-              <a:t>Reiche Standardbibliotheken</a:t>
-            </a:r>
-            <a:r>
-              <a:rPr lang="de-DE" b="0" i="0" dirty="0">
-                <a:solidFill>
-                  <a:srgbClr val="0D0D0D"/>
-                </a:solidFill>
-                <a:effectLst/>
-                <a:latin typeface="Söhne"/>
-              </a:rPr>
-              <a:t>: Java bot sehr früh eine umfangreiche Sammlung von Standardbibliotheken an: Netzwerkprogrammierung, Dateizugriff, Benutzeroberflächengestaltung und Datenbankverbindung. </a:t>
-            </a:r>
-          </a:p>
-          <a:p>
-            <a:r>
-              <a:rPr lang="de-DE" b="1" i="0" dirty="0">
-                <a:solidFill>
-                  <a:srgbClr val="0D0D0D"/>
-                </a:solidFill>
-                <a:effectLst/>
-                <a:latin typeface="Söhne"/>
-              </a:rPr>
-              <a:t>Einfachere Einstiegshürde für Entwickler</a:t>
-            </a:r>
-            <a:r>
-              <a:rPr lang="de-DE" b="0" i="0" dirty="0">
-                <a:solidFill>
-                  <a:srgbClr val="0D0D0D"/>
-                </a:solidFill>
-                <a:effectLst/>
-                <a:latin typeface="Söhne"/>
-              </a:rPr>
-              <a:t>: Eine zu C und C++ vergleichbare Syntax, den damals vorherrschenden Sprachen für Unternehmensanwendungen. Es fiel diesen Entwicklern leichter, Java zu lernen und effektiv in der neuen Sprache zu programmieren. Java das bessere, weil sichere und einfachere C++.</a:t>
-            </a:r>
-          </a:p>
-          <a:p>
-            <a:r>
-              <a:rPr lang="de-DE" b="1" i="0" dirty="0">
-                <a:solidFill>
-                  <a:srgbClr val="0D0D0D"/>
-                </a:solidFill>
-                <a:effectLst/>
-                <a:latin typeface="Söhne"/>
-              </a:rPr>
-              <a:t>Anpassungsfähigkeit und Skalierbarkeit</a:t>
-            </a:r>
-            <a:r>
-              <a:rPr lang="de-DE" b="0" i="0" dirty="0">
-                <a:solidFill>
-                  <a:srgbClr val="0D0D0D"/>
-                </a:solidFill>
-                <a:effectLst/>
-                <a:latin typeface="Söhne"/>
-              </a:rPr>
-              <a:t>: Java arbeitete kontinuierlich an seiner Hauptschwäche Performance und erwies sich als äußerst anpassungsfähig an neue Technologietrends (Internet, Mobile, IoT, Funktional, Cloud).</a:t>
-            </a:r>
-            <a:endParaRPr lang="de-DE" dirty="0"/>
-          </a:p>
-        </p:txBody>
-      </p:sp>
-    </p:spTree>
-    <p:extLst>
-      <p:ext uri="{BB962C8B-B14F-4D97-AF65-F5344CB8AC3E}">
-        <p14:creationId xmlns:p14="http://schemas.microsoft.com/office/powerpoint/2010/main" val="385097620"/>
-      </p:ext>
-    </p:extLst>
-  </p:cSld>
-  <p:clrMapOvr>
-    <a:masterClrMapping/>
-  </p:clrMapOvr>
-</p:sld>
-</file>
-
-<file path=ppt/slides/slide80.xml><?xml version="1.0" encoding="utf-8"?>
+<file path=ppt/slides/slide84.xml><?xml version="1.0" encoding="utf-8"?>
 <p:sld xmlns:a="http://schemas.openxmlformats.org/drawingml/2006/main" xmlns:r="http://schemas.openxmlformats.org/officeDocument/2006/relationships" xmlns:p="http://schemas.openxmlformats.org/presentationml/2006/main">
   <p:cSld>
     <p:spTree>
@@ -37352,7 +39179,7 @@
 </p:sld>
 </file>
 
-<file path=ppt/slides/slide81.xml><?xml version="1.0" encoding="utf-8"?>
+<file path=ppt/slides/slide85.xml><?xml version="1.0" encoding="utf-8"?>
 <p:sld xmlns:a="http://schemas.openxmlformats.org/drawingml/2006/main" xmlns:r="http://schemas.openxmlformats.org/officeDocument/2006/relationships" xmlns:p="http://schemas.openxmlformats.org/presentationml/2006/main">
   <p:cSld>
     <p:spTree>
@@ -37572,7 +39399,7 @@
 </p:sld>
 </file>
 
-<file path=ppt/slides/slide82.xml><?xml version="1.0" encoding="utf-8"?>
+<file path=ppt/slides/slide86.xml><?xml version="1.0" encoding="utf-8"?>
 <p:sld xmlns:a="http://schemas.openxmlformats.org/drawingml/2006/main" xmlns:r="http://schemas.openxmlformats.org/officeDocument/2006/relationships" xmlns:p="http://schemas.openxmlformats.org/presentationml/2006/main">
   <p:cSld>
     <p:spTree>
@@ -37802,7 +39629,7 @@
 </p:sld>
 </file>
 
-<file path=ppt/slides/slide83.xml><?xml version="1.0" encoding="utf-8"?>
+<file path=ppt/slides/slide87.xml><?xml version="1.0" encoding="utf-8"?>
 <p:sld xmlns:a="http://schemas.openxmlformats.org/drawingml/2006/main" xmlns:r="http://schemas.openxmlformats.org/officeDocument/2006/relationships" xmlns:p="http://schemas.openxmlformats.org/presentationml/2006/main">
   <p:cSld>
     <p:spTree>
@@ -37920,7 +39747,7 @@
 </p:sld>
 </file>
 
-<file path=ppt/slides/slide84.xml><?xml version="1.0" encoding="utf-8"?>
+<file path=ppt/slides/slide88.xml><?xml version="1.0" encoding="utf-8"?>
 <p:sld xmlns:a="http://schemas.openxmlformats.org/drawingml/2006/main" xmlns:r="http://schemas.openxmlformats.org/officeDocument/2006/relationships" xmlns:p="http://schemas.openxmlformats.org/presentationml/2006/main">
   <p:cSld>
     <p:spTree>
@@ -38047,7 +39874,7 @@
 </p:sld>
 </file>
 
-<file path=ppt/slides/slide85.xml><?xml version="1.0" encoding="utf-8"?>
+<file path=ppt/slides/slide89.xml><?xml version="1.0" encoding="utf-8"?>
 <p:sld xmlns:a="http://schemas.openxmlformats.org/drawingml/2006/main" xmlns:r="http://schemas.openxmlformats.org/officeDocument/2006/relationships" xmlns:p="http://schemas.openxmlformats.org/presentationml/2006/main">
   <p:cSld>
     <p:spTree>
@@ -38280,7 +40107,141 @@
 </p:sld>
 </file>
 
-<file path=ppt/slides/slide86.xml><?xml version="1.0" encoding="utf-8"?>
+<file path=ppt/slides/slide9.xml><?xml version="1.0" encoding="utf-8"?>
+<p:sld xmlns:a="http://schemas.openxmlformats.org/drawingml/2006/main" xmlns:r="http://schemas.openxmlformats.org/officeDocument/2006/relationships" xmlns:p="http://schemas.openxmlformats.org/presentationml/2006/main">
+  <p:cSld>
+    <p:spTree>
+      <p:nvGrpSpPr>
+        <p:cNvPr id="1" name=""/>
+        <p:cNvGrpSpPr/>
+        <p:nvPr/>
+      </p:nvGrpSpPr>
+      <p:grpSpPr>
+        <a:xfrm>
+          <a:off x="0" y="0"/>
+          <a:ext cx="0" cy="0"/>
+          <a:chOff x="0" y="0"/>
+          <a:chExt cx="0" cy="0"/>
+        </a:xfrm>
+      </p:grpSpPr>
+      <p:sp>
+        <p:nvSpPr>
+          <p:cNvPr id="2" name="Titel 1">
+            <a:extLst>
+              <a:ext uri="{FF2B5EF4-FFF2-40B4-BE49-F238E27FC236}">
+                <a16:creationId xmlns:a16="http://schemas.microsoft.com/office/drawing/2014/main" id="{7FEE631D-8392-72B7-BA47-CA585B385C63}"/>
+              </a:ext>
+            </a:extLst>
+          </p:cNvPr>
+          <p:cNvSpPr>
+            <a:spLocks noGrp="1"/>
+          </p:cNvSpPr>
+          <p:nvPr>
+            <p:ph type="title"/>
+          </p:nvPr>
+        </p:nvSpPr>
+        <p:spPr/>
+        <p:txBody>
+          <a:bodyPr/>
+          <a:lstStyle/>
+          <a:p>
+            <a:r>
+              <a:rPr lang="de-DE" dirty="0"/>
+              <a:t>Java Code im Laufe der Zeit</a:t>
+            </a:r>
+          </a:p>
+        </p:txBody>
+      </p:sp>
+      <p:sp>
+        <p:nvSpPr>
+          <p:cNvPr id="3" name="Inhaltsplatzhalter 2">
+            <a:extLst>
+              <a:ext uri="{FF2B5EF4-FFF2-40B4-BE49-F238E27FC236}">
+                <a16:creationId xmlns:a16="http://schemas.microsoft.com/office/drawing/2014/main" id="{8C2AE327-D744-555A-352A-B01A54B2D2A5}"/>
+              </a:ext>
+            </a:extLst>
+          </p:cNvPr>
+          <p:cNvSpPr>
+            <a:spLocks noGrp="1"/>
+          </p:cNvSpPr>
+          <p:nvPr>
+            <p:ph idx="1"/>
+          </p:nvPr>
+        </p:nvSpPr>
+        <p:spPr/>
+        <p:txBody>
+          <a:bodyPr/>
+          <a:lstStyle/>
+          <a:p>
+            <a:r>
+              <a:rPr lang="de-DE" dirty="0"/>
+              <a:t>„Opa, wie hast Du eigentlich damals Java entwickelt?“</a:t>
+            </a:r>
+          </a:p>
+          <a:p>
+            <a:pPr lvl="1"/>
+            <a:r>
+              <a:rPr lang="de-DE" dirty="0"/>
+              <a:t>Text Editor, wenn man Glück hatte mit Syntax-</a:t>
+            </a:r>
+            <a:r>
+              <a:rPr lang="de-DE" dirty="0" err="1"/>
+              <a:t>Highlighting</a:t>
+            </a:r>
+            <a:endParaRPr lang="de-DE" dirty="0"/>
+          </a:p>
+          <a:p>
+            <a:pPr lvl="1"/>
+            <a:r>
+              <a:rPr lang="de-DE" dirty="0"/>
+              <a:t>Kompiliert mit </a:t>
+            </a:r>
+            <a:r>
+              <a:rPr lang="de-DE" dirty="0" err="1"/>
+              <a:t>javac</a:t>
+            </a:r>
+            <a:r>
+              <a:rPr lang="de-DE" dirty="0"/>
+              <a:t> im Terminal</a:t>
+            </a:r>
+          </a:p>
+          <a:p>
+            <a:pPr lvl="1"/>
+            <a:r>
+              <a:rPr lang="de-DE" dirty="0"/>
+              <a:t>IDE – wir hatten doch nichts!</a:t>
+            </a:r>
+          </a:p>
+          <a:p>
+            <a:pPr lvl="1"/>
+            <a:r>
+              <a:rPr lang="de-DE" dirty="0"/>
+              <a:t>Jetzt zeig‘ ich Dir mal Code von mir….</a:t>
+            </a:r>
+          </a:p>
+          <a:p>
+            <a:pPr lvl="2"/>
+            <a:r>
+              <a:rPr lang="de-DE" dirty="0"/>
+              <a:t>Projekt 01_history</a:t>
+            </a:r>
+          </a:p>
+        </p:txBody>
+      </p:sp>
+    </p:spTree>
+    <p:extLst>
+      <p:ext uri="{BB962C8B-B14F-4D97-AF65-F5344CB8AC3E}">
+        <p14:creationId xmlns:p14="http://schemas.microsoft.com/office/powerpoint/2010/main" val="3674237488"/>
+      </p:ext>
+    </p:extLst>
+  </p:cSld>
+  <p:clrMapOvr>
+    <a:masterClrMapping/>
+  </p:clrMapOvr>
+</p:sld>
+</file>
+
+<file path=ppt/slides/slide90.xml><?xml version="1.0" encoding="utf-8"?>
 <p:sld xmlns:a="http://schemas.openxmlformats.org/drawingml/2006/main" xmlns:r="http://schemas.openxmlformats.org/officeDocument/2006/relationships" xmlns:p="http://schemas.openxmlformats.org/presentationml/2006/main">
   <p:cSld>
     <p:spTree>
@@ -38455,7 +40416,7 @@
 </p:sld>
 </file>
 
-<file path=ppt/slides/slide87.xml><?xml version="1.0" encoding="utf-8"?>
+<file path=ppt/slides/slide91.xml><?xml version="1.0" encoding="utf-8"?>
 <p:sld xmlns:a="http://schemas.openxmlformats.org/drawingml/2006/main" xmlns:r="http://schemas.openxmlformats.org/officeDocument/2006/relationships" xmlns:p="http://schemas.openxmlformats.org/presentationml/2006/main">
   <p:cSld>
     <p:spTree>
@@ -38598,7 +40559,7 @@
 </p:sld>
 </file>
 
-<file path=ppt/slides/slide88.xml><?xml version="1.0" encoding="utf-8"?>
+<file path=ppt/slides/slide92.xml><?xml version="1.0" encoding="utf-8"?>
 <p:sld xmlns:a="http://schemas.openxmlformats.org/drawingml/2006/main" xmlns:r="http://schemas.openxmlformats.org/officeDocument/2006/relationships" xmlns:p="http://schemas.openxmlformats.org/presentationml/2006/main">
   <p:cSld>
     <p:spTree>
@@ -38747,7 +40708,7 @@
 </p:sld>
 </file>
 
-<file path=ppt/slides/slide89.xml><?xml version="1.0" encoding="utf-8"?>
+<file path=ppt/slides/slide93.xml><?xml version="1.0" encoding="utf-8"?>
 <p:sld xmlns:a="http://schemas.openxmlformats.org/drawingml/2006/main" xmlns:r="http://schemas.openxmlformats.org/officeDocument/2006/relationships" xmlns:p="http://schemas.openxmlformats.org/presentationml/2006/main">
   <p:cSld>
     <p:spTree>
@@ -38873,141 +40834,7 @@
 </p:sld>
 </file>
 
-<file path=ppt/slides/slide9.xml><?xml version="1.0" encoding="utf-8"?>
-<p:sld xmlns:a="http://schemas.openxmlformats.org/drawingml/2006/main" xmlns:r="http://schemas.openxmlformats.org/officeDocument/2006/relationships" xmlns:p="http://schemas.openxmlformats.org/presentationml/2006/main">
-  <p:cSld>
-    <p:spTree>
-      <p:nvGrpSpPr>
-        <p:cNvPr id="1" name=""/>
-        <p:cNvGrpSpPr/>
-        <p:nvPr/>
-      </p:nvGrpSpPr>
-      <p:grpSpPr>
-        <a:xfrm>
-          <a:off x="0" y="0"/>
-          <a:ext cx="0" cy="0"/>
-          <a:chOff x="0" y="0"/>
-          <a:chExt cx="0" cy="0"/>
-        </a:xfrm>
-      </p:grpSpPr>
-      <p:sp>
-        <p:nvSpPr>
-          <p:cNvPr id="2" name="Titel 1">
-            <a:extLst>
-              <a:ext uri="{FF2B5EF4-FFF2-40B4-BE49-F238E27FC236}">
-                <a16:creationId xmlns:a16="http://schemas.microsoft.com/office/drawing/2014/main" id="{7FEE631D-8392-72B7-BA47-CA585B385C63}"/>
-              </a:ext>
-            </a:extLst>
-          </p:cNvPr>
-          <p:cNvSpPr>
-            <a:spLocks noGrp="1"/>
-          </p:cNvSpPr>
-          <p:nvPr>
-            <p:ph type="title"/>
-          </p:nvPr>
-        </p:nvSpPr>
-        <p:spPr/>
-        <p:txBody>
-          <a:bodyPr/>
-          <a:lstStyle/>
-          <a:p>
-            <a:r>
-              <a:rPr lang="de-DE" dirty="0"/>
-              <a:t>Java Code im Laufe der Zeit</a:t>
-            </a:r>
-          </a:p>
-        </p:txBody>
-      </p:sp>
-      <p:sp>
-        <p:nvSpPr>
-          <p:cNvPr id="3" name="Inhaltsplatzhalter 2">
-            <a:extLst>
-              <a:ext uri="{FF2B5EF4-FFF2-40B4-BE49-F238E27FC236}">
-                <a16:creationId xmlns:a16="http://schemas.microsoft.com/office/drawing/2014/main" id="{8C2AE327-D744-555A-352A-B01A54B2D2A5}"/>
-              </a:ext>
-            </a:extLst>
-          </p:cNvPr>
-          <p:cNvSpPr>
-            <a:spLocks noGrp="1"/>
-          </p:cNvSpPr>
-          <p:nvPr>
-            <p:ph idx="1"/>
-          </p:nvPr>
-        </p:nvSpPr>
-        <p:spPr/>
-        <p:txBody>
-          <a:bodyPr/>
-          <a:lstStyle/>
-          <a:p>
-            <a:r>
-              <a:rPr lang="de-DE" dirty="0"/>
-              <a:t>„Opa, wie hast Du eigentlich damals Java entwickelt?“</a:t>
-            </a:r>
-          </a:p>
-          <a:p>
-            <a:pPr lvl="1"/>
-            <a:r>
-              <a:rPr lang="de-DE" dirty="0"/>
-              <a:t>Text Editor, wenn man Glück hatte mit Syntax-</a:t>
-            </a:r>
-            <a:r>
-              <a:rPr lang="de-DE" dirty="0" err="1"/>
-              <a:t>Highlighting</a:t>
-            </a:r>
-            <a:endParaRPr lang="de-DE" dirty="0"/>
-          </a:p>
-          <a:p>
-            <a:pPr lvl="1"/>
-            <a:r>
-              <a:rPr lang="de-DE" dirty="0"/>
-              <a:t>Kompiliert mit </a:t>
-            </a:r>
-            <a:r>
-              <a:rPr lang="de-DE" dirty="0" err="1"/>
-              <a:t>javac</a:t>
-            </a:r>
-            <a:r>
-              <a:rPr lang="de-DE" dirty="0"/>
-              <a:t> im Terminal</a:t>
-            </a:r>
-          </a:p>
-          <a:p>
-            <a:pPr lvl="1"/>
-            <a:r>
-              <a:rPr lang="de-DE" dirty="0"/>
-              <a:t>IDE – wir hatten doch nichts!</a:t>
-            </a:r>
-          </a:p>
-          <a:p>
-            <a:pPr lvl="1"/>
-            <a:r>
-              <a:rPr lang="de-DE" dirty="0"/>
-              <a:t>Jetzt zeig‘ ich Dir mal Code von mir….</a:t>
-            </a:r>
-          </a:p>
-          <a:p>
-            <a:pPr lvl="2"/>
-            <a:r>
-              <a:rPr lang="de-DE" dirty="0"/>
-              <a:t>Projekt 01_history</a:t>
-            </a:r>
-          </a:p>
-        </p:txBody>
-      </p:sp>
-    </p:spTree>
-    <p:extLst>
-      <p:ext uri="{BB962C8B-B14F-4D97-AF65-F5344CB8AC3E}">
-        <p14:creationId xmlns:p14="http://schemas.microsoft.com/office/powerpoint/2010/main" val="3674237488"/>
-      </p:ext>
-    </p:extLst>
-  </p:cSld>
-  <p:clrMapOvr>
-    <a:masterClrMapping/>
-  </p:clrMapOvr>
-</p:sld>
-</file>
-
-<file path=ppt/slides/slide90.xml><?xml version="1.0" encoding="utf-8"?>
+<file path=ppt/slides/slide94.xml><?xml version="1.0" encoding="utf-8"?>
 <p:sld xmlns:a="http://schemas.openxmlformats.org/drawingml/2006/main" xmlns:r="http://schemas.openxmlformats.org/officeDocument/2006/relationships" xmlns:p="http://schemas.openxmlformats.org/presentationml/2006/main">
   <p:cSld>
     <p:spTree>
@@ -39120,7 +40947,7 @@
 </p:sld>
 </file>
 
-<file path=ppt/slides/slide91.xml><?xml version="1.0" encoding="utf-8"?>
+<file path=ppt/slides/slide95.xml><?xml version="1.0" encoding="utf-8"?>
 <p:sld xmlns:a="http://schemas.openxmlformats.org/drawingml/2006/main" xmlns:r="http://schemas.openxmlformats.org/officeDocument/2006/relationships" xmlns:p="http://schemas.openxmlformats.org/presentationml/2006/main">
   <p:cSld>
     <p:spTree>
@@ -39350,7 +41177,7 @@
 </p:sld>
 </file>
 
-<file path=ppt/slides/slide92.xml><?xml version="1.0" encoding="utf-8"?>
+<file path=ppt/slides/slide96.xml><?xml version="1.0" encoding="utf-8"?>
 <p:sld xmlns:a="http://schemas.openxmlformats.org/drawingml/2006/main" xmlns:r="http://schemas.openxmlformats.org/officeDocument/2006/relationships" xmlns:p="http://schemas.openxmlformats.org/presentationml/2006/main">
   <p:cSld>
     <p:spTree>
@@ -39469,7 +41296,7 @@
 </p:sld>
 </file>
 
-<file path=ppt/slides/slide93.xml><?xml version="1.0" encoding="utf-8"?>
+<file path=ppt/slides/slide97.xml><?xml version="1.0" encoding="utf-8"?>
 <p:sld xmlns:a="http://schemas.openxmlformats.org/drawingml/2006/main" xmlns:r="http://schemas.openxmlformats.org/officeDocument/2006/relationships" xmlns:p="http://schemas.openxmlformats.org/presentationml/2006/main">
   <p:cSld>
     <p:spTree>
@@ -39557,7 +41384,7 @@
 </p:sld>
 </file>
 
-<file path=ppt/slides/slide94.xml><?xml version="1.0" encoding="utf-8"?>
+<file path=ppt/slides/slide98.xml><?xml version="1.0" encoding="utf-8"?>
 <p:sld xmlns:a="http://schemas.openxmlformats.org/drawingml/2006/main" xmlns:r="http://schemas.openxmlformats.org/officeDocument/2006/relationships" xmlns:p="http://schemas.openxmlformats.org/presentationml/2006/main">
   <p:cSld>
     <p:spTree>
@@ -39664,7 +41491,7 @@
 </p:sld>
 </file>
 
-<file path=ppt/slides/slide95.xml><?xml version="1.0" encoding="utf-8"?>
+<file path=ppt/slides/slide99.xml><?xml version="1.0" encoding="utf-8"?>
 <p:sld xmlns:a="http://schemas.openxmlformats.org/drawingml/2006/main" xmlns:r="http://schemas.openxmlformats.org/officeDocument/2006/relationships" xmlns:p="http://schemas.openxmlformats.org/presentationml/2006/main">
   <p:cSld>
     <p:spTree>
@@ -39850,859 +41677,6 @@
     <p:extLst>
       <p:ext uri="{BB962C8B-B14F-4D97-AF65-F5344CB8AC3E}">
         <p14:creationId xmlns:p14="http://schemas.microsoft.com/office/powerpoint/2010/main" val="3420206738"/>
-      </p:ext>
-    </p:extLst>
-  </p:cSld>
-  <p:clrMapOvr>
-    <a:masterClrMapping/>
-  </p:clrMapOvr>
-</p:sld>
-</file>
-
-<file path=ppt/slides/slide96.xml><?xml version="1.0" encoding="utf-8"?>
-<p:sld xmlns:a="http://schemas.openxmlformats.org/drawingml/2006/main" xmlns:r="http://schemas.openxmlformats.org/officeDocument/2006/relationships" xmlns:p="http://schemas.openxmlformats.org/presentationml/2006/main">
-  <p:cSld>
-    <p:spTree>
-      <p:nvGrpSpPr>
-        <p:cNvPr id="1" name=""/>
-        <p:cNvGrpSpPr/>
-        <p:nvPr/>
-      </p:nvGrpSpPr>
-      <p:grpSpPr>
-        <a:xfrm>
-          <a:off x="0" y="0"/>
-          <a:ext cx="0" cy="0"/>
-          <a:chOff x="0" y="0"/>
-          <a:chExt cx="0" cy="0"/>
-        </a:xfrm>
-      </p:grpSpPr>
-      <p:sp>
-        <p:nvSpPr>
-          <p:cNvPr id="2" name="Titel 1">
-            <a:extLst>
-              <a:ext uri="{FF2B5EF4-FFF2-40B4-BE49-F238E27FC236}">
-                <a16:creationId xmlns:a16="http://schemas.microsoft.com/office/drawing/2014/main" id="{4446AAB6-0531-91A1-E36C-1E318B91F827}"/>
-              </a:ext>
-            </a:extLst>
-          </p:cNvPr>
-          <p:cNvSpPr>
-            <a:spLocks noGrp="1"/>
-          </p:cNvSpPr>
-          <p:nvPr>
-            <p:ph type="title"/>
-          </p:nvPr>
-        </p:nvSpPr>
-        <p:spPr/>
-        <p:txBody>
-          <a:bodyPr/>
-          <a:lstStyle/>
-          <a:p>
-            <a:r>
-              <a:rPr lang="de-DE" dirty="0"/>
-              <a:t>Verschiedenes</a:t>
-            </a:r>
-          </a:p>
-        </p:txBody>
-      </p:sp>
-      <p:sp>
-        <p:nvSpPr>
-          <p:cNvPr id="3" name="Inhaltsplatzhalter 2">
-            <a:extLst>
-              <a:ext uri="{FF2B5EF4-FFF2-40B4-BE49-F238E27FC236}">
-                <a16:creationId xmlns:a16="http://schemas.microsoft.com/office/drawing/2014/main" id="{D9757FB2-0DD2-60AB-3594-41202C003015}"/>
-              </a:ext>
-            </a:extLst>
-          </p:cNvPr>
-          <p:cNvSpPr>
-            <a:spLocks noGrp="1"/>
-          </p:cNvSpPr>
-          <p:nvPr>
-            <p:ph idx="1"/>
-          </p:nvPr>
-        </p:nvSpPr>
-        <p:spPr/>
-        <p:txBody>
-          <a:bodyPr/>
-          <a:lstStyle/>
-          <a:p>
-            <a:r>
-              <a:rPr lang="de-DE" b="0" i="0" dirty="0">
-                <a:solidFill>
-                  <a:srgbClr val="000000"/>
-                </a:solidFill>
-                <a:effectLst/>
-                <a:latin typeface="inter-regular"/>
-              </a:rPr>
-              <a:t>03_java18-21 </a:t>
-            </a:r>
-            <a:r>
-              <a:rPr lang="de-DE" b="0" i="0" dirty="0" err="1">
-                <a:solidFill>
-                  <a:srgbClr val="000000"/>
-                </a:solidFill>
-                <a:effectLst/>
-                <a:latin typeface="inter-regular"/>
-              </a:rPr>
-              <a:t>de.zettsystems.history</a:t>
-            </a:r>
-            <a:r>
-              <a:rPr lang="de-DE" b="0" i="0" dirty="0">
-                <a:solidFill>
-                  <a:srgbClr val="000000"/>
-                </a:solidFill>
-                <a:effectLst/>
-                <a:latin typeface="inter-regular"/>
-              </a:rPr>
-              <a:t> : Können wir das Eingangsbeispiel verbessern?</a:t>
-            </a:r>
-          </a:p>
-          <a:p>
-            <a:endParaRPr lang="de-DE" dirty="0"/>
-          </a:p>
-        </p:txBody>
-      </p:sp>
-    </p:spTree>
-    <p:extLst>
-      <p:ext uri="{BB962C8B-B14F-4D97-AF65-F5344CB8AC3E}">
-        <p14:creationId xmlns:p14="http://schemas.microsoft.com/office/powerpoint/2010/main" val="1611510584"/>
-      </p:ext>
-    </p:extLst>
-  </p:cSld>
-  <p:clrMapOvr>
-    <a:masterClrMapping/>
-  </p:clrMapOvr>
-</p:sld>
-</file>
-
-<file path=ppt/slides/slide97.xml><?xml version="1.0" encoding="utf-8"?>
-<p:sld xmlns:a="http://schemas.openxmlformats.org/drawingml/2006/main" xmlns:r="http://schemas.openxmlformats.org/officeDocument/2006/relationships" xmlns:p="http://schemas.openxmlformats.org/presentationml/2006/main">
-  <p:cSld>
-    <p:spTree>
-      <p:nvGrpSpPr>
-        <p:cNvPr id="1" name=""/>
-        <p:cNvGrpSpPr/>
-        <p:nvPr/>
-      </p:nvGrpSpPr>
-      <p:grpSpPr>
-        <a:xfrm>
-          <a:off x="0" y="0"/>
-          <a:ext cx="0" cy="0"/>
-          <a:chOff x="0" y="0"/>
-          <a:chExt cx="0" cy="0"/>
-        </a:xfrm>
-      </p:grpSpPr>
-      <p:sp>
-        <p:nvSpPr>
-          <p:cNvPr id="2" name="Titel 1">
-            <a:extLst>
-              <a:ext uri="{FF2B5EF4-FFF2-40B4-BE49-F238E27FC236}">
-                <a16:creationId xmlns:a16="http://schemas.microsoft.com/office/drawing/2014/main" id="{2B856FA9-41F4-27F6-74A1-8E8EE996AC0E}"/>
-              </a:ext>
-            </a:extLst>
-          </p:cNvPr>
-          <p:cNvSpPr>
-            <a:spLocks noGrp="1"/>
-          </p:cNvSpPr>
-          <p:nvPr>
-            <p:ph type="title"/>
-          </p:nvPr>
-        </p:nvSpPr>
-        <p:spPr/>
-        <p:txBody>
-          <a:bodyPr/>
-          <a:lstStyle/>
-          <a:p>
-            <a:r>
-              <a:rPr lang="de-DE" dirty="0"/>
-              <a:t>Ggf. Aufgaben</a:t>
-            </a:r>
-          </a:p>
-        </p:txBody>
-      </p:sp>
-      <p:sp>
-        <p:nvSpPr>
-          <p:cNvPr id="3" name="Inhaltsplatzhalter 2">
-            <a:extLst>
-              <a:ext uri="{FF2B5EF4-FFF2-40B4-BE49-F238E27FC236}">
-                <a16:creationId xmlns:a16="http://schemas.microsoft.com/office/drawing/2014/main" id="{941F2F06-803E-6F7A-4661-B7A2C3D64491}"/>
-              </a:ext>
-            </a:extLst>
-          </p:cNvPr>
-          <p:cNvSpPr>
-            <a:spLocks noGrp="1"/>
-          </p:cNvSpPr>
-          <p:nvPr>
-            <p:ph idx="1"/>
-          </p:nvPr>
-        </p:nvSpPr>
-        <p:spPr/>
-        <p:txBody>
-          <a:bodyPr/>
-          <a:lstStyle/>
-          <a:p>
-            <a:r>
-              <a:rPr lang="de-DE" dirty="0"/>
-              <a:t>Bitte alle TODOs in 03_java_18_21 </a:t>
-            </a:r>
-            <a:r>
-              <a:rPr lang="de-DE" dirty="0" err="1"/>
-              <a:t>package</a:t>
-            </a:r>
-            <a:r>
-              <a:rPr lang="de-DE" dirty="0"/>
-              <a:t> </a:t>
-            </a:r>
-            <a:r>
-              <a:rPr lang="de-DE" dirty="0" err="1"/>
-              <a:t>de.zettsystems.exercises</a:t>
-            </a:r>
-            <a:r>
-              <a:rPr lang="de-DE" dirty="0"/>
-              <a:t> lösen</a:t>
-            </a:r>
-          </a:p>
-        </p:txBody>
-      </p:sp>
-    </p:spTree>
-    <p:extLst>
-      <p:ext uri="{BB962C8B-B14F-4D97-AF65-F5344CB8AC3E}">
-        <p14:creationId xmlns:p14="http://schemas.microsoft.com/office/powerpoint/2010/main" val="441614988"/>
-      </p:ext>
-    </p:extLst>
-  </p:cSld>
-  <p:clrMapOvr>
-    <a:masterClrMapping/>
-  </p:clrMapOvr>
-</p:sld>
-</file>
-
-<file path=ppt/slides/slide98.xml><?xml version="1.0" encoding="utf-8"?>
-<p:sld xmlns:a="http://schemas.openxmlformats.org/drawingml/2006/main" xmlns:r="http://schemas.openxmlformats.org/officeDocument/2006/relationships" xmlns:p="http://schemas.openxmlformats.org/presentationml/2006/main">
-  <p:cSld>
-    <p:spTree>
-      <p:nvGrpSpPr>
-        <p:cNvPr id="1" name="">
-          <a:extLst>
-            <a:ext uri="{FF2B5EF4-FFF2-40B4-BE49-F238E27FC236}">
-              <a16:creationId xmlns:a16="http://schemas.microsoft.com/office/drawing/2014/main" id="{DC728F42-3571-A596-C582-B32478C34783}"/>
-            </a:ext>
-          </a:extLst>
-        </p:cNvPr>
-        <p:cNvGrpSpPr/>
-        <p:nvPr/>
-      </p:nvGrpSpPr>
-      <p:grpSpPr>
-        <a:xfrm>
-          <a:off x="0" y="0"/>
-          <a:ext cx="0" cy="0"/>
-          <a:chOff x="0" y="0"/>
-          <a:chExt cx="0" cy="0"/>
-        </a:xfrm>
-      </p:grpSpPr>
-      <p:graphicFrame>
-        <p:nvGraphicFramePr>
-          <p:cNvPr id="6" name="Objekt 5" hidden="1">
-            <a:extLst>
-              <a:ext uri="{FF2B5EF4-FFF2-40B4-BE49-F238E27FC236}">
-                <a16:creationId xmlns:a16="http://schemas.microsoft.com/office/drawing/2014/main" id="{EAD060A6-6F8E-9F87-7593-DBC950015582}"/>
-              </a:ext>
-            </a:extLst>
-          </p:cNvPr>
-          <p:cNvGraphicFramePr>
-            <a:graphicFrameLocks noChangeAspect="1"/>
-          </p:cNvGraphicFramePr>
-          <p:nvPr>
-            <p:custDataLst>
-              <p:tags r:id="rId1"/>
-            </p:custDataLst>
-          </p:nvPr>
-        </p:nvGraphicFramePr>
-        <p:xfrm>
-          <a:off x="1588" y="1588"/>
-          <a:ext cx="1227" cy="1588"/>
-        </p:xfrm>
-        <a:graphic>
-          <a:graphicData uri="http://schemas.openxmlformats.org/presentationml/2006/ole">
-            <mc:AlternateContent xmlns:mc="http://schemas.openxmlformats.org/markup-compatibility/2006">
-              <mc:Choice xmlns:v="urn:schemas-microsoft-com:vml" Requires="v">
-                <p:oleObj name="think-cell Folie" r:id="rId3" imgW="7772400" imgH="10058400" progId="TCLayout.ActiveDocument.1">
-                  <p:embed/>
-                </p:oleObj>
-              </mc:Choice>
-              <mc:Fallback>
-                <p:oleObj name="think-cell Folie" r:id="rId3" imgW="7772400" imgH="10058400" progId="TCLayout.ActiveDocument.1">
-                  <p:embed/>
-                  <p:pic>
-                    <p:nvPicPr>
-                      <p:cNvPr id="6" name="Objekt 5" hidden="1">
-                        <a:extLst>
-                          <a:ext uri="{FF2B5EF4-FFF2-40B4-BE49-F238E27FC236}">
-                            <a16:creationId xmlns:a16="http://schemas.microsoft.com/office/drawing/2014/main" id="{0FED5651-0B87-98AF-DEFF-05A31646A4FC}"/>
-                          </a:ext>
-                        </a:extLst>
-                      </p:cNvPr>
-                      <p:cNvPicPr/>
-                      <p:nvPr/>
-                    </p:nvPicPr>
-                    <p:blipFill>
-                      <a:blip r:embed="rId4"/>
-                      <a:stretch>
-                        <a:fillRect/>
-                      </a:stretch>
-                    </p:blipFill>
-                    <p:spPr>
-                      <a:xfrm>
-                        <a:off x="1588" y="1588"/>
-                        <a:ext cx="1227" cy="1588"/>
-                      </a:xfrm>
-                      <a:prstGeom prst="rect">
-                        <a:avLst/>
-                      </a:prstGeom>
-                    </p:spPr>
-                  </p:pic>
-                </p:oleObj>
-              </mc:Fallback>
-            </mc:AlternateContent>
-          </a:graphicData>
-        </a:graphic>
-      </p:graphicFrame>
-      <p:sp>
-        <p:nvSpPr>
-          <p:cNvPr id="2" name="Titel 1">
-            <a:extLst>
-              <a:ext uri="{FF2B5EF4-FFF2-40B4-BE49-F238E27FC236}">
-                <a16:creationId xmlns:a16="http://schemas.microsoft.com/office/drawing/2014/main" id="{BD265C42-AB02-D6C8-0EC1-1B5F519BCED3}"/>
-              </a:ext>
-            </a:extLst>
-          </p:cNvPr>
-          <p:cNvSpPr>
-            <a:spLocks noGrp="1"/>
-          </p:cNvSpPr>
-          <p:nvPr>
-            <p:ph type="title"/>
-          </p:nvPr>
-        </p:nvSpPr>
-        <p:spPr>
-          <a:xfrm>
-            <a:off x="677334" y="609600"/>
-            <a:ext cx="8596668" cy="618907"/>
-          </a:xfrm>
-        </p:spPr>
-        <p:txBody>
-          <a:bodyPr vert="horz">
-            <a:normAutofit fontScale="90000"/>
-          </a:bodyPr>
-          <a:lstStyle/>
-          <a:p>
-            <a:r>
-              <a:rPr lang="de-DE" dirty="0"/>
-              <a:t>Agenda</a:t>
-            </a:r>
-          </a:p>
-        </p:txBody>
-      </p:sp>
-      <p:sp>
-        <p:nvSpPr>
-          <p:cNvPr id="3" name="Inhaltsplatzhalter 2">
-            <a:extLst>
-              <a:ext uri="{FF2B5EF4-FFF2-40B4-BE49-F238E27FC236}">
-                <a16:creationId xmlns:a16="http://schemas.microsoft.com/office/drawing/2014/main" id="{EED85CCB-A8D0-0C5C-99A5-166947C7AFC3}"/>
-              </a:ext>
-            </a:extLst>
-          </p:cNvPr>
-          <p:cNvSpPr>
-            <a:spLocks noGrp="1"/>
-          </p:cNvSpPr>
-          <p:nvPr>
-            <p:ph idx="1"/>
-          </p:nvPr>
-        </p:nvSpPr>
-        <p:spPr>
-          <a:xfrm>
-            <a:off x="677334" y="1426633"/>
-            <a:ext cx="8596668" cy="5010262"/>
-          </a:xfrm>
-        </p:spPr>
-        <p:txBody>
-          <a:bodyPr vert="horz" lIns="91440" tIns="45720" rIns="91440" bIns="45720" rtlCol="0" anchor="t">
-            <a:normAutofit/>
-          </a:bodyPr>
-          <a:lstStyle/>
-          <a:p>
-            <a:r>
-              <a:rPr lang="de-DE" sz="3100" dirty="0"/>
-              <a:t>Überblick Java</a:t>
-            </a:r>
-          </a:p>
-          <a:p>
-            <a:r>
-              <a:rPr lang="de-DE" sz="3200" dirty="0"/>
-              <a:t>Neue Sprachfeatures Java 12-21</a:t>
-            </a:r>
-          </a:p>
-          <a:p>
-            <a:r>
-              <a:rPr lang="de-DE" sz="3200" dirty="0"/>
-              <a:t>Neues in der JVM 12-17</a:t>
-            </a:r>
-          </a:p>
-          <a:p>
-            <a:r>
-              <a:rPr lang="de-DE" sz="3200" dirty="0"/>
-              <a:t>Ausblick </a:t>
-            </a:r>
-            <a:r>
-              <a:rPr lang="de-DE" sz="3600" dirty="0"/>
-              <a:t>18-21</a:t>
-            </a:r>
-          </a:p>
-          <a:p>
-            <a:r>
-              <a:rPr lang="de-DE" sz="3100" dirty="0"/>
-              <a:t>Open </a:t>
-            </a:r>
-            <a:r>
-              <a:rPr lang="de-DE" sz="3100" dirty="0" err="1"/>
-              <a:t>Rewrite</a:t>
-            </a:r>
-            <a:endParaRPr lang="de-DE" sz="3100" dirty="0"/>
-          </a:p>
-          <a:p>
-            <a:pPr lvl="1"/>
-            <a:r>
-              <a:rPr lang="de-DE" sz="2900" b="1" dirty="0"/>
-              <a:t>Überblick</a:t>
-            </a:r>
-          </a:p>
-          <a:p>
-            <a:pPr lvl="1"/>
-            <a:r>
-              <a:rPr lang="de-DE" sz="2900" dirty="0"/>
-              <a:t>Automatisiert zu neuen Features</a:t>
-            </a:r>
-          </a:p>
-          <a:p>
-            <a:pPr lvl="1"/>
-            <a:r>
-              <a:rPr lang="de-DE" sz="2900" dirty="0"/>
-              <a:t>Eigene </a:t>
-            </a:r>
-            <a:r>
-              <a:rPr lang="de-DE" sz="2900" dirty="0" err="1"/>
-              <a:t>Recipes</a:t>
-            </a:r>
-            <a:r>
-              <a:rPr lang="de-DE" sz="2900" dirty="0"/>
-              <a:t> schreiben</a:t>
-            </a:r>
-          </a:p>
-          <a:p>
-            <a:endParaRPr lang="de-DE" sz="3100" dirty="0"/>
-          </a:p>
-        </p:txBody>
-      </p:sp>
-    </p:spTree>
-    <p:extLst>
-      <p:ext uri="{BB962C8B-B14F-4D97-AF65-F5344CB8AC3E}">
-        <p14:creationId xmlns:p14="http://schemas.microsoft.com/office/powerpoint/2010/main" val="237513153"/>
-      </p:ext>
-    </p:extLst>
-  </p:cSld>
-  <p:clrMapOvr>
-    <a:masterClrMapping/>
-  </p:clrMapOvr>
-</p:sld>
-</file>
-
-<file path=ppt/slides/slide99.xml><?xml version="1.0" encoding="utf-8"?>
-<p:sld xmlns:a="http://schemas.openxmlformats.org/drawingml/2006/main" xmlns:r="http://schemas.openxmlformats.org/officeDocument/2006/relationships" xmlns:p="http://schemas.openxmlformats.org/presentationml/2006/main">
-  <p:cSld>
-    <p:spTree>
-      <p:nvGrpSpPr>
-        <p:cNvPr id="1" name=""/>
-        <p:cNvGrpSpPr/>
-        <p:nvPr/>
-      </p:nvGrpSpPr>
-      <p:grpSpPr>
-        <a:xfrm>
-          <a:off x="0" y="0"/>
-          <a:ext cx="0" cy="0"/>
-          <a:chOff x="0" y="0"/>
-          <a:chExt cx="0" cy="0"/>
-        </a:xfrm>
-      </p:grpSpPr>
-      <p:sp>
-        <p:nvSpPr>
-          <p:cNvPr id="2" name="Titel 1">
-            <a:extLst>
-              <a:ext uri="{FF2B5EF4-FFF2-40B4-BE49-F238E27FC236}">
-                <a16:creationId xmlns:a16="http://schemas.microsoft.com/office/drawing/2014/main" id="{5100BA70-9C09-411D-9CDC-7BB323AF3017}"/>
-              </a:ext>
-            </a:extLst>
-          </p:cNvPr>
-          <p:cNvSpPr>
-            <a:spLocks noGrp="1"/>
-          </p:cNvSpPr>
-          <p:nvPr>
-            <p:ph type="title"/>
-          </p:nvPr>
-        </p:nvSpPr>
-        <p:spPr/>
-        <p:txBody>
-          <a:bodyPr/>
-          <a:lstStyle/>
-          <a:p>
-            <a:r>
-              <a:rPr lang="de-DE" dirty="0"/>
-              <a:t>Automatisiert </a:t>
-            </a:r>
-            <a:r>
-              <a:rPr lang="de-DE" dirty="0" err="1"/>
-              <a:t>Refactorings</a:t>
-            </a:r>
-            <a:r>
-              <a:rPr lang="de-DE" dirty="0"/>
-              <a:t> anwenden</a:t>
-            </a:r>
-          </a:p>
-        </p:txBody>
-      </p:sp>
-      <p:sp>
-        <p:nvSpPr>
-          <p:cNvPr id="3" name="Inhaltsplatzhalter 2">
-            <a:extLst>
-              <a:ext uri="{FF2B5EF4-FFF2-40B4-BE49-F238E27FC236}">
-                <a16:creationId xmlns:a16="http://schemas.microsoft.com/office/drawing/2014/main" id="{F94404F9-ED81-4EFB-B468-A0813DD247CA}"/>
-              </a:ext>
-            </a:extLst>
-          </p:cNvPr>
-          <p:cNvSpPr>
-            <a:spLocks noGrp="1"/>
-          </p:cNvSpPr>
-          <p:nvPr>
-            <p:ph idx="1"/>
-          </p:nvPr>
-        </p:nvSpPr>
-        <p:spPr>
-          <a:xfrm>
-            <a:off x="677334" y="2160589"/>
-            <a:ext cx="8596668" cy="2685783"/>
-          </a:xfrm>
-        </p:spPr>
-        <p:txBody>
-          <a:bodyPr/>
-          <a:lstStyle/>
-          <a:p>
-            <a:pPr marL="0" indent="0">
-              <a:buNone/>
-            </a:pPr>
-            <a:r>
-              <a:rPr lang="en-US" b="1" dirty="0"/>
-              <a:t>Refactoring</a:t>
-            </a:r>
-            <a:r>
-              <a:rPr lang="en-US" dirty="0"/>
-              <a:t>: a change made to the internal structure of software to make it easier to understand and cheaper to modify without changing its observable behavior. (Fowler, </a:t>
-            </a:r>
-            <a:r>
-              <a:rPr lang="en-US" dirty="0">
-                <a:hlinkClick r:id="rId2"/>
-              </a:rPr>
-              <a:t>https://martinfowler.com/bliki/DefinitionOfRefactoring.html</a:t>
-            </a:r>
-            <a:r>
-              <a:rPr lang="en-US" dirty="0"/>
-              <a:t>)</a:t>
-            </a:r>
-          </a:p>
-          <a:p>
-            <a:pPr marL="0" indent="0">
-              <a:buNone/>
-            </a:pPr>
-            <a:r>
-              <a:rPr lang="en-US" b="1" dirty="0" err="1"/>
-              <a:t>Automatisiert</a:t>
-            </a:r>
-            <a:r>
-              <a:rPr lang="en-US" b="1" dirty="0"/>
-              <a:t>:</a:t>
-            </a:r>
-            <a:r>
-              <a:rPr lang="en-US" dirty="0"/>
-              <a:t> </a:t>
-            </a:r>
-            <a:r>
-              <a:rPr lang="en-US" dirty="0" err="1"/>
-              <a:t>OpenRewrite</a:t>
-            </a:r>
-            <a:r>
-              <a:rPr lang="en-US" dirty="0"/>
-              <a:t> </a:t>
-            </a:r>
-            <a:r>
-              <a:rPr lang="en-US" dirty="0" err="1"/>
-              <a:t>liefert</a:t>
-            </a:r>
-            <a:r>
-              <a:rPr lang="en-US" dirty="0"/>
-              <a:t> Plugins </a:t>
-            </a:r>
-            <a:r>
-              <a:rPr lang="en-US" dirty="0" err="1"/>
-              <a:t>für</a:t>
-            </a:r>
-            <a:r>
-              <a:rPr lang="en-US" dirty="0"/>
-              <a:t> Maven und </a:t>
-            </a:r>
-            <a:r>
-              <a:rPr lang="en-US" dirty="0" err="1"/>
-              <a:t>gradle</a:t>
-            </a:r>
-            <a:r>
-              <a:rPr lang="en-US" dirty="0"/>
-              <a:t> und </a:t>
-            </a:r>
-            <a:r>
-              <a:rPr lang="en-US" dirty="0" err="1"/>
-              <a:t>bringt</a:t>
-            </a:r>
-            <a:r>
-              <a:rPr lang="en-US" dirty="0"/>
-              <a:t> </a:t>
-            </a:r>
-            <a:r>
-              <a:rPr lang="en-US" dirty="0" err="1"/>
-              <a:t>bereits</a:t>
-            </a:r>
-            <a:r>
-              <a:rPr lang="en-US" dirty="0"/>
-              <a:t> diverse </a:t>
-            </a:r>
-            <a:r>
-              <a:rPr lang="en-US" dirty="0" err="1"/>
-              <a:t>sogenannte</a:t>
-            </a:r>
-            <a:r>
-              <a:rPr lang="en-US" dirty="0"/>
-              <a:t> Recipes </a:t>
-            </a:r>
-            <a:r>
-              <a:rPr lang="en-US" dirty="0" err="1"/>
-              <a:t>mit</a:t>
-            </a:r>
-            <a:r>
-              <a:rPr lang="en-US" dirty="0"/>
-              <a:t>, so </a:t>
-            </a:r>
-            <a:r>
-              <a:rPr lang="en-US" dirty="0" err="1"/>
-              <a:t>dass</a:t>
-            </a:r>
-            <a:r>
-              <a:rPr lang="en-US" dirty="0"/>
-              <a:t> auf die </a:t>
-            </a:r>
-            <a:r>
-              <a:rPr lang="en-US" dirty="0" err="1"/>
-              <a:t>Entwicklerin</a:t>
-            </a:r>
-            <a:r>
-              <a:rPr lang="en-US" dirty="0"/>
-              <a:t> </a:t>
-            </a:r>
-            <a:r>
-              <a:rPr lang="en-US" dirty="0" err="1"/>
-              <a:t>lediglich</a:t>
-            </a:r>
-            <a:r>
-              <a:rPr lang="en-US" dirty="0"/>
-              <a:t> die </a:t>
-            </a:r>
-            <a:r>
-              <a:rPr lang="en-US" dirty="0" err="1"/>
-              <a:t>Konfiguration</a:t>
-            </a:r>
-            <a:r>
-              <a:rPr lang="en-US" dirty="0"/>
-              <a:t> </a:t>
-            </a:r>
-            <a:r>
-              <a:rPr lang="en-US" dirty="0" err="1"/>
-              <a:t>dieser</a:t>
-            </a:r>
-            <a:r>
-              <a:rPr lang="en-US" dirty="0"/>
-              <a:t> </a:t>
-            </a:r>
-            <a:r>
-              <a:rPr lang="en-US" dirty="0" err="1"/>
-              <a:t>sowie</a:t>
-            </a:r>
-            <a:r>
-              <a:rPr lang="en-US" dirty="0"/>
-              <a:t> das Review der </a:t>
-            </a:r>
-            <a:r>
-              <a:rPr lang="en-US" dirty="0" err="1"/>
-              <a:t>Ergebnisse</a:t>
-            </a:r>
-            <a:r>
-              <a:rPr lang="en-US" dirty="0"/>
-              <a:t> </a:t>
-            </a:r>
-            <a:r>
-              <a:rPr lang="en-US" dirty="0" err="1"/>
-              <a:t>zukommt</a:t>
-            </a:r>
-            <a:r>
-              <a:rPr lang="en-US" dirty="0"/>
-              <a:t>.</a:t>
-            </a:r>
-          </a:p>
-          <a:p>
-            <a:pPr marL="0" indent="0">
-              <a:buNone/>
-            </a:pPr>
-            <a:endParaRPr lang="en-US" dirty="0"/>
-          </a:p>
-          <a:p>
-            <a:pPr marL="0" indent="0">
-              <a:buNone/>
-            </a:pPr>
-            <a:r>
-              <a:rPr lang="en-US" dirty="0" err="1"/>
-              <a:t>Beispiel</a:t>
-            </a:r>
-            <a:r>
-              <a:rPr lang="en-US" dirty="0"/>
-              <a:t> (</a:t>
-            </a:r>
-            <a:r>
-              <a:rPr lang="en-US" dirty="0" err="1"/>
-              <a:t>oder</a:t>
-            </a:r>
-            <a:r>
-              <a:rPr lang="en-US" dirty="0"/>
-              <a:t> </a:t>
-            </a:r>
-            <a:r>
-              <a:rPr lang="en-US" dirty="0" err="1"/>
-              <a:t>anders</a:t>
-            </a:r>
-            <a:r>
-              <a:rPr lang="en-US" dirty="0"/>
-              <a:t> rum ;-)):</a:t>
-            </a:r>
-            <a:endParaRPr lang="de-DE" dirty="0"/>
-          </a:p>
-        </p:txBody>
-      </p:sp>
-      <p:pic>
-        <p:nvPicPr>
-          <p:cNvPr id="4" name="Grafik 3">
-            <a:extLst>
-              <a:ext uri="{FF2B5EF4-FFF2-40B4-BE49-F238E27FC236}">
-                <a16:creationId xmlns:a16="http://schemas.microsoft.com/office/drawing/2014/main" id="{5B81ECC0-E76E-4DCB-909A-3CE9FE9AD991}"/>
-              </a:ext>
-            </a:extLst>
-          </p:cNvPr>
-          <p:cNvPicPr>
-            <a:picLocks noChangeAspect="1"/>
-          </p:cNvPicPr>
-          <p:nvPr/>
-        </p:nvPicPr>
-        <p:blipFill rotWithShape="1">
-          <a:blip r:embed="rId3"/>
-          <a:srcRect r="61260"/>
-          <a:stretch/>
-        </p:blipFill>
-        <p:spPr>
-          <a:xfrm>
-            <a:off x="677334" y="4846372"/>
-            <a:ext cx="2808074" cy="1333500"/>
-          </a:xfrm>
-          <a:prstGeom prst="rect">
-            <a:avLst/>
-          </a:prstGeom>
-        </p:spPr>
-      </p:pic>
-      <p:pic>
-        <p:nvPicPr>
-          <p:cNvPr id="5" name="Grafik 4">
-            <a:extLst>
-              <a:ext uri="{FF2B5EF4-FFF2-40B4-BE49-F238E27FC236}">
-                <a16:creationId xmlns:a16="http://schemas.microsoft.com/office/drawing/2014/main" id="{8CCA5AC1-BAFC-4ACE-BF77-4AC0DE9BB0BF}"/>
-              </a:ext>
-            </a:extLst>
-          </p:cNvPr>
-          <p:cNvPicPr>
-            <a:picLocks noChangeAspect="1"/>
-          </p:cNvPicPr>
-          <p:nvPr/>
-        </p:nvPicPr>
-        <p:blipFill rotWithShape="1">
-          <a:blip r:embed="rId4"/>
-          <a:srcRect r="11511"/>
-          <a:stretch/>
-        </p:blipFill>
-        <p:spPr>
-          <a:xfrm>
-            <a:off x="5236830" y="4846372"/>
-            <a:ext cx="3556849" cy="1285875"/>
-          </a:xfrm>
-          <a:prstGeom prst="rect">
-            <a:avLst/>
-          </a:prstGeom>
-        </p:spPr>
-      </p:pic>
-      <p:cxnSp>
-        <p:nvCxnSpPr>
-          <p:cNvPr id="8" name="Gerade Verbindung mit Pfeil 7">
-            <a:extLst>
-              <a:ext uri="{FF2B5EF4-FFF2-40B4-BE49-F238E27FC236}">
-                <a16:creationId xmlns:a16="http://schemas.microsoft.com/office/drawing/2014/main" id="{C342C5B1-EEF2-4E3B-8E0B-2488B611A400}"/>
-              </a:ext>
-            </a:extLst>
-          </p:cNvPr>
-          <p:cNvCxnSpPr>
-            <a:stCxn id="4" idx="3"/>
-            <a:endCxn id="5" idx="1"/>
-          </p:cNvCxnSpPr>
-          <p:nvPr/>
-        </p:nvCxnSpPr>
-        <p:spPr>
-          <a:xfrm flipV="1">
-            <a:off x="3485408" y="5489310"/>
-            <a:ext cx="1751422" cy="23812"/>
-          </a:xfrm>
-          <a:prstGeom prst="straightConnector1">
-            <a:avLst/>
-          </a:prstGeom>
-          <a:ln w="152400">
-            <a:headEnd type="triangle"/>
-            <a:tailEnd type="triangle"/>
-          </a:ln>
-        </p:spPr>
-        <p:style>
-          <a:lnRef idx="1">
-            <a:schemeClr val="accent1"/>
-          </a:lnRef>
-          <a:fillRef idx="0">
-            <a:schemeClr val="accent1"/>
-          </a:fillRef>
-          <a:effectRef idx="0">
-            <a:schemeClr val="accent1"/>
-          </a:effectRef>
-          <a:fontRef idx="minor">
-            <a:schemeClr val="tx1"/>
-          </a:fontRef>
-        </p:style>
-      </p:cxnSp>
-    </p:spTree>
-    <p:extLst>
-      <p:ext uri="{BB962C8B-B14F-4D97-AF65-F5344CB8AC3E}">
-        <p14:creationId xmlns:p14="http://schemas.microsoft.com/office/powerpoint/2010/main" val="3089206217"/>
       </p:ext>
     </p:extLst>
   </p:cSld>
